--- a/docs/songs_2025-01-12.pptx
+++ b/docs/songs_2025-01-12.pptx
@@ -5,8 +5,58 @@
     <p:sldMasterId id="2147483648" r:id="rId1"/>
   </p:sldMasterIdLst>
   <p:notesMasterIdLst>
-    <p:notesMasterId r:id="rId2"/>
+    <p:notesMasterId r:id="rId50"/>
   </p:notesMasterIdLst>
+  <p:sldIdLst>
+    <p:sldId id="545" r:id="rId2"/>
+    <p:sldId id="546" r:id="rId3"/>
+    <p:sldId id="547" r:id="rId4"/>
+    <p:sldId id="548" r:id="rId5"/>
+    <p:sldId id="552" r:id="rId6"/>
+    <p:sldId id="549" r:id="rId7"/>
+    <p:sldId id="550" r:id="rId8"/>
+    <p:sldId id="553" r:id="rId9"/>
+    <p:sldId id="551" r:id="rId10"/>
+    <p:sldId id="1185" r:id="rId11"/>
+    <p:sldId id="1188" r:id="rId12"/>
+    <p:sldId id="1186" r:id="rId13"/>
+    <p:sldId id="1187" r:id="rId14"/>
+    <p:sldId id="1189" r:id="rId15"/>
+    <p:sldId id="639" r:id="rId16"/>
+    <p:sldId id="651" r:id="rId17"/>
+    <p:sldId id="1190" r:id="rId18"/>
+    <p:sldId id="634" r:id="rId19"/>
+    <p:sldId id="637" r:id="rId20"/>
+    <p:sldId id="1191" r:id="rId21"/>
+    <p:sldId id="638" r:id="rId22"/>
+    <p:sldId id="1219" r:id="rId23"/>
+    <p:sldId id="1220" r:id="rId24"/>
+    <p:sldId id="1221" r:id="rId25"/>
+    <p:sldId id="1222" r:id="rId26"/>
+    <p:sldId id="1223" r:id="rId27"/>
+    <p:sldId id="1227" r:id="rId28"/>
+    <p:sldId id="524" r:id="rId29"/>
+    <p:sldId id="525" r:id="rId30"/>
+    <p:sldId id="1228" r:id="rId31"/>
+    <p:sldId id="526" r:id="rId32"/>
+    <p:sldId id="1209" r:id="rId33"/>
+    <p:sldId id="1210" r:id="rId34"/>
+    <p:sldId id="1211" r:id="rId35"/>
+    <p:sldId id="1212" r:id="rId36"/>
+    <p:sldId id="1213" r:id="rId37"/>
+    <p:sldId id="1214" r:id="rId38"/>
+    <p:sldId id="1215" r:id="rId39"/>
+    <p:sldId id="1216" r:id="rId40"/>
+    <p:sldId id="1217" r:id="rId41"/>
+    <p:sldId id="608" r:id="rId42"/>
+    <p:sldId id="483" r:id="rId43"/>
+    <p:sldId id="484" r:id="rId44"/>
+    <p:sldId id="635" r:id="rId45"/>
+    <p:sldId id="636" r:id="rId46"/>
+    <p:sldId id="1229" r:id="rId47"/>
+    <p:sldId id="1230" r:id="rId48"/>
+    <p:sldId id="1231" r:id="rId49"/>
+  </p:sldIdLst>
   <p:sldSz cx="9144000" cy="6858000" type="screen4x3"/>
   <p:notesSz cx="6858000" cy="9144000"/>
   <p:defaultTextStyle>
@@ -205,7 +255,7 @@
           <a:p>
             <a:fld id="{C57EAEFC-A9C7-464E-BE3F-33D4DD72E122}" type="datetimeFigureOut">
               <a:rPr lang="en-GB" smtClean="0"/>
-              <a:t>01/01/2025</a:t>
+              <a:t>06/01/2025</a:t>
             </a:fld>
             <a:endParaRPr lang="en-GB"/>
           </a:p>
@@ -473,6 +523,678 @@
 </p:notesMaster>
 </file>
 
+<file path=ppt/notesSlides/notesSlide1.xml><?xml version="1.0" encoding="utf-8"?>
+<p:notes xmlns:a="http://schemas.openxmlformats.org/drawingml/2006/main" xmlns:r="http://schemas.openxmlformats.org/officeDocument/2006/relationships" xmlns:p="http://schemas.openxmlformats.org/presentationml/2006/main">
+  <p:cSld>
+    <p:spTree>
+      <p:nvGrpSpPr>
+        <p:cNvPr id="1" name=""/>
+        <p:cNvGrpSpPr/>
+        <p:nvPr/>
+      </p:nvGrpSpPr>
+      <p:grpSpPr>
+        <a:xfrm>
+          <a:off x="0" y="0"/>
+          <a:ext cx="0" cy="0"/>
+          <a:chOff x="0" y="0"/>
+          <a:chExt cx="0" cy="0"/>
+        </a:xfrm>
+      </p:grpSpPr>
+      <p:sp>
+        <p:nvSpPr>
+          <p:cNvPr id="2" name="Slide Image Placeholder 1"/>
+          <p:cNvSpPr>
+            <a:spLocks noGrp="1" noRot="1" noChangeAspect="1"/>
+          </p:cNvSpPr>
+          <p:nvPr>
+            <p:ph type="sldImg"/>
+          </p:nvPr>
+        </p:nvSpPr>
+        <p:spPr/>
+      </p:sp>
+      <p:sp>
+        <p:nvSpPr>
+          <p:cNvPr id="3" name="Notes Placeholder 2"/>
+          <p:cNvSpPr>
+            <a:spLocks noGrp="1"/>
+          </p:cNvSpPr>
+          <p:nvPr>
+            <p:ph type="body" idx="1"/>
+          </p:nvPr>
+        </p:nvSpPr>
+        <p:spPr/>
+        <p:txBody>
+          <a:bodyPr/>
+          <a:lstStyle/>
+          <a:p>
+            <a:endParaRPr lang="en-GB" dirty="0"/>
+          </a:p>
+        </p:txBody>
+      </p:sp>
+      <p:sp>
+        <p:nvSpPr>
+          <p:cNvPr id="4" name="Slide Number Placeholder 3"/>
+          <p:cNvSpPr>
+            <a:spLocks noGrp="1"/>
+          </p:cNvSpPr>
+          <p:nvPr>
+            <p:ph type="sldNum" sz="quarter" idx="5"/>
+          </p:nvPr>
+        </p:nvSpPr>
+        <p:spPr/>
+        <p:txBody>
+          <a:bodyPr/>
+          <a:lstStyle/>
+          <a:p>
+            <a:fld id="{E79B61DE-1D46-4752-AF65-FA2C4EB0D1D0}" type="slidenum">
+              <a:rPr lang="en-GB" smtClean="0"/>
+              <a:t>33</a:t>
+            </a:fld>
+            <a:endParaRPr lang="en-GB"/>
+          </a:p>
+        </p:txBody>
+      </p:sp>
+    </p:spTree>
+    <p:extLst>
+      <p:ext uri="{BB962C8B-B14F-4D97-AF65-F5344CB8AC3E}">
+        <p14:creationId xmlns:p14="http://schemas.microsoft.com/office/powerpoint/2010/main" val="2798403565"/>
+      </p:ext>
+    </p:extLst>
+  </p:cSld>
+  <p:clrMapOvr>
+    <a:masterClrMapping/>
+  </p:clrMapOvr>
+</p:notes>
+</file>
+
+<file path=ppt/notesSlides/notesSlide2.xml><?xml version="1.0" encoding="utf-8"?>
+<p:notes xmlns:a="http://schemas.openxmlformats.org/drawingml/2006/main" xmlns:r="http://schemas.openxmlformats.org/officeDocument/2006/relationships" xmlns:p="http://schemas.openxmlformats.org/presentationml/2006/main">
+  <p:cSld>
+    <p:spTree>
+      <p:nvGrpSpPr>
+        <p:cNvPr id="1" name=""/>
+        <p:cNvGrpSpPr/>
+        <p:nvPr/>
+      </p:nvGrpSpPr>
+      <p:grpSpPr>
+        <a:xfrm>
+          <a:off x="0" y="0"/>
+          <a:ext cx="0" cy="0"/>
+          <a:chOff x="0" y="0"/>
+          <a:chExt cx="0" cy="0"/>
+        </a:xfrm>
+      </p:grpSpPr>
+      <p:sp>
+        <p:nvSpPr>
+          <p:cNvPr id="2" name="Slide Image Placeholder 1"/>
+          <p:cNvSpPr>
+            <a:spLocks noGrp="1" noRot="1" noChangeAspect="1"/>
+          </p:cNvSpPr>
+          <p:nvPr>
+            <p:ph type="sldImg"/>
+          </p:nvPr>
+        </p:nvSpPr>
+        <p:spPr/>
+      </p:sp>
+      <p:sp>
+        <p:nvSpPr>
+          <p:cNvPr id="3" name="Notes Placeholder 2"/>
+          <p:cNvSpPr>
+            <a:spLocks noGrp="1"/>
+          </p:cNvSpPr>
+          <p:nvPr>
+            <p:ph type="body" idx="1"/>
+          </p:nvPr>
+        </p:nvSpPr>
+        <p:spPr/>
+        <p:txBody>
+          <a:bodyPr/>
+          <a:lstStyle/>
+          <a:p>
+            <a:endParaRPr lang="en-GB" dirty="0"/>
+          </a:p>
+        </p:txBody>
+      </p:sp>
+      <p:sp>
+        <p:nvSpPr>
+          <p:cNvPr id="4" name="Slide Number Placeholder 3"/>
+          <p:cNvSpPr>
+            <a:spLocks noGrp="1"/>
+          </p:cNvSpPr>
+          <p:nvPr>
+            <p:ph type="sldNum" sz="quarter" idx="5"/>
+          </p:nvPr>
+        </p:nvSpPr>
+        <p:spPr/>
+        <p:txBody>
+          <a:bodyPr/>
+          <a:lstStyle/>
+          <a:p>
+            <a:fld id="{E79B61DE-1D46-4752-AF65-FA2C4EB0D1D0}" type="slidenum">
+              <a:rPr lang="en-GB" smtClean="0"/>
+              <a:t>34</a:t>
+            </a:fld>
+            <a:endParaRPr lang="en-GB"/>
+          </a:p>
+        </p:txBody>
+      </p:sp>
+    </p:spTree>
+    <p:extLst>
+      <p:ext uri="{BB962C8B-B14F-4D97-AF65-F5344CB8AC3E}">
+        <p14:creationId xmlns:p14="http://schemas.microsoft.com/office/powerpoint/2010/main" val="18997136"/>
+      </p:ext>
+    </p:extLst>
+  </p:cSld>
+  <p:clrMapOvr>
+    <a:masterClrMapping/>
+  </p:clrMapOvr>
+</p:notes>
+</file>
+
+<file path=ppt/notesSlides/notesSlide3.xml><?xml version="1.0" encoding="utf-8"?>
+<p:notes xmlns:a="http://schemas.openxmlformats.org/drawingml/2006/main" xmlns:r="http://schemas.openxmlformats.org/officeDocument/2006/relationships" xmlns:p="http://schemas.openxmlformats.org/presentationml/2006/main">
+  <p:cSld>
+    <p:spTree>
+      <p:nvGrpSpPr>
+        <p:cNvPr id="1" name=""/>
+        <p:cNvGrpSpPr/>
+        <p:nvPr/>
+      </p:nvGrpSpPr>
+      <p:grpSpPr>
+        <a:xfrm>
+          <a:off x="0" y="0"/>
+          <a:ext cx="0" cy="0"/>
+          <a:chOff x="0" y="0"/>
+          <a:chExt cx="0" cy="0"/>
+        </a:xfrm>
+      </p:grpSpPr>
+      <p:sp>
+        <p:nvSpPr>
+          <p:cNvPr id="2" name="Slide Image Placeholder 1"/>
+          <p:cNvSpPr>
+            <a:spLocks noGrp="1" noRot="1" noChangeAspect="1"/>
+          </p:cNvSpPr>
+          <p:nvPr>
+            <p:ph type="sldImg"/>
+          </p:nvPr>
+        </p:nvSpPr>
+        <p:spPr/>
+      </p:sp>
+      <p:sp>
+        <p:nvSpPr>
+          <p:cNvPr id="3" name="Notes Placeholder 2"/>
+          <p:cNvSpPr>
+            <a:spLocks noGrp="1"/>
+          </p:cNvSpPr>
+          <p:nvPr>
+            <p:ph type="body" idx="1"/>
+          </p:nvPr>
+        </p:nvSpPr>
+        <p:spPr/>
+        <p:txBody>
+          <a:bodyPr/>
+          <a:lstStyle/>
+          <a:p>
+            <a:endParaRPr lang="en-GB" dirty="0"/>
+          </a:p>
+        </p:txBody>
+      </p:sp>
+      <p:sp>
+        <p:nvSpPr>
+          <p:cNvPr id="4" name="Slide Number Placeholder 3"/>
+          <p:cNvSpPr>
+            <a:spLocks noGrp="1"/>
+          </p:cNvSpPr>
+          <p:nvPr>
+            <p:ph type="sldNum" sz="quarter" idx="5"/>
+          </p:nvPr>
+        </p:nvSpPr>
+        <p:spPr/>
+        <p:txBody>
+          <a:bodyPr/>
+          <a:lstStyle/>
+          <a:p>
+            <a:fld id="{E79B61DE-1D46-4752-AF65-FA2C4EB0D1D0}" type="slidenum">
+              <a:rPr lang="en-GB" smtClean="0"/>
+              <a:t>35</a:t>
+            </a:fld>
+            <a:endParaRPr lang="en-GB"/>
+          </a:p>
+        </p:txBody>
+      </p:sp>
+    </p:spTree>
+    <p:extLst>
+      <p:ext uri="{BB962C8B-B14F-4D97-AF65-F5344CB8AC3E}">
+        <p14:creationId xmlns:p14="http://schemas.microsoft.com/office/powerpoint/2010/main" val="2488889450"/>
+      </p:ext>
+    </p:extLst>
+  </p:cSld>
+  <p:clrMapOvr>
+    <a:masterClrMapping/>
+  </p:clrMapOvr>
+</p:notes>
+</file>
+
+<file path=ppt/notesSlides/notesSlide4.xml><?xml version="1.0" encoding="utf-8"?>
+<p:notes xmlns:a="http://schemas.openxmlformats.org/drawingml/2006/main" xmlns:r="http://schemas.openxmlformats.org/officeDocument/2006/relationships" xmlns:p="http://schemas.openxmlformats.org/presentationml/2006/main">
+  <p:cSld>
+    <p:spTree>
+      <p:nvGrpSpPr>
+        <p:cNvPr id="1" name=""/>
+        <p:cNvGrpSpPr/>
+        <p:nvPr/>
+      </p:nvGrpSpPr>
+      <p:grpSpPr>
+        <a:xfrm>
+          <a:off x="0" y="0"/>
+          <a:ext cx="0" cy="0"/>
+          <a:chOff x="0" y="0"/>
+          <a:chExt cx="0" cy="0"/>
+        </a:xfrm>
+      </p:grpSpPr>
+      <p:sp>
+        <p:nvSpPr>
+          <p:cNvPr id="2" name="Slide Image Placeholder 1"/>
+          <p:cNvSpPr>
+            <a:spLocks noGrp="1" noRot="1" noChangeAspect="1"/>
+          </p:cNvSpPr>
+          <p:nvPr>
+            <p:ph type="sldImg"/>
+          </p:nvPr>
+        </p:nvSpPr>
+        <p:spPr/>
+      </p:sp>
+      <p:sp>
+        <p:nvSpPr>
+          <p:cNvPr id="3" name="Notes Placeholder 2"/>
+          <p:cNvSpPr>
+            <a:spLocks noGrp="1"/>
+          </p:cNvSpPr>
+          <p:nvPr>
+            <p:ph type="body" idx="1"/>
+          </p:nvPr>
+        </p:nvSpPr>
+        <p:spPr/>
+        <p:txBody>
+          <a:bodyPr/>
+          <a:lstStyle/>
+          <a:p>
+            <a:endParaRPr lang="en-GB" dirty="0"/>
+          </a:p>
+        </p:txBody>
+      </p:sp>
+      <p:sp>
+        <p:nvSpPr>
+          <p:cNvPr id="4" name="Slide Number Placeholder 3"/>
+          <p:cNvSpPr>
+            <a:spLocks noGrp="1"/>
+          </p:cNvSpPr>
+          <p:nvPr>
+            <p:ph type="sldNum" sz="quarter" idx="5"/>
+          </p:nvPr>
+        </p:nvSpPr>
+        <p:spPr/>
+        <p:txBody>
+          <a:bodyPr/>
+          <a:lstStyle/>
+          <a:p>
+            <a:fld id="{E79B61DE-1D46-4752-AF65-FA2C4EB0D1D0}" type="slidenum">
+              <a:rPr lang="en-GB" smtClean="0"/>
+              <a:t>36</a:t>
+            </a:fld>
+            <a:endParaRPr lang="en-GB"/>
+          </a:p>
+        </p:txBody>
+      </p:sp>
+    </p:spTree>
+    <p:extLst>
+      <p:ext uri="{BB962C8B-B14F-4D97-AF65-F5344CB8AC3E}">
+        <p14:creationId xmlns:p14="http://schemas.microsoft.com/office/powerpoint/2010/main" val="181302612"/>
+      </p:ext>
+    </p:extLst>
+  </p:cSld>
+  <p:clrMapOvr>
+    <a:masterClrMapping/>
+  </p:clrMapOvr>
+</p:notes>
+</file>
+
+<file path=ppt/notesSlides/notesSlide5.xml><?xml version="1.0" encoding="utf-8"?>
+<p:notes xmlns:a="http://schemas.openxmlformats.org/drawingml/2006/main" xmlns:r="http://schemas.openxmlformats.org/officeDocument/2006/relationships" xmlns:p="http://schemas.openxmlformats.org/presentationml/2006/main">
+  <p:cSld>
+    <p:spTree>
+      <p:nvGrpSpPr>
+        <p:cNvPr id="1" name=""/>
+        <p:cNvGrpSpPr/>
+        <p:nvPr/>
+      </p:nvGrpSpPr>
+      <p:grpSpPr>
+        <a:xfrm>
+          <a:off x="0" y="0"/>
+          <a:ext cx="0" cy="0"/>
+          <a:chOff x="0" y="0"/>
+          <a:chExt cx="0" cy="0"/>
+        </a:xfrm>
+      </p:grpSpPr>
+      <p:sp>
+        <p:nvSpPr>
+          <p:cNvPr id="2" name="Slide Image Placeholder 1"/>
+          <p:cNvSpPr>
+            <a:spLocks noGrp="1" noRot="1" noChangeAspect="1"/>
+          </p:cNvSpPr>
+          <p:nvPr>
+            <p:ph type="sldImg"/>
+          </p:nvPr>
+        </p:nvSpPr>
+        <p:spPr/>
+      </p:sp>
+      <p:sp>
+        <p:nvSpPr>
+          <p:cNvPr id="3" name="Notes Placeholder 2"/>
+          <p:cNvSpPr>
+            <a:spLocks noGrp="1"/>
+          </p:cNvSpPr>
+          <p:nvPr>
+            <p:ph type="body" idx="1"/>
+          </p:nvPr>
+        </p:nvSpPr>
+        <p:spPr/>
+        <p:txBody>
+          <a:bodyPr/>
+          <a:lstStyle/>
+          <a:p>
+            <a:endParaRPr lang="en-GB" dirty="0"/>
+          </a:p>
+        </p:txBody>
+      </p:sp>
+      <p:sp>
+        <p:nvSpPr>
+          <p:cNvPr id="4" name="Slide Number Placeholder 3"/>
+          <p:cNvSpPr>
+            <a:spLocks noGrp="1"/>
+          </p:cNvSpPr>
+          <p:nvPr>
+            <p:ph type="sldNum" sz="quarter" idx="5"/>
+          </p:nvPr>
+        </p:nvSpPr>
+        <p:spPr/>
+        <p:txBody>
+          <a:bodyPr/>
+          <a:lstStyle/>
+          <a:p>
+            <a:fld id="{E79B61DE-1D46-4752-AF65-FA2C4EB0D1D0}" type="slidenum">
+              <a:rPr lang="en-GB" smtClean="0"/>
+              <a:t>37</a:t>
+            </a:fld>
+            <a:endParaRPr lang="en-GB"/>
+          </a:p>
+        </p:txBody>
+      </p:sp>
+    </p:spTree>
+    <p:extLst>
+      <p:ext uri="{BB962C8B-B14F-4D97-AF65-F5344CB8AC3E}">
+        <p14:creationId xmlns:p14="http://schemas.microsoft.com/office/powerpoint/2010/main" val="2461877715"/>
+      </p:ext>
+    </p:extLst>
+  </p:cSld>
+  <p:clrMapOvr>
+    <a:masterClrMapping/>
+  </p:clrMapOvr>
+</p:notes>
+</file>
+
+<file path=ppt/notesSlides/notesSlide6.xml><?xml version="1.0" encoding="utf-8"?>
+<p:notes xmlns:a="http://schemas.openxmlformats.org/drawingml/2006/main" xmlns:r="http://schemas.openxmlformats.org/officeDocument/2006/relationships" xmlns:p="http://schemas.openxmlformats.org/presentationml/2006/main">
+  <p:cSld>
+    <p:spTree>
+      <p:nvGrpSpPr>
+        <p:cNvPr id="1" name=""/>
+        <p:cNvGrpSpPr/>
+        <p:nvPr/>
+      </p:nvGrpSpPr>
+      <p:grpSpPr>
+        <a:xfrm>
+          <a:off x="0" y="0"/>
+          <a:ext cx="0" cy="0"/>
+          <a:chOff x="0" y="0"/>
+          <a:chExt cx="0" cy="0"/>
+        </a:xfrm>
+      </p:grpSpPr>
+      <p:sp>
+        <p:nvSpPr>
+          <p:cNvPr id="2" name="Slide Image Placeholder 1"/>
+          <p:cNvSpPr>
+            <a:spLocks noGrp="1" noRot="1" noChangeAspect="1"/>
+          </p:cNvSpPr>
+          <p:nvPr>
+            <p:ph type="sldImg"/>
+          </p:nvPr>
+        </p:nvSpPr>
+        <p:spPr/>
+      </p:sp>
+      <p:sp>
+        <p:nvSpPr>
+          <p:cNvPr id="3" name="Notes Placeholder 2"/>
+          <p:cNvSpPr>
+            <a:spLocks noGrp="1"/>
+          </p:cNvSpPr>
+          <p:nvPr>
+            <p:ph type="body" idx="1"/>
+          </p:nvPr>
+        </p:nvSpPr>
+        <p:spPr/>
+        <p:txBody>
+          <a:bodyPr/>
+          <a:lstStyle/>
+          <a:p>
+            <a:endParaRPr lang="en-GB" dirty="0"/>
+          </a:p>
+        </p:txBody>
+      </p:sp>
+      <p:sp>
+        <p:nvSpPr>
+          <p:cNvPr id="4" name="Slide Number Placeholder 3"/>
+          <p:cNvSpPr>
+            <a:spLocks noGrp="1"/>
+          </p:cNvSpPr>
+          <p:nvPr>
+            <p:ph type="sldNum" sz="quarter" idx="5"/>
+          </p:nvPr>
+        </p:nvSpPr>
+        <p:spPr/>
+        <p:txBody>
+          <a:bodyPr/>
+          <a:lstStyle/>
+          <a:p>
+            <a:fld id="{E79B61DE-1D46-4752-AF65-FA2C4EB0D1D0}" type="slidenum">
+              <a:rPr lang="en-GB" smtClean="0"/>
+              <a:t>38</a:t>
+            </a:fld>
+            <a:endParaRPr lang="en-GB"/>
+          </a:p>
+        </p:txBody>
+      </p:sp>
+    </p:spTree>
+    <p:extLst>
+      <p:ext uri="{BB962C8B-B14F-4D97-AF65-F5344CB8AC3E}">
+        <p14:creationId xmlns:p14="http://schemas.microsoft.com/office/powerpoint/2010/main" val="500900688"/>
+      </p:ext>
+    </p:extLst>
+  </p:cSld>
+  <p:clrMapOvr>
+    <a:masterClrMapping/>
+  </p:clrMapOvr>
+</p:notes>
+</file>
+
+<file path=ppt/notesSlides/notesSlide7.xml><?xml version="1.0" encoding="utf-8"?>
+<p:notes xmlns:a="http://schemas.openxmlformats.org/drawingml/2006/main" xmlns:r="http://schemas.openxmlformats.org/officeDocument/2006/relationships" xmlns:p="http://schemas.openxmlformats.org/presentationml/2006/main">
+  <p:cSld>
+    <p:spTree>
+      <p:nvGrpSpPr>
+        <p:cNvPr id="1" name=""/>
+        <p:cNvGrpSpPr/>
+        <p:nvPr/>
+      </p:nvGrpSpPr>
+      <p:grpSpPr>
+        <a:xfrm>
+          <a:off x="0" y="0"/>
+          <a:ext cx="0" cy="0"/>
+          <a:chOff x="0" y="0"/>
+          <a:chExt cx="0" cy="0"/>
+        </a:xfrm>
+      </p:grpSpPr>
+      <p:sp>
+        <p:nvSpPr>
+          <p:cNvPr id="2" name="Slide Image Placeholder 1"/>
+          <p:cNvSpPr>
+            <a:spLocks noGrp="1" noRot="1" noChangeAspect="1"/>
+          </p:cNvSpPr>
+          <p:nvPr>
+            <p:ph type="sldImg"/>
+          </p:nvPr>
+        </p:nvSpPr>
+        <p:spPr/>
+      </p:sp>
+      <p:sp>
+        <p:nvSpPr>
+          <p:cNvPr id="3" name="Notes Placeholder 2"/>
+          <p:cNvSpPr>
+            <a:spLocks noGrp="1"/>
+          </p:cNvSpPr>
+          <p:nvPr>
+            <p:ph type="body" idx="1"/>
+          </p:nvPr>
+        </p:nvSpPr>
+        <p:spPr/>
+        <p:txBody>
+          <a:bodyPr/>
+          <a:lstStyle/>
+          <a:p>
+            <a:endParaRPr lang="en-GB" dirty="0"/>
+          </a:p>
+        </p:txBody>
+      </p:sp>
+      <p:sp>
+        <p:nvSpPr>
+          <p:cNvPr id="4" name="Slide Number Placeholder 3"/>
+          <p:cNvSpPr>
+            <a:spLocks noGrp="1"/>
+          </p:cNvSpPr>
+          <p:nvPr>
+            <p:ph type="sldNum" sz="quarter" idx="5"/>
+          </p:nvPr>
+        </p:nvSpPr>
+        <p:spPr/>
+        <p:txBody>
+          <a:bodyPr/>
+          <a:lstStyle/>
+          <a:p>
+            <a:fld id="{E79B61DE-1D46-4752-AF65-FA2C4EB0D1D0}" type="slidenum">
+              <a:rPr lang="en-GB" smtClean="0"/>
+              <a:t>39</a:t>
+            </a:fld>
+            <a:endParaRPr lang="en-GB"/>
+          </a:p>
+        </p:txBody>
+      </p:sp>
+    </p:spTree>
+    <p:extLst>
+      <p:ext uri="{BB962C8B-B14F-4D97-AF65-F5344CB8AC3E}">
+        <p14:creationId xmlns:p14="http://schemas.microsoft.com/office/powerpoint/2010/main" val="1356394449"/>
+      </p:ext>
+    </p:extLst>
+  </p:cSld>
+  <p:clrMapOvr>
+    <a:masterClrMapping/>
+  </p:clrMapOvr>
+</p:notes>
+</file>
+
+<file path=ppt/notesSlides/notesSlide8.xml><?xml version="1.0" encoding="utf-8"?>
+<p:notes xmlns:a="http://schemas.openxmlformats.org/drawingml/2006/main" xmlns:r="http://schemas.openxmlformats.org/officeDocument/2006/relationships" xmlns:p="http://schemas.openxmlformats.org/presentationml/2006/main">
+  <p:cSld>
+    <p:spTree>
+      <p:nvGrpSpPr>
+        <p:cNvPr id="1" name=""/>
+        <p:cNvGrpSpPr/>
+        <p:nvPr/>
+      </p:nvGrpSpPr>
+      <p:grpSpPr>
+        <a:xfrm>
+          <a:off x="0" y="0"/>
+          <a:ext cx="0" cy="0"/>
+          <a:chOff x="0" y="0"/>
+          <a:chExt cx="0" cy="0"/>
+        </a:xfrm>
+      </p:grpSpPr>
+      <p:sp>
+        <p:nvSpPr>
+          <p:cNvPr id="2" name="Slide Image Placeholder 1"/>
+          <p:cNvSpPr>
+            <a:spLocks noGrp="1" noRot="1" noChangeAspect="1"/>
+          </p:cNvSpPr>
+          <p:nvPr>
+            <p:ph type="sldImg"/>
+          </p:nvPr>
+        </p:nvSpPr>
+        <p:spPr/>
+      </p:sp>
+      <p:sp>
+        <p:nvSpPr>
+          <p:cNvPr id="3" name="Notes Placeholder 2"/>
+          <p:cNvSpPr>
+            <a:spLocks noGrp="1"/>
+          </p:cNvSpPr>
+          <p:nvPr>
+            <p:ph type="body" idx="1"/>
+          </p:nvPr>
+        </p:nvSpPr>
+        <p:spPr/>
+        <p:txBody>
+          <a:bodyPr/>
+          <a:lstStyle/>
+          <a:p>
+            <a:endParaRPr lang="en-GB" dirty="0"/>
+          </a:p>
+        </p:txBody>
+      </p:sp>
+      <p:sp>
+        <p:nvSpPr>
+          <p:cNvPr id="4" name="Slide Number Placeholder 3"/>
+          <p:cNvSpPr>
+            <a:spLocks noGrp="1"/>
+          </p:cNvSpPr>
+          <p:nvPr>
+            <p:ph type="sldNum" sz="quarter" idx="5"/>
+          </p:nvPr>
+        </p:nvSpPr>
+        <p:spPr/>
+        <p:txBody>
+          <a:bodyPr/>
+          <a:lstStyle/>
+          <a:p>
+            <a:fld id="{E79B61DE-1D46-4752-AF65-FA2C4EB0D1D0}" type="slidenum">
+              <a:rPr lang="en-GB" smtClean="0"/>
+              <a:t>40</a:t>
+            </a:fld>
+            <a:endParaRPr lang="en-GB"/>
+          </a:p>
+        </p:txBody>
+      </p:sp>
+    </p:spTree>
+    <p:extLst>
+      <p:ext uri="{BB962C8B-B14F-4D97-AF65-F5344CB8AC3E}">
+        <p14:creationId xmlns:p14="http://schemas.microsoft.com/office/powerpoint/2010/main" val="1445245222"/>
+      </p:ext>
+    </p:extLst>
+  </p:cSld>
+  <p:clrMapOvr>
+    <a:masterClrMapping/>
+  </p:clrMapOvr>
+</p:notes>
+</file>
+
 <file path=ppt/slideLayouts/slideLayout1.xml><?xml version="1.0" encoding="utf-8"?>
 <p:sldLayout xmlns:a="http://schemas.openxmlformats.org/drawingml/2006/main" xmlns:r="http://schemas.openxmlformats.org/officeDocument/2006/relationships" xmlns:p="http://schemas.openxmlformats.org/presentationml/2006/main" type="title" preserve="1">
   <p:cSld name="Title Slide">
@@ -653,7 +1375,7 @@
             <a:fld id="{26EA1CF3-4A15-4CBF-9A5A-6A56C368BE71}" type="datetimeFigureOut">
               <a:rPr lang="en-GB" smtClean="0"/>
               <a:pPr/>
-              <a:t>01/01/2025</a:t>
+              <a:t>06/01/2025</a:t>
             </a:fld>
             <a:endParaRPr lang="en-GB"/>
           </a:p>
@@ -818,7 +1540,7 @@
             <a:fld id="{26EA1CF3-4A15-4CBF-9A5A-6A56C368BE71}" type="datetimeFigureOut">
               <a:rPr lang="en-GB" smtClean="0"/>
               <a:pPr/>
-              <a:t>01/01/2025</a:t>
+              <a:t>06/01/2025</a:t>
             </a:fld>
             <a:endParaRPr lang="en-GB"/>
           </a:p>
@@ -993,7 +1715,7 @@
             <a:fld id="{26EA1CF3-4A15-4CBF-9A5A-6A56C368BE71}" type="datetimeFigureOut">
               <a:rPr lang="en-GB" smtClean="0"/>
               <a:pPr/>
-              <a:t>01/01/2025</a:t>
+              <a:t>06/01/2025</a:t>
             </a:fld>
             <a:endParaRPr lang="en-GB"/>
           </a:p>
@@ -1160,7 +1882,7 @@
             <a:fld id="{26EA1CF3-4A15-4CBF-9A5A-6A56C368BE71}" type="datetimeFigureOut">
               <a:rPr lang="en-GB" smtClean="0"/>
               <a:pPr/>
-              <a:t>01/01/2025</a:t>
+              <a:t>06/01/2025</a:t>
             </a:fld>
             <a:endParaRPr lang="en-GB"/>
           </a:p>
@@ -1402,7 +2124,7 @@
             <a:fld id="{26EA1CF3-4A15-4CBF-9A5A-6A56C368BE71}" type="datetimeFigureOut">
               <a:rPr lang="en-GB" smtClean="0"/>
               <a:pPr/>
-              <a:t>01/01/2025</a:t>
+              <a:t>06/01/2025</a:t>
             </a:fld>
             <a:endParaRPr lang="en-GB"/>
           </a:p>
@@ -1684,7 +2406,7 @@
             <a:fld id="{26EA1CF3-4A15-4CBF-9A5A-6A56C368BE71}" type="datetimeFigureOut">
               <a:rPr lang="en-GB" smtClean="0"/>
               <a:pPr/>
-              <a:t>01/01/2025</a:t>
+              <a:t>06/01/2025</a:t>
             </a:fld>
             <a:endParaRPr lang="en-GB"/>
           </a:p>
@@ -2100,7 +2822,7 @@
             <a:fld id="{26EA1CF3-4A15-4CBF-9A5A-6A56C368BE71}" type="datetimeFigureOut">
               <a:rPr lang="en-GB" smtClean="0"/>
               <a:pPr/>
-              <a:t>01/01/2025</a:t>
+              <a:t>06/01/2025</a:t>
             </a:fld>
             <a:endParaRPr lang="en-GB"/>
           </a:p>
@@ -2214,7 +2936,7 @@
             <a:fld id="{26EA1CF3-4A15-4CBF-9A5A-6A56C368BE71}" type="datetimeFigureOut">
               <a:rPr lang="en-GB" smtClean="0"/>
               <a:pPr/>
-              <a:t>01/01/2025</a:t>
+              <a:t>06/01/2025</a:t>
             </a:fld>
             <a:endParaRPr lang="en-GB"/>
           </a:p>
@@ -2306,7 +3028,7 @@
             <a:fld id="{26EA1CF3-4A15-4CBF-9A5A-6A56C368BE71}" type="datetimeFigureOut">
               <a:rPr lang="en-GB" smtClean="0"/>
               <a:pPr/>
-              <a:t>01/01/2025</a:t>
+              <a:t>06/01/2025</a:t>
             </a:fld>
             <a:endParaRPr lang="en-GB"/>
           </a:p>
@@ -2578,7 +3300,7 @@
             <a:fld id="{26EA1CF3-4A15-4CBF-9A5A-6A56C368BE71}" type="datetimeFigureOut">
               <a:rPr lang="en-GB" smtClean="0"/>
               <a:pPr/>
-              <a:t>01/01/2025</a:t>
+              <a:t>06/01/2025</a:t>
             </a:fld>
             <a:endParaRPr lang="en-GB"/>
           </a:p>
@@ -2830,7 +3552,7 @@
             <a:fld id="{26EA1CF3-4A15-4CBF-9A5A-6A56C368BE71}" type="datetimeFigureOut">
               <a:rPr lang="en-GB" smtClean="0"/>
               <a:pPr/>
-              <a:t>01/01/2025</a:t>
+              <a:t>06/01/2025</a:t>
             </a:fld>
             <a:endParaRPr lang="en-GB"/>
           </a:p>
@@ -3039,7 +3761,7 @@
             <a:fld id="{26EA1CF3-4A15-4CBF-9A5A-6A56C368BE71}" type="datetimeFigureOut">
               <a:rPr lang="en-GB" smtClean="0"/>
               <a:pPr/>
-              <a:t>01/01/2025</a:t>
+              <a:t>06/01/2025</a:t>
             </a:fld>
             <a:endParaRPr lang="en-GB"/>
           </a:p>
@@ -3532,6 +4254,7077 @@
     </p:otherStyle>
   </p:txStyles>
 </p:sldMaster>
+</file>
+
+<file path=ppt/slides/slide1.xml><?xml version="1.0" encoding="utf-8"?>
+<p:sld xmlns:a="http://schemas.openxmlformats.org/drawingml/2006/main" xmlns:r="http://schemas.openxmlformats.org/officeDocument/2006/relationships" xmlns:p="http://schemas.openxmlformats.org/presentationml/2006/main">
+  <p:cSld>
+    <p:spTree>
+      <p:nvGrpSpPr>
+        <p:cNvPr id="1" name=""/>
+        <p:cNvGrpSpPr/>
+        <p:nvPr/>
+      </p:nvGrpSpPr>
+      <p:grpSpPr>
+        <a:xfrm>
+          <a:off x="0" y="0"/>
+          <a:ext cx="0" cy="0"/>
+          <a:chOff x="0" y="0"/>
+          <a:chExt cx="0" cy="0"/>
+        </a:xfrm>
+      </p:grpSpPr>
+      <p:sp>
+        <p:nvSpPr>
+          <p:cNvPr id="3" name="Subtitle 2"/>
+          <p:cNvSpPr>
+            <a:spLocks noGrp="1"/>
+          </p:cNvSpPr>
+          <p:nvPr>
+            <p:ph type="subTitle" idx="1"/>
+          </p:nvPr>
+        </p:nvSpPr>
+        <p:spPr>
+          <a:xfrm>
+            <a:off x="323528" y="188640"/>
+            <a:ext cx="8640960" cy="6480720"/>
+          </a:xfrm>
+        </p:spPr>
+        <p:txBody>
+          <a:bodyPr>
+            <a:noAutofit/>
+          </a:bodyPr>
+          <a:lstStyle/>
+          <a:p>
+            <a:endParaRPr lang="en-GB" sz="5400" dirty="0">
+              <a:solidFill>
+                <a:schemeClr val="bg1"/>
+              </a:solidFill>
+            </a:endParaRPr>
+          </a:p>
+          <a:p>
+            <a:endParaRPr lang="en-GB" sz="5400" b="0" i="0" dirty="0">
+              <a:solidFill>
+                <a:schemeClr val="bg1"/>
+              </a:solidFill>
+              <a:effectLst/>
+              <a:latin typeface="akagi_probook"/>
+            </a:endParaRPr>
+          </a:p>
+          <a:p>
+            <a:r>
+              <a:rPr lang="en-GB" sz="6600" b="0" i="0" dirty="0">
+                <a:solidFill>
+                  <a:srgbClr val="00A3E0"/>
+                </a:solidFill>
+                <a:effectLst/>
+                <a:latin typeface="akagi_probook"/>
+              </a:rPr>
+              <a:t>Thanksgiving</a:t>
+            </a:r>
+          </a:p>
+          <a:p>
+            <a:br>
+              <a:rPr lang="en-GB" sz="900" b="0" i="0" dirty="0">
+                <a:solidFill>
+                  <a:srgbClr val="717171"/>
+                </a:solidFill>
+                <a:effectLst/>
+                <a:latin typeface="akagi_probook"/>
+              </a:rPr>
+            </a:br>
+            <a:r>
+              <a:rPr lang="en-GB" sz="900" b="0" i="0" dirty="0">
+                <a:solidFill>
+                  <a:srgbClr val="717171"/>
+                </a:solidFill>
+                <a:effectLst/>
+                <a:latin typeface="akagi_probook"/>
+              </a:rPr>
+              <a:t>CCLI Song # 7199589</a:t>
+            </a:r>
+          </a:p>
+          <a:p>
+            <a:r>
+              <a:rPr lang="en-GB" sz="900" b="0" i="0" dirty="0">
+                <a:solidFill>
+                  <a:srgbClr val="717171"/>
+                </a:solidFill>
+                <a:effectLst/>
+                <a:latin typeface="akagi_probook"/>
+              </a:rPr>
+              <a:t>Nick Herbert | Taku </a:t>
+            </a:r>
+            <a:r>
+              <a:rPr lang="en-GB" sz="900" b="0" i="0" dirty="0" err="1">
+                <a:solidFill>
+                  <a:srgbClr val="717171"/>
+                </a:solidFill>
+                <a:effectLst/>
+                <a:latin typeface="akagi_probook"/>
+              </a:rPr>
+              <a:t>Mudere</a:t>
+            </a:r>
+            <a:r>
+              <a:rPr lang="en-GB" sz="900" b="0" i="0" dirty="0">
+                <a:solidFill>
+                  <a:srgbClr val="717171"/>
+                </a:solidFill>
+                <a:effectLst/>
+                <a:latin typeface="akagi_probook"/>
+              </a:rPr>
+              <a:t> | Zo </a:t>
+            </a:r>
+            <a:r>
+              <a:rPr lang="en-GB" sz="900" b="0" i="0" dirty="0" err="1">
+                <a:solidFill>
+                  <a:srgbClr val="717171"/>
+                </a:solidFill>
+                <a:effectLst/>
+                <a:latin typeface="akagi_probook"/>
+              </a:rPr>
+              <a:t>Chilengwe</a:t>
+            </a:r>
+            <a:endParaRPr lang="en-GB" sz="900" b="0" i="0" dirty="0">
+              <a:solidFill>
+                <a:srgbClr val="717171"/>
+              </a:solidFill>
+              <a:effectLst/>
+              <a:latin typeface="akagi_probook"/>
+            </a:endParaRPr>
+          </a:p>
+          <a:p>
+            <a:r>
+              <a:rPr lang="en-GB" sz="900" b="0" i="0" dirty="0">
+                <a:solidFill>
+                  <a:srgbClr val="717171"/>
+                </a:solidFill>
+                <a:effectLst/>
+                <a:latin typeface="akagi_probook"/>
+              </a:rPr>
+              <a:t>© Capitol CMG Genesis; Safe and Sound Music; Remaining portion is unaffiliated</a:t>
+            </a:r>
+          </a:p>
+          <a:p>
+            <a:r>
+              <a:rPr lang="en-GB" sz="900" b="0" i="0" dirty="0">
+                <a:solidFill>
+                  <a:srgbClr val="717171"/>
+                </a:solidFill>
+                <a:effectLst/>
+                <a:latin typeface="akagi_probook"/>
+              </a:rPr>
+              <a:t>For use solely with the </a:t>
+            </a:r>
+            <a:r>
+              <a:rPr lang="en-GB" sz="900" b="0" i="0" dirty="0" err="1">
+                <a:solidFill>
+                  <a:srgbClr val="717171"/>
+                </a:solidFill>
+                <a:effectLst/>
+                <a:latin typeface="akagi_probook"/>
+              </a:rPr>
+              <a:t>SongSelect</a:t>
+            </a:r>
+            <a:r>
+              <a:rPr lang="en-GB" sz="900" b="0" i="0" dirty="0">
+                <a:solidFill>
+                  <a:srgbClr val="717171"/>
+                </a:solidFill>
+                <a:effectLst/>
+                <a:latin typeface="akagi_probook"/>
+              </a:rPr>
+              <a:t>® Terms of Use. All rights reserved. www.ccli.com</a:t>
+            </a:r>
+          </a:p>
+          <a:p>
+            <a:r>
+              <a:rPr lang="en-GB" sz="900" b="0" i="0" dirty="0">
+                <a:solidFill>
+                  <a:srgbClr val="717171"/>
+                </a:solidFill>
+                <a:effectLst/>
+                <a:latin typeface="akagi_probook"/>
+              </a:rPr>
+              <a:t>CCLI Licence No. 33265</a:t>
+            </a:r>
+          </a:p>
+          <a:p>
+            <a:endParaRPr lang="en-GB" sz="1200" dirty="0">
+              <a:solidFill>
+                <a:schemeClr val="bg1"/>
+              </a:solidFill>
+            </a:endParaRPr>
+          </a:p>
+        </p:txBody>
+      </p:sp>
+    </p:spTree>
+    <p:extLst>
+      <p:ext uri="{BB962C8B-B14F-4D97-AF65-F5344CB8AC3E}">
+        <p14:creationId xmlns:p14="http://schemas.microsoft.com/office/powerpoint/2010/main" val="2186274046"/>
+      </p:ext>
+    </p:extLst>
+  </p:cSld>
+  <p:clrMapOvr>
+    <a:masterClrMapping/>
+  </p:clrMapOvr>
+</p:sld>
+</file>
+
+<file path=ppt/slides/slide10.xml><?xml version="1.0" encoding="utf-8"?>
+<p:sld xmlns:a="http://schemas.openxmlformats.org/drawingml/2006/main" xmlns:r="http://schemas.openxmlformats.org/officeDocument/2006/relationships" xmlns:p="http://schemas.openxmlformats.org/presentationml/2006/main">
+  <p:cSld>
+    <p:spTree>
+      <p:nvGrpSpPr>
+        <p:cNvPr id="1" name=""/>
+        <p:cNvGrpSpPr/>
+        <p:nvPr/>
+      </p:nvGrpSpPr>
+      <p:grpSpPr>
+        <a:xfrm>
+          <a:off x="0" y="0"/>
+          <a:ext cx="0" cy="0"/>
+          <a:chOff x="0" y="0"/>
+          <a:chExt cx="0" cy="0"/>
+        </a:xfrm>
+      </p:grpSpPr>
+      <p:sp>
+        <p:nvSpPr>
+          <p:cNvPr id="3" name="Subtitle 2"/>
+          <p:cNvSpPr>
+            <a:spLocks noGrp="1"/>
+          </p:cNvSpPr>
+          <p:nvPr>
+            <p:ph type="subTitle" idx="1"/>
+          </p:nvPr>
+        </p:nvSpPr>
+        <p:spPr>
+          <a:xfrm>
+            <a:off x="323528" y="188640"/>
+            <a:ext cx="8640960" cy="6480720"/>
+          </a:xfrm>
+        </p:spPr>
+        <p:txBody>
+          <a:bodyPr>
+            <a:noAutofit/>
+          </a:bodyPr>
+          <a:lstStyle/>
+          <a:p>
+            <a:endParaRPr lang="en-GB" sz="9600" dirty="0"/>
+          </a:p>
+          <a:p>
+            <a:r>
+              <a:rPr lang="en-GB" sz="9600" dirty="0">
+                <a:solidFill>
+                  <a:schemeClr val="bg1"/>
+                </a:solidFill>
+              </a:rPr>
+              <a:t>Days Of Elijah</a:t>
+            </a:r>
+          </a:p>
+          <a:p>
+            <a:br>
+              <a:rPr lang="en-GB" sz="1200" dirty="0"/>
+            </a:br>
+            <a:r>
+              <a:rPr lang="en-GB" sz="1200" dirty="0"/>
+              <a:t>CCLI Song # 1537904</a:t>
+            </a:r>
+          </a:p>
+          <a:p>
+            <a:endParaRPr lang="en-GB" sz="1200" dirty="0"/>
+          </a:p>
+          <a:p>
+            <a:r>
+              <a:rPr lang="en-GB" sz="1200" dirty="0"/>
+              <a:t>Robin Mark</a:t>
+            </a:r>
+          </a:p>
+          <a:p>
+            <a:endParaRPr lang="en-GB" sz="1200" dirty="0"/>
+          </a:p>
+          <a:p>
+            <a:r>
+              <a:rPr lang="en-GB" sz="1200" dirty="0"/>
+              <a:t>© 1996 Song Solutions Daybreak (Admin. by Song Solutions www.songsolutions.org)</a:t>
+            </a:r>
+          </a:p>
+          <a:p>
+            <a:r>
+              <a:rPr lang="en-GB" sz="1200" dirty="0"/>
+              <a:t>For use solely with the </a:t>
+            </a:r>
+            <a:r>
+              <a:rPr lang="en-GB" sz="1200" dirty="0" err="1"/>
+              <a:t>SongSelect</a:t>
+            </a:r>
+            <a:r>
+              <a:rPr lang="en-GB" sz="1200" dirty="0"/>
+              <a:t>® Terms of Use. All rights reserved. www.ccli.com</a:t>
+            </a:r>
+          </a:p>
+          <a:p>
+            <a:endParaRPr lang="en-GB" sz="1200" dirty="0"/>
+          </a:p>
+          <a:p>
+            <a:r>
+              <a:rPr lang="en-GB" sz="1200" dirty="0"/>
+              <a:t>CCLI Licence No. 33265</a:t>
+            </a:r>
+          </a:p>
+        </p:txBody>
+      </p:sp>
+    </p:spTree>
+    <p:extLst>
+      <p:ext uri="{BB962C8B-B14F-4D97-AF65-F5344CB8AC3E}">
+        <p14:creationId xmlns:p14="http://schemas.microsoft.com/office/powerpoint/2010/main" val="3918392505"/>
+      </p:ext>
+    </p:extLst>
+  </p:cSld>
+  <p:clrMapOvr>
+    <a:masterClrMapping/>
+  </p:clrMapOvr>
+</p:sld>
+</file>
+
+<file path=ppt/slides/slide11.xml><?xml version="1.0" encoding="utf-8"?>
+<p:sld xmlns:a="http://schemas.openxmlformats.org/drawingml/2006/main" xmlns:r="http://schemas.openxmlformats.org/officeDocument/2006/relationships" xmlns:p="http://schemas.openxmlformats.org/presentationml/2006/main">
+  <p:cSld>
+    <p:spTree>
+      <p:nvGrpSpPr>
+        <p:cNvPr id="1" name=""/>
+        <p:cNvGrpSpPr/>
+        <p:nvPr/>
+      </p:nvGrpSpPr>
+      <p:grpSpPr>
+        <a:xfrm>
+          <a:off x="0" y="0"/>
+          <a:ext cx="0" cy="0"/>
+          <a:chOff x="0" y="0"/>
+          <a:chExt cx="0" cy="0"/>
+        </a:xfrm>
+      </p:grpSpPr>
+      <p:sp>
+        <p:nvSpPr>
+          <p:cNvPr id="3" name="Subtitle 2"/>
+          <p:cNvSpPr>
+            <a:spLocks noGrp="1"/>
+          </p:cNvSpPr>
+          <p:nvPr>
+            <p:ph type="subTitle" idx="1"/>
+          </p:nvPr>
+        </p:nvSpPr>
+        <p:spPr>
+          <a:xfrm>
+            <a:off x="251520" y="692696"/>
+            <a:ext cx="8640960" cy="6480720"/>
+          </a:xfrm>
+        </p:spPr>
+        <p:txBody>
+          <a:bodyPr>
+            <a:noAutofit/>
+          </a:bodyPr>
+          <a:lstStyle/>
+          <a:p>
+            <a:r>
+              <a:rPr lang="en-GB" sz="3600" dirty="0">
+                <a:solidFill>
+                  <a:schemeClr val="bg1"/>
+                </a:solidFill>
+              </a:rPr>
+              <a:t>Behold He comes, riding on the clouds</a:t>
+            </a:r>
+          </a:p>
+          <a:p>
+            <a:r>
+              <a:rPr lang="en-GB" sz="3600" dirty="0">
+                <a:solidFill>
+                  <a:schemeClr val="bg1"/>
+                </a:solidFill>
+              </a:rPr>
+              <a:t>Shining like the sun, at the trumpet call</a:t>
+            </a:r>
+          </a:p>
+          <a:p>
+            <a:r>
+              <a:rPr lang="en-GB" sz="3600" dirty="0">
+                <a:solidFill>
+                  <a:schemeClr val="bg1"/>
+                </a:solidFill>
+              </a:rPr>
+              <a:t>So lift your voice, it's the year of Jubilee</a:t>
+            </a:r>
+          </a:p>
+          <a:p>
+            <a:r>
+              <a:rPr lang="en-GB" sz="3600" dirty="0">
+                <a:solidFill>
+                  <a:schemeClr val="bg1"/>
+                </a:solidFill>
+              </a:rPr>
+              <a:t>And out of Zion's hill</a:t>
+            </a:r>
+          </a:p>
+          <a:p>
+            <a:r>
+              <a:rPr lang="en-GB" sz="3600" dirty="0">
+                <a:solidFill>
+                  <a:schemeClr val="bg1"/>
+                </a:solidFill>
+              </a:rPr>
+              <a:t>Salvation comes</a:t>
+            </a:r>
+          </a:p>
+        </p:txBody>
+      </p:sp>
+      <p:sp>
+        <p:nvSpPr>
+          <p:cNvPr id="4" name="TextBox 3"/>
+          <p:cNvSpPr txBox="1"/>
+          <p:nvPr/>
+        </p:nvSpPr>
+        <p:spPr>
+          <a:xfrm>
+            <a:off x="8362854" y="44624"/>
+            <a:ext cx="784189" cy="461665"/>
+          </a:xfrm>
+          <a:prstGeom prst="rect">
+            <a:avLst/>
+          </a:prstGeom>
+          <a:noFill/>
+        </p:spPr>
+        <p:txBody>
+          <a:bodyPr wrap="none" rtlCol="0">
+            <a:spAutoFit/>
+          </a:bodyPr>
+          <a:lstStyle/>
+          <a:p>
+            <a:r>
+              <a:rPr lang="en-GB" sz="2400" b="1" dirty="0">
+                <a:solidFill>
+                  <a:schemeClr val="bg1"/>
+                </a:solidFill>
+              </a:rPr>
+              <a:t>1/11</a:t>
+            </a:r>
+          </a:p>
+        </p:txBody>
+      </p:sp>
+    </p:spTree>
+    <p:extLst>
+      <p:ext uri="{BB962C8B-B14F-4D97-AF65-F5344CB8AC3E}">
+        <p14:creationId xmlns:p14="http://schemas.microsoft.com/office/powerpoint/2010/main" val="1390909831"/>
+      </p:ext>
+    </p:extLst>
+  </p:cSld>
+  <p:clrMapOvr>
+    <a:masterClrMapping/>
+  </p:clrMapOvr>
+</p:sld>
+</file>
+
+<file path=ppt/slides/slide12.xml><?xml version="1.0" encoding="utf-8"?>
+<p:sld xmlns:a="http://schemas.openxmlformats.org/drawingml/2006/main" xmlns:r="http://schemas.openxmlformats.org/officeDocument/2006/relationships" xmlns:p="http://schemas.openxmlformats.org/presentationml/2006/main">
+  <p:cSld>
+    <p:spTree>
+      <p:nvGrpSpPr>
+        <p:cNvPr id="1" name=""/>
+        <p:cNvGrpSpPr/>
+        <p:nvPr/>
+      </p:nvGrpSpPr>
+      <p:grpSpPr>
+        <a:xfrm>
+          <a:off x="0" y="0"/>
+          <a:ext cx="0" cy="0"/>
+          <a:chOff x="0" y="0"/>
+          <a:chExt cx="0" cy="0"/>
+        </a:xfrm>
+      </p:grpSpPr>
+      <p:sp>
+        <p:nvSpPr>
+          <p:cNvPr id="3" name="Subtitle 2"/>
+          <p:cNvSpPr>
+            <a:spLocks noGrp="1"/>
+          </p:cNvSpPr>
+          <p:nvPr>
+            <p:ph type="subTitle" idx="1"/>
+          </p:nvPr>
+        </p:nvSpPr>
+        <p:spPr>
+          <a:xfrm>
+            <a:off x="251520" y="692696"/>
+            <a:ext cx="8640960" cy="6480720"/>
+          </a:xfrm>
+        </p:spPr>
+        <p:txBody>
+          <a:bodyPr>
+            <a:noAutofit/>
+          </a:bodyPr>
+          <a:lstStyle/>
+          <a:p>
+            <a:r>
+              <a:rPr lang="en-GB" sz="4000" dirty="0">
+                <a:solidFill>
+                  <a:schemeClr val="bg1"/>
+                </a:solidFill>
+              </a:rPr>
+              <a:t>These are the days of Elijah</a:t>
+            </a:r>
+          </a:p>
+          <a:p>
+            <a:r>
+              <a:rPr lang="en-GB" sz="4000" dirty="0">
+                <a:solidFill>
+                  <a:schemeClr val="bg1"/>
+                </a:solidFill>
+              </a:rPr>
+              <a:t>Declaring the Word of the Lord</a:t>
+            </a:r>
+          </a:p>
+          <a:p>
+            <a:r>
+              <a:rPr lang="en-GB" sz="4000" dirty="0">
+                <a:solidFill>
+                  <a:schemeClr val="bg1"/>
+                </a:solidFill>
+              </a:rPr>
+              <a:t>And these are the days</a:t>
+            </a:r>
+          </a:p>
+          <a:p>
+            <a:r>
+              <a:rPr lang="en-GB" sz="4000" dirty="0">
+                <a:solidFill>
+                  <a:schemeClr val="bg1"/>
+                </a:solidFill>
+              </a:rPr>
+              <a:t>Of Your servant Moses</a:t>
+            </a:r>
+          </a:p>
+          <a:p>
+            <a:r>
+              <a:rPr lang="en-GB" sz="4000" dirty="0">
+                <a:solidFill>
+                  <a:schemeClr val="bg1"/>
+                </a:solidFill>
+              </a:rPr>
+              <a:t>Righteousness being restored</a:t>
+            </a:r>
+          </a:p>
+          <a:p>
+            <a:endParaRPr lang="en-GB" sz="4000" dirty="0">
+              <a:solidFill>
+                <a:schemeClr val="bg1"/>
+              </a:solidFill>
+            </a:endParaRPr>
+          </a:p>
+        </p:txBody>
+      </p:sp>
+      <p:sp>
+        <p:nvSpPr>
+          <p:cNvPr id="4" name="TextBox 3"/>
+          <p:cNvSpPr txBox="1"/>
+          <p:nvPr/>
+        </p:nvSpPr>
+        <p:spPr>
+          <a:xfrm>
+            <a:off x="8500385" y="0"/>
+            <a:ext cx="784189" cy="461665"/>
+          </a:xfrm>
+          <a:prstGeom prst="rect">
+            <a:avLst/>
+          </a:prstGeom>
+          <a:noFill/>
+        </p:spPr>
+        <p:txBody>
+          <a:bodyPr wrap="none" rtlCol="0">
+            <a:spAutoFit/>
+          </a:bodyPr>
+          <a:lstStyle/>
+          <a:p>
+            <a:r>
+              <a:rPr lang="en-GB" sz="2400" b="1" dirty="0">
+                <a:solidFill>
+                  <a:schemeClr val="bg1"/>
+                </a:solidFill>
+              </a:rPr>
+              <a:t>2/11</a:t>
+            </a:r>
+          </a:p>
+        </p:txBody>
+      </p:sp>
+    </p:spTree>
+    <p:extLst>
+      <p:ext uri="{BB962C8B-B14F-4D97-AF65-F5344CB8AC3E}">
+        <p14:creationId xmlns:p14="http://schemas.microsoft.com/office/powerpoint/2010/main" val="3351016632"/>
+      </p:ext>
+    </p:extLst>
+  </p:cSld>
+  <p:clrMapOvr>
+    <a:masterClrMapping/>
+  </p:clrMapOvr>
+</p:sld>
+</file>
+
+<file path=ppt/slides/slide13.xml><?xml version="1.0" encoding="utf-8"?>
+<p:sld xmlns:a="http://schemas.openxmlformats.org/drawingml/2006/main" xmlns:r="http://schemas.openxmlformats.org/officeDocument/2006/relationships" xmlns:p="http://schemas.openxmlformats.org/presentationml/2006/main">
+  <p:cSld>
+    <p:spTree>
+      <p:nvGrpSpPr>
+        <p:cNvPr id="1" name=""/>
+        <p:cNvGrpSpPr/>
+        <p:nvPr/>
+      </p:nvGrpSpPr>
+      <p:grpSpPr>
+        <a:xfrm>
+          <a:off x="0" y="0"/>
+          <a:ext cx="0" cy="0"/>
+          <a:chOff x="0" y="0"/>
+          <a:chExt cx="0" cy="0"/>
+        </a:xfrm>
+      </p:grpSpPr>
+      <p:sp>
+        <p:nvSpPr>
+          <p:cNvPr id="3" name="Subtitle 2"/>
+          <p:cNvSpPr>
+            <a:spLocks noGrp="1"/>
+          </p:cNvSpPr>
+          <p:nvPr>
+            <p:ph type="subTitle" idx="1"/>
+          </p:nvPr>
+        </p:nvSpPr>
+        <p:spPr>
+          <a:xfrm>
+            <a:off x="188691" y="764704"/>
+            <a:ext cx="8640960" cy="6480720"/>
+          </a:xfrm>
+        </p:spPr>
+        <p:txBody>
+          <a:bodyPr>
+            <a:noAutofit/>
+          </a:bodyPr>
+          <a:lstStyle/>
+          <a:p>
+            <a:r>
+              <a:rPr lang="en-GB" sz="3600" dirty="0">
+                <a:solidFill>
+                  <a:schemeClr val="bg1"/>
+                </a:solidFill>
+              </a:rPr>
+              <a:t>And though these are days</a:t>
+            </a:r>
+          </a:p>
+          <a:p>
+            <a:r>
+              <a:rPr lang="en-GB" sz="3600" dirty="0">
+                <a:solidFill>
+                  <a:schemeClr val="bg1"/>
+                </a:solidFill>
+              </a:rPr>
+              <a:t>Of great trials</a:t>
+            </a:r>
+          </a:p>
+          <a:p>
+            <a:r>
+              <a:rPr lang="en-GB" sz="3600" dirty="0">
+                <a:solidFill>
+                  <a:schemeClr val="bg1"/>
+                </a:solidFill>
+              </a:rPr>
+              <a:t>Of famine and darkness and sword</a:t>
+            </a:r>
+          </a:p>
+          <a:p>
+            <a:r>
+              <a:rPr lang="en-GB" sz="3600" dirty="0">
+                <a:solidFill>
+                  <a:schemeClr val="bg1"/>
+                </a:solidFill>
+              </a:rPr>
+              <a:t>Still we are the voice</a:t>
+            </a:r>
+          </a:p>
+          <a:p>
+            <a:r>
+              <a:rPr lang="en-GB" sz="3600" dirty="0">
+                <a:solidFill>
+                  <a:schemeClr val="bg1"/>
+                </a:solidFill>
+              </a:rPr>
+              <a:t>In the desert crying</a:t>
+            </a:r>
+          </a:p>
+          <a:p>
+            <a:r>
+              <a:rPr lang="en-GB" sz="3600" dirty="0">
+                <a:solidFill>
+                  <a:schemeClr val="bg1"/>
+                </a:solidFill>
+              </a:rPr>
+              <a:t>Prepare ye the way of the Lord</a:t>
+            </a:r>
+          </a:p>
+        </p:txBody>
+      </p:sp>
+      <p:sp>
+        <p:nvSpPr>
+          <p:cNvPr id="4" name="TextBox 3"/>
+          <p:cNvSpPr txBox="1"/>
+          <p:nvPr/>
+        </p:nvSpPr>
+        <p:spPr>
+          <a:xfrm>
+            <a:off x="8316416" y="0"/>
+            <a:ext cx="784189" cy="461665"/>
+          </a:xfrm>
+          <a:prstGeom prst="rect">
+            <a:avLst/>
+          </a:prstGeom>
+          <a:noFill/>
+        </p:spPr>
+        <p:txBody>
+          <a:bodyPr wrap="none" rtlCol="0">
+            <a:spAutoFit/>
+          </a:bodyPr>
+          <a:lstStyle/>
+          <a:p>
+            <a:r>
+              <a:rPr lang="en-GB" sz="2400" b="1" dirty="0">
+                <a:solidFill>
+                  <a:schemeClr val="bg1"/>
+                </a:solidFill>
+              </a:rPr>
+              <a:t>3/11</a:t>
+            </a:r>
+          </a:p>
+        </p:txBody>
+      </p:sp>
+    </p:spTree>
+    <p:extLst>
+      <p:ext uri="{BB962C8B-B14F-4D97-AF65-F5344CB8AC3E}">
+        <p14:creationId xmlns:p14="http://schemas.microsoft.com/office/powerpoint/2010/main" val="1994284343"/>
+      </p:ext>
+    </p:extLst>
+  </p:cSld>
+  <p:clrMapOvr>
+    <a:masterClrMapping/>
+  </p:clrMapOvr>
+</p:sld>
+</file>
+
+<file path=ppt/slides/slide14.xml><?xml version="1.0" encoding="utf-8"?>
+<p:sld xmlns:a="http://schemas.openxmlformats.org/drawingml/2006/main" xmlns:r="http://schemas.openxmlformats.org/officeDocument/2006/relationships" xmlns:p="http://schemas.openxmlformats.org/presentationml/2006/main">
+  <p:cSld>
+    <p:spTree>
+      <p:nvGrpSpPr>
+        <p:cNvPr id="1" name="">
+          <a:extLst>
+            <a:ext uri="{FF2B5EF4-FFF2-40B4-BE49-F238E27FC236}">
+              <a16:creationId xmlns:a16="http://schemas.microsoft.com/office/drawing/2014/main" id="{10E5224C-6032-E84C-DBA2-054EA33C77B2}"/>
+            </a:ext>
+          </a:extLst>
+        </p:cNvPr>
+        <p:cNvGrpSpPr/>
+        <p:nvPr/>
+      </p:nvGrpSpPr>
+      <p:grpSpPr>
+        <a:xfrm>
+          <a:off x="0" y="0"/>
+          <a:ext cx="0" cy="0"/>
+          <a:chOff x="0" y="0"/>
+          <a:chExt cx="0" cy="0"/>
+        </a:xfrm>
+      </p:grpSpPr>
+      <p:sp>
+        <p:nvSpPr>
+          <p:cNvPr id="3" name="Subtitle 2">
+            <a:extLst>
+              <a:ext uri="{FF2B5EF4-FFF2-40B4-BE49-F238E27FC236}">
+                <a16:creationId xmlns:a16="http://schemas.microsoft.com/office/drawing/2014/main" id="{12824376-B0ED-42B0-1677-497702C41EC2}"/>
+              </a:ext>
+            </a:extLst>
+          </p:cNvPr>
+          <p:cNvSpPr>
+            <a:spLocks noGrp="1"/>
+          </p:cNvSpPr>
+          <p:nvPr>
+            <p:ph type="subTitle" idx="1"/>
+          </p:nvPr>
+        </p:nvSpPr>
+        <p:spPr>
+          <a:xfrm>
+            <a:off x="251520" y="692696"/>
+            <a:ext cx="8640960" cy="6480720"/>
+          </a:xfrm>
+        </p:spPr>
+        <p:txBody>
+          <a:bodyPr>
+            <a:noAutofit/>
+          </a:bodyPr>
+          <a:lstStyle/>
+          <a:p>
+            <a:r>
+              <a:rPr lang="en-GB" sz="3600" dirty="0">
+                <a:solidFill>
+                  <a:schemeClr val="bg1"/>
+                </a:solidFill>
+              </a:rPr>
+              <a:t>Behold He comes, riding on the clouds</a:t>
+            </a:r>
+          </a:p>
+          <a:p>
+            <a:r>
+              <a:rPr lang="en-GB" sz="3600" dirty="0">
+                <a:solidFill>
+                  <a:schemeClr val="bg1"/>
+                </a:solidFill>
+              </a:rPr>
+              <a:t>Shining like the sun, at the trumpet call</a:t>
+            </a:r>
+          </a:p>
+          <a:p>
+            <a:r>
+              <a:rPr lang="en-GB" sz="3600" dirty="0">
+                <a:solidFill>
+                  <a:schemeClr val="bg1"/>
+                </a:solidFill>
+              </a:rPr>
+              <a:t>So lift your voice, it's the year of Jubilee</a:t>
+            </a:r>
+          </a:p>
+          <a:p>
+            <a:r>
+              <a:rPr lang="en-GB" sz="3600" dirty="0">
+                <a:solidFill>
+                  <a:schemeClr val="bg1"/>
+                </a:solidFill>
+              </a:rPr>
+              <a:t>And out of Zion's hill</a:t>
+            </a:r>
+          </a:p>
+          <a:p>
+            <a:r>
+              <a:rPr lang="en-GB" sz="3600" dirty="0">
+                <a:solidFill>
+                  <a:schemeClr val="bg1"/>
+                </a:solidFill>
+              </a:rPr>
+              <a:t>Salvation comes</a:t>
+            </a:r>
+          </a:p>
+        </p:txBody>
+      </p:sp>
+      <p:sp>
+        <p:nvSpPr>
+          <p:cNvPr id="4" name="TextBox 3">
+            <a:extLst>
+              <a:ext uri="{FF2B5EF4-FFF2-40B4-BE49-F238E27FC236}">
+                <a16:creationId xmlns:a16="http://schemas.microsoft.com/office/drawing/2014/main" id="{05950AB3-EEFB-54EC-A5E1-7316148C1024}"/>
+              </a:ext>
+            </a:extLst>
+          </p:cNvPr>
+          <p:cNvSpPr txBox="1"/>
+          <p:nvPr/>
+        </p:nvSpPr>
+        <p:spPr>
+          <a:xfrm>
+            <a:off x="8388424" y="0"/>
+            <a:ext cx="784189" cy="461665"/>
+          </a:xfrm>
+          <a:prstGeom prst="rect">
+            <a:avLst/>
+          </a:prstGeom>
+          <a:noFill/>
+        </p:spPr>
+        <p:txBody>
+          <a:bodyPr wrap="none" rtlCol="0">
+            <a:spAutoFit/>
+          </a:bodyPr>
+          <a:lstStyle/>
+          <a:p>
+            <a:r>
+              <a:rPr lang="en-GB" sz="2400" b="1" dirty="0">
+                <a:solidFill>
+                  <a:schemeClr val="bg1"/>
+                </a:solidFill>
+              </a:rPr>
+              <a:t>4/11</a:t>
+            </a:r>
+          </a:p>
+        </p:txBody>
+      </p:sp>
+    </p:spTree>
+    <p:extLst>
+      <p:ext uri="{BB962C8B-B14F-4D97-AF65-F5344CB8AC3E}">
+        <p14:creationId xmlns:p14="http://schemas.microsoft.com/office/powerpoint/2010/main" val="4234579599"/>
+      </p:ext>
+    </p:extLst>
+  </p:cSld>
+  <p:clrMapOvr>
+    <a:masterClrMapping/>
+  </p:clrMapOvr>
+</p:sld>
+</file>
+
+<file path=ppt/slides/slide15.xml><?xml version="1.0" encoding="utf-8"?>
+<p:sld xmlns:a="http://schemas.openxmlformats.org/drawingml/2006/main" xmlns:r="http://schemas.openxmlformats.org/officeDocument/2006/relationships" xmlns:p="http://schemas.openxmlformats.org/presentationml/2006/main">
+  <p:cSld>
+    <p:spTree>
+      <p:nvGrpSpPr>
+        <p:cNvPr id="1" name=""/>
+        <p:cNvGrpSpPr/>
+        <p:nvPr/>
+      </p:nvGrpSpPr>
+      <p:grpSpPr>
+        <a:xfrm>
+          <a:off x="0" y="0"/>
+          <a:ext cx="0" cy="0"/>
+          <a:chOff x="0" y="0"/>
+          <a:chExt cx="0" cy="0"/>
+        </a:xfrm>
+      </p:grpSpPr>
+      <p:sp>
+        <p:nvSpPr>
+          <p:cNvPr id="3" name="Subtitle 2"/>
+          <p:cNvSpPr>
+            <a:spLocks noGrp="1"/>
+          </p:cNvSpPr>
+          <p:nvPr>
+            <p:ph type="subTitle" idx="1"/>
+          </p:nvPr>
+        </p:nvSpPr>
+        <p:spPr>
+          <a:xfrm>
+            <a:off x="251520" y="836712"/>
+            <a:ext cx="8640960" cy="6480720"/>
+          </a:xfrm>
+        </p:spPr>
+        <p:txBody>
+          <a:bodyPr>
+            <a:noAutofit/>
+          </a:bodyPr>
+          <a:lstStyle/>
+          <a:p>
+            <a:r>
+              <a:rPr lang="en-GB" dirty="0">
+                <a:solidFill>
+                  <a:schemeClr val="bg1"/>
+                </a:solidFill>
+              </a:rPr>
+              <a:t>These are the days of Rebekah,</a:t>
+            </a:r>
+          </a:p>
+          <a:p>
+            <a:r>
+              <a:rPr lang="en-GB" dirty="0">
+                <a:solidFill>
+                  <a:schemeClr val="bg1"/>
+                </a:solidFill>
+              </a:rPr>
+              <a:t>Who trusted the word of the Lord.</a:t>
+            </a:r>
+          </a:p>
+          <a:p>
+            <a:r>
+              <a:rPr lang="en-GB" dirty="0">
+                <a:solidFill>
+                  <a:schemeClr val="bg1"/>
+                </a:solidFill>
+              </a:rPr>
+              <a:t>And these are the days of your servant Deborah,</a:t>
+            </a:r>
+          </a:p>
+          <a:p>
+            <a:r>
+              <a:rPr lang="en-GB" dirty="0">
+                <a:solidFill>
+                  <a:schemeClr val="bg1"/>
+                </a:solidFill>
+              </a:rPr>
+              <a:t>Who led forth your people in war.</a:t>
+            </a:r>
+          </a:p>
+        </p:txBody>
+      </p:sp>
+      <p:sp>
+        <p:nvSpPr>
+          <p:cNvPr id="4" name="TextBox 3"/>
+          <p:cNvSpPr txBox="1"/>
+          <p:nvPr/>
+        </p:nvSpPr>
+        <p:spPr>
+          <a:xfrm>
+            <a:off x="8388424" y="-42193"/>
+            <a:ext cx="784189" cy="461665"/>
+          </a:xfrm>
+          <a:prstGeom prst="rect">
+            <a:avLst/>
+          </a:prstGeom>
+          <a:noFill/>
+        </p:spPr>
+        <p:txBody>
+          <a:bodyPr wrap="none" rtlCol="0">
+            <a:spAutoFit/>
+          </a:bodyPr>
+          <a:lstStyle/>
+          <a:p>
+            <a:r>
+              <a:rPr lang="en-GB" sz="2400" b="1" dirty="0">
+                <a:solidFill>
+                  <a:schemeClr val="bg1"/>
+                </a:solidFill>
+              </a:rPr>
+              <a:t>5/11</a:t>
+            </a:r>
+          </a:p>
+        </p:txBody>
+      </p:sp>
+    </p:spTree>
+    <p:extLst>
+      <p:ext uri="{BB962C8B-B14F-4D97-AF65-F5344CB8AC3E}">
+        <p14:creationId xmlns:p14="http://schemas.microsoft.com/office/powerpoint/2010/main" val="282815792"/>
+      </p:ext>
+    </p:extLst>
+  </p:cSld>
+  <p:clrMapOvr>
+    <a:masterClrMapping/>
+  </p:clrMapOvr>
+</p:sld>
+</file>
+
+<file path=ppt/slides/slide16.xml><?xml version="1.0" encoding="utf-8"?>
+<p:sld xmlns:a="http://schemas.openxmlformats.org/drawingml/2006/main" xmlns:r="http://schemas.openxmlformats.org/officeDocument/2006/relationships" xmlns:p="http://schemas.openxmlformats.org/presentationml/2006/main">
+  <p:cSld>
+    <p:spTree>
+      <p:nvGrpSpPr>
+        <p:cNvPr id="1" name=""/>
+        <p:cNvGrpSpPr/>
+        <p:nvPr/>
+      </p:nvGrpSpPr>
+      <p:grpSpPr>
+        <a:xfrm>
+          <a:off x="0" y="0"/>
+          <a:ext cx="0" cy="0"/>
+          <a:chOff x="0" y="0"/>
+          <a:chExt cx="0" cy="0"/>
+        </a:xfrm>
+      </p:grpSpPr>
+      <p:sp>
+        <p:nvSpPr>
+          <p:cNvPr id="3" name="Subtitle 2"/>
+          <p:cNvSpPr>
+            <a:spLocks noGrp="1"/>
+          </p:cNvSpPr>
+          <p:nvPr>
+            <p:ph type="subTitle" idx="1"/>
+          </p:nvPr>
+        </p:nvSpPr>
+        <p:spPr>
+          <a:xfrm>
+            <a:off x="251520" y="836712"/>
+            <a:ext cx="8640960" cy="6480720"/>
+          </a:xfrm>
+        </p:spPr>
+        <p:txBody>
+          <a:bodyPr>
+            <a:noAutofit/>
+          </a:bodyPr>
+          <a:lstStyle/>
+          <a:p>
+            <a:r>
+              <a:rPr lang="en-GB" dirty="0">
+                <a:solidFill>
+                  <a:schemeClr val="bg1"/>
+                </a:solidFill>
+              </a:rPr>
+              <a:t>These are the days of Queen Esther,</a:t>
+            </a:r>
+          </a:p>
+          <a:p>
+            <a:r>
+              <a:rPr lang="en-GB" dirty="0">
+                <a:solidFill>
+                  <a:schemeClr val="bg1"/>
+                </a:solidFill>
+              </a:rPr>
+              <a:t>Who rescued God’s people through faith.</a:t>
+            </a:r>
+          </a:p>
+          <a:p>
+            <a:r>
+              <a:rPr lang="en-GB" dirty="0">
+                <a:solidFill>
+                  <a:schemeClr val="bg1"/>
+                </a:solidFill>
+              </a:rPr>
+              <a:t>And these are the days of your prophet Huldah,</a:t>
+            </a:r>
+          </a:p>
+          <a:p>
+            <a:r>
+              <a:rPr lang="en-GB" dirty="0">
+                <a:solidFill>
+                  <a:schemeClr val="bg1"/>
+                </a:solidFill>
+              </a:rPr>
+              <a:t>Who renewed the temple of praise.</a:t>
+            </a:r>
+          </a:p>
+        </p:txBody>
+      </p:sp>
+      <p:sp>
+        <p:nvSpPr>
+          <p:cNvPr id="4" name="TextBox 3"/>
+          <p:cNvSpPr txBox="1"/>
+          <p:nvPr/>
+        </p:nvSpPr>
+        <p:spPr>
+          <a:xfrm>
+            <a:off x="8388424" y="-42193"/>
+            <a:ext cx="784189" cy="461665"/>
+          </a:xfrm>
+          <a:prstGeom prst="rect">
+            <a:avLst/>
+          </a:prstGeom>
+          <a:noFill/>
+        </p:spPr>
+        <p:txBody>
+          <a:bodyPr wrap="none" rtlCol="0">
+            <a:spAutoFit/>
+          </a:bodyPr>
+          <a:lstStyle/>
+          <a:p>
+            <a:r>
+              <a:rPr lang="en-GB" sz="2400" b="1" dirty="0">
+                <a:solidFill>
+                  <a:schemeClr val="bg1"/>
+                </a:solidFill>
+              </a:rPr>
+              <a:t>6/11</a:t>
+            </a:r>
+          </a:p>
+        </p:txBody>
+      </p:sp>
+    </p:spTree>
+    <p:extLst>
+      <p:ext uri="{BB962C8B-B14F-4D97-AF65-F5344CB8AC3E}">
+        <p14:creationId xmlns:p14="http://schemas.microsoft.com/office/powerpoint/2010/main" val="3299916746"/>
+      </p:ext>
+    </p:extLst>
+  </p:cSld>
+  <p:clrMapOvr>
+    <a:masterClrMapping/>
+  </p:clrMapOvr>
+</p:sld>
+</file>
+
+<file path=ppt/slides/slide17.xml><?xml version="1.0" encoding="utf-8"?>
+<p:sld xmlns:a="http://schemas.openxmlformats.org/drawingml/2006/main" xmlns:r="http://schemas.openxmlformats.org/officeDocument/2006/relationships" xmlns:p="http://schemas.openxmlformats.org/presentationml/2006/main">
+  <p:cSld>
+    <p:spTree>
+      <p:nvGrpSpPr>
+        <p:cNvPr id="1" name="">
+          <a:extLst>
+            <a:ext uri="{FF2B5EF4-FFF2-40B4-BE49-F238E27FC236}">
+              <a16:creationId xmlns:a16="http://schemas.microsoft.com/office/drawing/2014/main" id="{EB9B4711-38E5-9C98-58BD-7A64CD35AAEC}"/>
+            </a:ext>
+          </a:extLst>
+        </p:cNvPr>
+        <p:cNvGrpSpPr/>
+        <p:nvPr/>
+      </p:nvGrpSpPr>
+      <p:grpSpPr>
+        <a:xfrm>
+          <a:off x="0" y="0"/>
+          <a:ext cx="0" cy="0"/>
+          <a:chOff x="0" y="0"/>
+          <a:chExt cx="0" cy="0"/>
+        </a:xfrm>
+      </p:grpSpPr>
+      <p:sp>
+        <p:nvSpPr>
+          <p:cNvPr id="3" name="Subtitle 2">
+            <a:extLst>
+              <a:ext uri="{FF2B5EF4-FFF2-40B4-BE49-F238E27FC236}">
+                <a16:creationId xmlns:a16="http://schemas.microsoft.com/office/drawing/2014/main" id="{6A361E7A-FDE2-13E2-2EBC-75077677E4AF}"/>
+              </a:ext>
+            </a:extLst>
+          </p:cNvPr>
+          <p:cNvSpPr>
+            <a:spLocks noGrp="1"/>
+          </p:cNvSpPr>
+          <p:nvPr>
+            <p:ph type="subTitle" idx="1"/>
+          </p:nvPr>
+        </p:nvSpPr>
+        <p:spPr>
+          <a:xfrm>
+            <a:off x="251520" y="692696"/>
+            <a:ext cx="8640960" cy="6480720"/>
+          </a:xfrm>
+        </p:spPr>
+        <p:txBody>
+          <a:bodyPr>
+            <a:noAutofit/>
+          </a:bodyPr>
+          <a:lstStyle/>
+          <a:p>
+            <a:r>
+              <a:rPr lang="en-GB" sz="3600" dirty="0">
+                <a:solidFill>
+                  <a:schemeClr val="bg1"/>
+                </a:solidFill>
+              </a:rPr>
+              <a:t>Behold He comes, riding on the clouds</a:t>
+            </a:r>
+          </a:p>
+          <a:p>
+            <a:r>
+              <a:rPr lang="en-GB" sz="3600" dirty="0">
+                <a:solidFill>
+                  <a:schemeClr val="bg1"/>
+                </a:solidFill>
+              </a:rPr>
+              <a:t>Shining like the sun, at the trumpet call</a:t>
+            </a:r>
+          </a:p>
+          <a:p>
+            <a:r>
+              <a:rPr lang="en-GB" sz="3600" dirty="0">
+                <a:solidFill>
+                  <a:schemeClr val="bg1"/>
+                </a:solidFill>
+              </a:rPr>
+              <a:t>So lift your voice, it's the year of Jubilee</a:t>
+            </a:r>
+          </a:p>
+          <a:p>
+            <a:r>
+              <a:rPr lang="en-GB" sz="3600" dirty="0">
+                <a:solidFill>
+                  <a:schemeClr val="bg1"/>
+                </a:solidFill>
+              </a:rPr>
+              <a:t>And out of Zion's hill</a:t>
+            </a:r>
+          </a:p>
+          <a:p>
+            <a:r>
+              <a:rPr lang="en-GB" sz="3600" dirty="0">
+                <a:solidFill>
+                  <a:schemeClr val="bg1"/>
+                </a:solidFill>
+              </a:rPr>
+              <a:t>Salvation comes</a:t>
+            </a:r>
+          </a:p>
+        </p:txBody>
+      </p:sp>
+      <p:sp>
+        <p:nvSpPr>
+          <p:cNvPr id="4" name="TextBox 3">
+            <a:extLst>
+              <a:ext uri="{FF2B5EF4-FFF2-40B4-BE49-F238E27FC236}">
+                <a16:creationId xmlns:a16="http://schemas.microsoft.com/office/drawing/2014/main" id="{1B2C1704-B605-2FB3-6D5A-20DC4E9C3D12}"/>
+              </a:ext>
+            </a:extLst>
+          </p:cNvPr>
+          <p:cNvSpPr txBox="1"/>
+          <p:nvPr/>
+        </p:nvSpPr>
+        <p:spPr>
+          <a:xfrm>
+            <a:off x="8388424" y="0"/>
+            <a:ext cx="784189" cy="461665"/>
+          </a:xfrm>
+          <a:prstGeom prst="rect">
+            <a:avLst/>
+          </a:prstGeom>
+          <a:noFill/>
+        </p:spPr>
+        <p:txBody>
+          <a:bodyPr wrap="none" rtlCol="0">
+            <a:spAutoFit/>
+          </a:bodyPr>
+          <a:lstStyle/>
+          <a:p>
+            <a:r>
+              <a:rPr lang="en-GB" sz="2400" b="1" dirty="0">
+                <a:solidFill>
+                  <a:schemeClr val="bg1"/>
+                </a:solidFill>
+              </a:rPr>
+              <a:t>7/11</a:t>
+            </a:r>
+          </a:p>
+        </p:txBody>
+      </p:sp>
+    </p:spTree>
+    <p:extLst>
+      <p:ext uri="{BB962C8B-B14F-4D97-AF65-F5344CB8AC3E}">
+        <p14:creationId xmlns:p14="http://schemas.microsoft.com/office/powerpoint/2010/main" val="3681423185"/>
+      </p:ext>
+    </p:extLst>
+  </p:cSld>
+  <p:clrMapOvr>
+    <a:masterClrMapping/>
+  </p:clrMapOvr>
+</p:sld>
+</file>
+
+<file path=ppt/slides/slide18.xml><?xml version="1.0" encoding="utf-8"?>
+<p:sld xmlns:a="http://schemas.openxmlformats.org/drawingml/2006/main" xmlns:r="http://schemas.openxmlformats.org/officeDocument/2006/relationships" xmlns:p="http://schemas.openxmlformats.org/presentationml/2006/main">
+  <p:cSld>
+    <p:spTree>
+      <p:nvGrpSpPr>
+        <p:cNvPr id="1" name=""/>
+        <p:cNvGrpSpPr/>
+        <p:nvPr/>
+      </p:nvGrpSpPr>
+      <p:grpSpPr>
+        <a:xfrm>
+          <a:off x="0" y="0"/>
+          <a:ext cx="0" cy="0"/>
+          <a:chOff x="0" y="0"/>
+          <a:chExt cx="0" cy="0"/>
+        </a:xfrm>
+      </p:grpSpPr>
+      <p:sp>
+        <p:nvSpPr>
+          <p:cNvPr id="3" name="Subtitle 2"/>
+          <p:cNvSpPr>
+            <a:spLocks noGrp="1"/>
+          </p:cNvSpPr>
+          <p:nvPr>
+            <p:ph type="subTitle" idx="1"/>
+          </p:nvPr>
+        </p:nvSpPr>
+        <p:spPr>
+          <a:xfrm>
+            <a:off x="251520" y="764704"/>
+            <a:ext cx="8640960" cy="6480720"/>
+          </a:xfrm>
+        </p:spPr>
+        <p:txBody>
+          <a:bodyPr>
+            <a:noAutofit/>
+          </a:bodyPr>
+          <a:lstStyle/>
+          <a:p>
+            <a:r>
+              <a:rPr lang="en-GB" sz="3600" dirty="0">
+                <a:solidFill>
+                  <a:schemeClr val="bg1"/>
+                </a:solidFill>
+              </a:rPr>
+              <a:t>And these are the days of Ezekiel</a:t>
+            </a:r>
+          </a:p>
+          <a:p>
+            <a:r>
+              <a:rPr lang="en-GB" sz="3600" dirty="0">
+                <a:solidFill>
+                  <a:schemeClr val="bg1"/>
+                </a:solidFill>
+              </a:rPr>
+              <a:t>The dry bones becoming as flesh</a:t>
+            </a:r>
+          </a:p>
+          <a:p>
+            <a:r>
+              <a:rPr lang="en-GB" sz="3600" dirty="0">
+                <a:solidFill>
+                  <a:schemeClr val="bg1"/>
+                </a:solidFill>
+              </a:rPr>
+              <a:t>And these are the days</a:t>
+            </a:r>
+          </a:p>
+          <a:p>
+            <a:r>
+              <a:rPr lang="en-GB" sz="3600" dirty="0">
+                <a:solidFill>
+                  <a:schemeClr val="bg1"/>
+                </a:solidFill>
+              </a:rPr>
+              <a:t>Of Your servant David</a:t>
+            </a:r>
+          </a:p>
+          <a:p>
+            <a:r>
+              <a:rPr lang="en-GB" sz="3600" dirty="0">
+                <a:solidFill>
+                  <a:schemeClr val="bg1"/>
+                </a:solidFill>
+              </a:rPr>
+              <a:t>Rebuilding a temple of praise</a:t>
+            </a:r>
+          </a:p>
+        </p:txBody>
+      </p:sp>
+      <p:sp>
+        <p:nvSpPr>
+          <p:cNvPr id="4" name="TextBox 3"/>
+          <p:cNvSpPr txBox="1"/>
+          <p:nvPr/>
+        </p:nvSpPr>
+        <p:spPr>
+          <a:xfrm>
+            <a:off x="8388424" y="-42193"/>
+            <a:ext cx="784189" cy="461665"/>
+          </a:xfrm>
+          <a:prstGeom prst="rect">
+            <a:avLst/>
+          </a:prstGeom>
+          <a:noFill/>
+        </p:spPr>
+        <p:txBody>
+          <a:bodyPr wrap="none" rtlCol="0">
+            <a:spAutoFit/>
+          </a:bodyPr>
+          <a:lstStyle/>
+          <a:p>
+            <a:r>
+              <a:rPr lang="en-GB" sz="2400" b="1" dirty="0">
+                <a:solidFill>
+                  <a:schemeClr val="bg1"/>
+                </a:solidFill>
+              </a:rPr>
+              <a:t>8/11</a:t>
+            </a:r>
+          </a:p>
+        </p:txBody>
+      </p:sp>
+    </p:spTree>
+    <p:extLst>
+      <p:ext uri="{BB962C8B-B14F-4D97-AF65-F5344CB8AC3E}">
+        <p14:creationId xmlns:p14="http://schemas.microsoft.com/office/powerpoint/2010/main" val="3386586575"/>
+      </p:ext>
+    </p:extLst>
+  </p:cSld>
+  <p:clrMapOvr>
+    <a:masterClrMapping/>
+  </p:clrMapOvr>
+</p:sld>
+</file>
+
+<file path=ppt/slides/slide19.xml><?xml version="1.0" encoding="utf-8"?>
+<p:sld xmlns:a="http://schemas.openxmlformats.org/drawingml/2006/main" xmlns:r="http://schemas.openxmlformats.org/officeDocument/2006/relationships" xmlns:p="http://schemas.openxmlformats.org/presentationml/2006/main">
+  <p:cSld>
+    <p:spTree>
+      <p:nvGrpSpPr>
+        <p:cNvPr id="1" name=""/>
+        <p:cNvGrpSpPr/>
+        <p:nvPr/>
+      </p:nvGrpSpPr>
+      <p:grpSpPr>
+        <a:xfrm>
+          <a:off x="0" y="0"/>
+          <a:ext cx="0" cy="0"/>
+          <a:chOff x="0" y="0"/>
+          <a:chExt cx="0" cy="0"/>
+        </a:xfrm>
+      </p:grpSpPr>
+      <p:sp>
+        <p:nvSpPr>
+          <p:cNvPr id="3" name="Subtitle 2"/>
+          <p:cNvSpPr>
+            <a:spLocks noGrp="1"/>
+          </p:cNvSpPr>
+          <p:nvPr>
+            <p:ph type="subTitle" idx="1"/>
+          </p:nvPr>
+        </p:nvSpPr>
+        <p:spPr>
+          <a:xfrm>
+            <a:off x="323528" y="692696"/>
+            <a:ext cx="8640960" cy="6480720"/>
+          </a:xfrm>
+        </p:spPr>
+        <p:txBody>
+          <a:bodyPr>
+            <a:noAutofit/>
+          </a:bodyPr>
+          <a:lstStyle/>
+          <a:p>
+            <a:r>
+              <a:rPr lang="en-GB" sz="3600" dirty="0">
+                <a:solidFill>
+                  <a:schemeClr val="bg1"/>
+                </a:solidFill>
+              </a:rPr>
+              <a:t>And these are the days of the harvest</a:t>
+            </a:r>
+          </a:p>
+          <a:p>
+            <a:r>
+              <a:rPr lang="en-GB" sz="3600" dirty="0">
+                <a:solidFill>
+                  <a:schemeClr val="bg1"/>
+                </a:solidFill>
+              </a:rPr>
+              <a:t>The fields are as white in the world</a:t>
+            </a:r>
+          </a:p>
+          <a:p>
+            <a:r>
+              <a:rPr lang="en-GB" sz="3600" dirty="0">
+                <a:solidFill>
+                  <a:schemeClr val="bg1"/>
+                </a:solidFill>
+              </a:rPr>
+              <a:t>And we are the labourers</a:t>
+            </a:r>
+          </a:p>
+          <a:p>
+            <a:r>
+              <a:rPr lang="en-GB" sz="3600" dirty="0">
+                <a:solidFill>
+                  <a:schemeClr val="bg1"/>
+                </a:solidFill>
+              </a:rPr>
+              <a:t>In Your vineyard</a:t>
+            </a:r>
+          </a:p>
+          <a:p>
+            <a:r>
+              <a:rPr lang="en-GB" sz="3600" dirty="0">
+                <a:solidFill>
+                  <a:schemeClr val="bg1"/>
+                </a:solidFill>
+              </a:rPr>
+              <a:t>Declaring the Word of the Lord</a:t>
+            </a:r>
+          </a:p>
+        </p:txBody>
+      </p:sp>
+      <p:sp>
+        <p:nvSpPr>
+          <p:cNvPr id="4" name="TextBox 3"/>
+          <p:cNvSpPr txBox="1"/>
+          <p:nvPr/>
+        </p:nvSpPr>
+        <p:spPr>
+          <a:xfrm>
+            <a:off x="8316416" y="-42193"/>
+            <a:ext cx="784189" cy="461665"/>
+          </a:xfrm>
+          <a:prstGeom prst="rect">
+            <a:avLst/>
+          </a:prstGeom>
+          <a:noFill/>
+        </p:spPr>
+        <p:txBody>
+          <a:bodyPr wrap="none" rtlCol="0">
+            <a:spAutoFit/>
+          </a:bodyPr>
+          <a:lstStyle/>
+          <a:p>
+            <a:r>
+              <a:rPr lang="en-GB" sz="2400" b="1" dirty="0">
+                <a:solidFill>
+                  <a:schemeClr val="bg1"/>
+                </a:solidFill>
+              </a:rPr>
+              <a:t>9/11</a:t>
+            </a:r>
+          </a:p>
+        </p:txBody>
+      </p:sp>
+    </p:spTree>
+    <p:extLst>
+      <p:ext uri="{BB962C8B-B14F-4D97-AF65-F5344CB8AC3E}">
+        <p14:creationId xmlns:p14="http://schemas.microsoft.com/office/powerpoint/2010/main" val="3123359502"/>
+      </p:ext>
+    </p:extLst>
+  </p:cSld>
+  <p:clrMapOvr>
+    <a:masterClrMapping/>
+  </p:clrMapOvr>
+</p:sld>
+</file>
+
+<file path=ppt/slides/slide2.xml><?xml version="1.0" encoding="utf-8"?>
+<p:sld xmlns:a="http://schemas.openxmlformats.org/drawingml/2006/main" xmlns:r="http://schemas.openxmlformats.org/officeDocument/2006/relationships" xmlns:p="http://schemas.openxmlformats.org/presentationml/2006/main">
+  <p:cSld>
+    <p:spTree>
+      <p:nvGrpSpPr>
+        <p:cNvPr id="1" name=""/>
+        <p:cNvGrpSpPr/>
+        <p:nvPr/>
+      </p:nvGrpSpPr>
+      <p:grpSpPr>
+        <a:xfrm>
+          <a:off x="0" y="0"/>
+          <a:ext cx="0" cy="0"/>
+          <a:chOff x="0" y="0"/>
+          <a:chExt cx="0" cy="0"/>
+        </a:xfrm>
+      </p:grpSpPr>
+      <p:sp>
+        <p:nvSpPr>
+          <p:cNvPr id="3" name="Subtitle 2"/>
+          <p:cNvSpPr>
+            <a:spLocks noGrp="1"/>
+          </p:cNvSpPr>
+          <p:nvPr>
+            <p:ph type="subTitle" idx="1"/>
+          </p:nvPr>
+        </p:nvSpPr>
+        <p:spPr>
+          <a:xfrm>
+            <a:off x="228676" y="764704"/>
+            <a:ext cx="8640960" cy="6480720"/>
+          </a:xfrm>
+        </p:spPr>
+        <p:txBody>
+          <a:bodyPr>
+            <a:noAutofit/>
+          </a:bodyPr>
+          <a:lstStyle/>
+          <a:p>
+            <a:r>
+              <a:rPr lang="en-GB" sz="3600" dirty="0">
+                <a:solidFill>
+                  <a:schemeClr val="bg1"/>
+                </a:solidFill>
+              </a:rPr>
+              <a:t>Enter in (Enter in)</a:t>
+            </a:r>
+          </a:p>
+          <a:p>
+            <a:r>
+              <a:rPr lang="en-GB" sz="3600" dirty="0">
+                <a:solidFill>
+                  <a:schemeClr val="bg1"/>
+                </a:solidFill>
+              </a:rPr>
+              <a:t>His courts with praise (His courts with praise)</a:t>
+            </a:r>
+          </a:p>
+          <a:p>
+            <a:r>
+              <a:rPr lang="en-GB" sz="3600" dirty="0">
+                <a:solidFill>
+                  <a:schemeClr val="bg1"/>
+                </a:solidFill>
+              </a:rPr>
+              <a:t>For He is greatly (He is greatly)</a:t>
+            </a:r>
+          </a:p>
+          <a:p>
+            <a:r>
+              <a:rPr lang="en-GB" sz="3600" dirty="0">
+                <a:solidFill>
+                  <a:schemeClr val="bg1"/>
+                </a:solidFill>
+              </a:rPr>
+              <a:t>To be praised (To be praised)</a:t>
+            </a:r>
+          </a:p>
+        </p:txBody>
+      </p:sp>
+      <p:sp>
+        <p:nvSpPr>
+          <p:cNvPr id="4" name="TextBox 3"/>
+          <p:cNvSpPr txBox="1"/>
+          <p:nvPr/>
+        </p:nvSpPr>
+        <p:spPr>
+          <a:xfrm>
+            <a:off x="8529729" y="0"/>
+            <a:ext cx="628698" cy="461665"/>
+          </a:xfrm>
+          <a:prstGeom prst="rect">
+            <a:avLst/>
+          </a:prstGeom>
+          <a:noFill/>
+        </p:spPr>
+        <p:txBody>
+          <a:bodyPr wrap="none" rtlCol="0">
+            <a:spAutoFit/>
+          </a:bodyPr>
+          <a:lstStyle/>
+          <a:p>
+            <a:r>
+              <a:rPr lang="en-GB" sz="2400" b="1" dirty="0">
+                <a:solidFill>
+                  <a:schemeClr val="bg1"/>
+                </a:solidFill>
+              </a:rPr>
+              <a:t>1/8</a:t>
+            </a:r>
+          </a:p>
+        </p:txBody>
+      </p:sp>
+    </p:spTree>
+    <p:extLst>
+      <p:ext uri="{BB962C8B-B14F-4D97-AF65-F5344CB8AC3E}">
+        <p14:creationId xmlns:p14="http://schemas.microsoft.com/office/powerpoint/2010/main" val="3954137714"/>
+      </p:ext>
+    </p:extLst>
+  </p:cSld>
+  <p:clrMapOvr>
+    <a:masterClrMapping/>
+  </p:clrMapOvr>
+</p:sld>
+</file>
+
+<file path=ppt/slides/slide20.xml><?xml version="1.0" encoding="utf-8"?>
+<p:sld xmlns:a="http://schemas.openxmlformats.org/drawingml/2006/main" xmlns:r="http://schemas.openxmlformats.org/officeDocument/2006/relationships" xmlns:p="http://schemas.openxmlformats.org/presentationml/2006/main">
+  <p:cSld>
+    <p:spTree>
+      <p:nvGrpSpPr>
+        <p:cNvPr id="1" name="">
+          <a:extLst>
+            <a:ext uri="{FF2B5EF4-FFF2-40B4-BE49-F238E27FC236}">
+              <a16:creationId xmlns:a16="http://schemas.microsoft.com/office/drawing/2014/main" id="{9DFEBBF5-1319-AA4D-4010-E59C99E30A55}"/>
+            </a:ext>
+          </a:extLst>
+        </p:cNvPr>
+        <p:cNvGrpSpPr/>
+        <p:nvPr/>
+      </p:nvGrpSpPr>
+      <p:grpSpPr>
+        <a:xfrm>
+          <a:off x="0" y="0"/>
+          <a:ext cx="0" cy="0"/>
+          <a:chOff x="0" y="0"/>
+          <a:chExt cx="0" cy="0"/>
+        </a:xfrm>
+      </p:grpSpPr>
+      <p:sp>
+        <p:nvSpPr>
+          <p:cNvPr id="3" name="Subtitle 2">
+            <a:extLst>
+              <a:ext uri="{FF2B5EF4-FFF2-40B4-BE49-F238E27FC236}">
+                <a16:creationId xmlns:a16="http://schemas.microsoft.com/office/drawing/2014/main" id="{F2FDF651-570C-C9AD-6177-16890F874ABD}"/>
+              </a:ext>
+            </a:extLst>
+          </p:cNvPr>
+          <p:cNvSpPr>
+            <a:spLocks noGrp="1"/>
+          </p:cNvSpPr>
+          <p:nvPr>
+            <p:ph type="subTitle" idx="1"/>
+          </p:nvPr>
+        </p:nvSpPr>
+        <p:spPr>
+          <a:xfrm>
+            <a:off x="251520" y="692696"/>
+            <a:ext cx="8640960" cy="6480720"/>
+          </a:xfrm>
+        </p:spPr>
+        <p:txBody>
+          <a:bodyPr>
+            <a:noAutofit/>
+          </a:bodyPr>
+          <a:lstStyle/>
+          <a:p>
+            <a:r>
+              <a:rPr lang="en-GB" sz="3600" dirty="0">
+                <a:solidFill>
+                  <a:schemeClr val="bg1"/>
+                </a:solidFill>
+              </a:rPr>
+              <a:t>Behold He comes, riding on the clouds</a:t>
+            </a:r>
+          </a:p>
+          <a:p>
+            <a:r>
+              <a:rPr lang="en-GB" sz="3600" dirty="0">
+                <a:solidFill>
+                  <a:schemeClr val="bg1"/>
+                </a:solidFill>
+              </a:rPr>
+              <a:t>Shining like the sun, at the trumpet call</a:t>
+            </a:r>
+          </a:p>
+          <a:p>
+            <a:r>
+              <a:rPr lang="en-GB" sz="3600" dirty="0">
+                <a:solidFill>
+                  <a:schemeClr val="bg1"/>
+                </a:solidFill>
+              </a:rPr>
+              <a:t>So lift your voice, it's the year of Jubilee</a:t>
+            </a:r>
+          </a:p>
+          <a:p>
+            <a:r>
+              <a:rPr lang="en-GB" sz="3600" dirty="0">
+                <a:solidFill>
+                  <a:schemeClr val="bg1"/>
+                </a:solidFill>
+              </a:rPr>
+              <a:t>And out of Zion's hill</a:t>
+            </a:r>
+          </a:p>
+          <a:p>
+            <a:r>
+              <a:rPr lang="en-GB" sz="3600" dirty="0">
+                <a:solidFill>
+                  <a:schemeClr val="bg1"/>
+                </a:solidFill>
+              </a:rPr>
+              <a:t>Salvation comes</a:t>
+            </a:r>
+          </a:p>
+        </p:txBody>
+      </p:sp>
+      <p:sp>
+        <p:nvSpPr>
+          <p:cNvPr id="4" name="TextBox 3">
+            <a:extLst>
+              <a:ext uri="{FF2B5EF4-FFF2-40B4-BE49-F238E27FC236}">
+                <a16:creationId xmlns:a16="http://schemas.microsoft.com/office/drawing/2014/main" id="{B2104F1D-8FCB-762D-1FBA-7F85FB746A0B}"/>
+              </a:ext>
+            </a:extLst>
+          </p:cNvPr>
+          <p:cNvSpPr txBox="1"/>
+          <p:nvPr/>
+        </p:nvSpPr>
+        <p:spPr>
+          <a:xfrm>
+            <a:off x="8233934" y="0"/>
+            <a:ext cx="939681" cy="461665"/>
+          </a:xfrm>
+          <a:prstGeom prst="rect">
+            <a:avLst/>
+          </a:prstGeom>
+          <a:noFill/>
+        </p:spPr>
+        <p:txBody>
+          <a:bodyPr wrap="none" rtlCol="0">
+            <a:spAutoFit/>
+          </a:bodyPr>
+          <a:lstStyle/>
+          <a:p>
+            <a:r>
+              <a:rPr lang="en-GB" sz="2400" b="1" dirty="0">
+                <a:solidFill>
+                  <a:schemeClr val="bg1"/>
+                </a:solidFill>
+              </a:rPr>
+              <a:t>10/11</a:t>
+            </a:r>
+          </a:p>
+        </p:txBody>
+      </p:sp>
+    </p:spTree>
+    <p:extLst>
+      <p:ext uri="{BB962C8B-B14F-4D97-AF65-F5344CB8AC3E}">
+        <p14:creationId xmlns:p14="http://schemas.microsoft.com/office/powerpoint/2010/main" val="430259950"/>
+      </p:ext>
+    </p:extLst>
+  </p:cSld>
+  <p:clrMapOvr>
+    <a:masterClrMapping/>
+  </p:clrMapOvr>
+</p:sld>
+</file>
+
+<file path=ppt/slides/slide21.xml><?xml version="1.0" encoding="utf-8"?>
+<p:sld xmlns:a="http://schemas.openxmlformats.org/drawingml/2006/main" xmlns:r="http://schemas.openxmlformats.org/officeDocument/2006/relationships" xmlns:p="http://schemas.openxmlformats.org/presentationml/2006/main">
+  <p:cSld>
+    <p:spTree>
+      <p:nvGrpSpPr>
+        <p:cNvPr id="1" name=""/>
+        <p:cNvGrpSpPr/>
+        <p:nvPr/>
+      </p:nvGrpSpPr>
+      <p:grpSpPr>
+        <a:xfrm>
+          <a:off x="0" y="0"/>
+          <a:ext cx="0" cy="0"/>
+          <a:chOff x="0" y="0"/>
+          <a:chExt cx="0" cy="0"/>
+        </a:xfrm>
+      </p:grpSpPr>
+      <p:sp>
+        <p:nvSpPr>
+          <p:cNvPr id="3" name="Subtitle 2"/>
+          <p:cNvSpPr>
+            <a:spLocks noGrp="1"/>
+          </p:cNvSpPr>
+          <p:nvPr>
+            <p:ph type="subTitle" idx="1"/>
+          </p:nvPr>
+        </p:nvSpPr>
+        <p:spPr>
+          <a:xfrm>
+            <a:off x="188691" y="692696"/>
+            <a:ext cx="8640960" cy="6480720"/>
+          </a:xfrm>
+        </p:spPr>
+        <p:txBody>
+          <a:bodyPr>
+            <a:noAutofit/>
+          </a:bodyPr>
+          <a:lstStyle/>
+          <a:p>
+            <a:r>
+              <a:rPr lang="en-GB" sz="3600" dirty="0">
+                <a:solidFill>
+                  <a:schemeClr val="bg1"/>
+                </a:solidFill>
+              </a:rPr>
+              <a:t>There is no god like Jehovah</a:t>
+            </a:r>
+          </a:p>
+          <a:p>
+            <a:r>
+              <a:rPr lang="en-GB" sz="3600" dirty="0">
+                <a:solidFill>
+                  <a:schemeClr val="bg1"/>
+                </a:solidFill>
+              </a:rPr>
+              <a:t>There is no god like Jehovah</a:t>
+            </a:r>
+          </a:p>
+          <a:p>
+            <a:r>
+              <a:rPr lang="en-GB" sz="3600" dirty="0">
+                <a:solidFill>
+                  <a:schemeClr val="bg1"/>
+                </a:solidFill>
+              </a:rPr>
+              <a:t>There is no god like Je-</a:t>
+            </a:r>
+            <a:r>
+              <a:rPr lang="en-GB" sz="3600" dirty="0" err="1">
+                <a:solidFill>
+                  <a:schemeClr val="bg1"/>
+                </a:solidFill>
+              </a:rPr>
+              <a:t>ho</a:t>
+            </a:r>
+            <a:r>
+              <a:rPr lang="en-GB" sz="3600" dirty="0">
+                <a:solidFill>
+                  <a:schemeClr val="bg1"/>
+                </a:solidFill>
+              </a:rPr>
+              <a:t>-</a:t>
+            </a:r>
+            <a:r>
+              <a:rPr lang="en-GB" sz="3600" dirty="0" err="1">
+                <a:solidFill>
+                  <a:schemeClr val="bg1"/>
+                </a:solidFill>
+              </a:rPr>
+              <a:t>vah</a:t>
+            </a:r>
+            <a:endParaRPr lang="en-GB" sz="3600" dirty="0">
+              <a:solidFill>
+                <a:schemeClr val="bg1"/>
+              </a:solidFill>
+            </a:endParaRPr>
+          </a:p>
+          <a:p>
+            <a:endParaRPr lang="en-GB" sz="3600" dirty="0">
+              <a:solidFill>
+                <a:schemeClr val="bg1"/>
+              </a:solidFill>
+            </a:endParaRPr>
+          </a:p>
+        </p:txBody>
+      </p:sp>
+      <p:sp>
+        <p:nvSpPr>
+          <p:cNvPr id="4" name="TextBox 3"/>
+          <p:cNvSpPr txBox="1"/>
+          <p:nvPr/>
+        </p:nvSpPr>
+        <p:spPr>
+          <a:xfrm>
+            <a:off x="8244408" y="-42193"/>
+            <a:ext cx="939681" cy="461665"/>
+          </a:xfrm>
+          <a:prstGeom prst="rect">
+            <a:avLst/>
+          </a:prstGeom>
+          <a:noFill/>
+        </p:spPr>
+        <p:txBody>
+          <a:bodyPr wrap="none" rtlCol="0">
+            <a:spAutoFit/>
+          </a:bodyPr>
+          <a:lstStyle/>
+          <a:p>
+            <a:r>
+              <a:rPr lang="en-GB" sz="2400" b="1" dirty="0">
+                <a:solidFill>
+                  <a:schemeClr val="bg1"/>
+                </a:solidFill>
+              </a:rPr>
+              <a:t>11/11</a:t>
+            </a:r>
+          </a:p>
+        </p:txBody>
+      </p:sp>
+    </p:spTree>
+    <p:extLst>
+      <p:ext uri="{BB962C8B-B14F-4D97-AF65-F5344CB8AC3E}">
+        <p14:creationId xmlns:p14="http://schemas.microsoft.com/office/powerpoint/2010/main" val="3696665895"/>
+      </p:ext>
+    </p:extLst>
+  </p:cSld>
+  <p:clrMapOvr>
+    <a:masterClrMapping/>
+  </p:clrMapOvr>
+</p:sld>
+</file>
+
+<file path=ppt/slides/slide22.xml><?xml version="1.0" encoding="utf-8"?>
+<p:sld xmlns:a="http://schemas.openxmlformats.org/drawingml/2006/main" xmlns:r="http://schemas.openxmlformats.org/officeDocument/2006/relationships" xmlns:p="http://schemas.openxmlformats.org/presentationml/2006/main">
+  <p:cSld>
+    <p:spTree>
+      <p:nvGrpSpPr>
+        <p:cNvPr id="1" name=""/>
+        <p:cNvGrpSpPr/>
+        <p:nvPr/>
+      </p:nvGrpSpPr>
+      <p:grpSpPr>
+        <a:xfrm>
+          <a:off x="0" y="0"/>
+          <a:ext cx="0" cy="0"/>
+          <a:chOff x="0" y="0"/>
+          <a:chExt cx="0" cy="0"/>
+        </a:xfrm>
+      </p:grpSpPr>
+      <p:sp>
+        <p:nvSpPr>
+          <p:cNvPr id="3" name="Subtitle 2"/>
+          <p:cNvSpPr>
+            <a:spLocks noGrp="1"/>
+          </p:cNvSpPr>
+          <p:nvPr>
+            <p:ph type="subTitle" idx="1"/>
+          </p:nvPr>
+        </p:nvSpPr>
+        <p:spPr>
+          <a:xfrm>
+            <a:off x="323528" y="188640"/>
+            <a:ext cx="8640960" cy="6480720"/>
+          </a:xfrm>
+        </p:spPr>
+        <p:txBody>
+          <a:bodyPr>
+            <a:noAutofit/>
+          </a:bodyPr>
+          <a:lstStyle/>
+          <a:p>
+            <a:endParaRPr lang="en-GB" sz="5400" dirty="0">
+              <a:solidFill>
+                <a:schemeClr val="bg1"/>
+              </a:solidFill>
+            </a:endParaRPr>
+          </a:p>
+          <a:p>
+            <a:r>
+              <a:rPr lang="en-GB" sz="4400" b="0" i="0" dirty="0">
+                <a:solidFill>
+                  <a:srgbClr val="00A3E0"/>
+                </a:solidFill>
+                <a:effectLst/>
+                <a:latin typeface="akagi_probook"/>
+              </a:rPr>
+              <a:t>This is Our God</a:t>
+            </a:r>
+          </a:p>
+          <a:p>
+            <a:br>
+              <a:rPr lang="en-GB" sz="1200" dirty="0">
+                <a:solidFill>
+                  <a:schemeClr val="bg1"/>
+                </a:solidFill>
+              </a:rPr>
+            </a:br>
+            <a:r>
+              <a:rPr lang="en-GB" sz="1200" dirty="0">
+                <a:solidFill>
+                  <a:schemeClr val="bg1"/>
+                </a:solidFill>
+              </a:rPr>
+              <a:t>CCLI Song # 7211413</a:t>
+            </a:r>
+          </a:p>
+          <a:p>
+            <a:r>
+              <a:rPr lang="en-GB" sz="1200" dirty="0">
+                <a:solidFill>
+                  <a:schemeClr val="bg1"/>
+                </a:solidFill>
+              </a:rPr>
+              <a:t>Brandon Lake | Pat Barrett | Phil Wickham | Steven Furtick</a:t>
+            </a:r>
+          </a:p>
+          <a:p>
+            <a:r>
+              <a:rPr lang="en-GB" sz="1200" dirty="0">
+                <a:solidFill>
+                  <a:schemeClr val="bg1"/>
+                </a:solidFill>
+              </a:rPr>
+              <a:t>© Brandon Lake Music; Phil Wickham Music; Simply Global Songs; Capitol CMG Genesis; Housefires Sounds; Music by Elevation Worship Publishing</a:t>
+            </a:r>
+          </a:p>
+          <a:p>
+            <a:r>
+              <a:rPr lang="en-GB" sz="1200" dirty="0">
+                <a:solidFill>
+                  <a:schemeClr val="bg1"/>
+                </a:solidFill>
+              </a:rPr>
+              <a:t>For use solely with the </a:t>
+            </a:r>
+            <a:r>
+              <a:rPr lang="en-GB" sz="1200" dirty="0" err="1">
+                <a:solidFill>
+                  <a:schemeClr val="bg1"/>
+                </a:solidFill>
+              </a:rPr>
+              <a:t>SongSelect</a:t>
+            </a:r>
+            <a:r>
+              <a:rPr lang="en-GB" sz="1200" dirty="0">
+                <a:solidFill>
+                  <a:schemeClr val="bg1"/>
+                </a:solidFill>
+              </a:rPr>
+              <a:t>® Terms of Use. All rights reserved. www.ccli.com</a:t>
+            </a:r>
+          </a:p>
+          <a:p>
+            <a:r>
+              <a:rPr lang="en-GB" sz="1200" dirty="0">
+                <a:solidFill>
+                  <a:schemeClr val="bg1"/>
+                </a:solidFill>
+              </a:rPr>
+              <a:t>CCLI Licence No. 33265</a:t>
+            </a:r>
+            <a:br>
+              <a:rPr lang="en-GB" sz="1200" dirty="0">
+                <a:solidFill>
+                  <a:schemeClr val="bg1"/>
+                </a:solidFill>
+              </a:rPr>
+            </a:br>
+            <a:endParaRPr lang="en-GB" sz="1200" dirty="0">
+              <a:solidFill>
+                <a:schemeClr val="bg1"/>
+              </a:solidFill>
+            </a:endParaRPr>
+          </a:p>
+        </p:txBody>
+      </p:sp>
+    </p:spTree>
+    <p:extLst>
+      <p:ext uri="{BB962C8B-B14F-4D97-AF65-F5344CB8AC3E}">
+        <p14:creationId xmlns:p14="http://schemas.microsoft.com/office/powerpoint/2010/main" val="16137570"/>
+      </p:ext>
+    </p:extLst>
+  </p:cSld>
+  <p:clrMapOvr>
+    <a:masterClrMapping/>
+  </p:clrMapOvr>
+</p:sld>
+</file>
+
+<file path=ppt/slides/slide23.xml><?xml version="1.0" encoding="utf-8"?>
+<p:sld xmlns:a="http://schemas.openxmlformats.org/drawingml/2006/main" xmlns:r="http://schemas.openxmlformats.org/officeDocument/2006/relationships" xmlns:p="http://schemas.openxmlformats.org/presentationml/2006/main">
+  <p:cSld>
+    <p:spTree>
+      <p:nvGrpSpPr>
+        <p:cNvPr id="1" name=""/>
+        <p:cNvGrpSpPr/>
+        <p:nvPr/>
+      </p:nvGrpSpPr>
+      <p:grpSpPr>
+        <a:xfrm>
+          <a:off x="0" y="0"/>
+          <a:ext cx="0" cy="0"/>
+          <a:chOff x="0" y="0"/>
+          <a:chExt cx="0" cy="0"/>
+        </a:xfrm>
+      </p:grpSpPr>
+      <p:sp>
+        <p:nvSpPr>
+          <p:cNvPr id="3" name="Subtitle 2"/>
+          <p:cNvSpPr>
+            <a:spLocks noGrp="1"/>
+          </p:cNvSpPr>
+          <p:nvPr>
+            <p:ph type="subTitle" idx="1"/>
+          </p:nvPr>
+        </p:nvSpPr>
+        <p:spPr>
+          <a:xfrm>
+            <a:off x="251520" y="764704"/>
+            <a:ext cx="8640960" cy="6480720"/>
+          </a:xfrm>
+        </p:spPr>
+        <p:txBody>
+          <a:bodyPr>
+            <a:noAutofit/>
+          </a:bodyPr>
+          <a:lstStyle/>
+          <a:p>
+            <a:r>
+              <a:rPr lang="en-GB" sz="4000" dirty="0">
+                <a:solidFill>
+                  <a:schemeClr val="bg1"/>
+                </a:solidFill>
+              </a:rPr>
+              <a:t>Remember those walls that we called sin and shame</a:t>
+            </a:r>
+          </a:p>
+          <a:p>
+            <a:r>
+              <a:rPr lang="en-GB" sz="4000" dirty="0">
+                <a:solidFill>
+                  <a:schemeClr val="bg1"/>
+                </a:solidFill>
+              </a:rPr>
+              <a:t>They were like prisons that we couldn’t escape</a:t>
+            </a:r>
+          </a:p>
+          <a:p>
+            <a:r>
+              <a:rPr lang="en-GB" sz="4000" dirty="0">
+                <a:solidFill>
+                  <a:schemeClr val="bg1"/>
+                </a:solidFill>
+              </a:rPr>
+              <a:t>But He came and He died and He rose</a:t>
+            </a:r>
+          </a:p>
+          <a:p>
+            <a:r>
+              <a:rPr lang="en-GB" sz="4000" dirty="0">
+                <a:solidFill>
+                  <a:schemeClr val="bg1"/>
+                </a:solidFill>
+              </a:rPr>
+              <a:t>Those walls are rubble now</a:t>
+            </a:r>
+          </a:p>
+        </p:txBody>
+      </p:sp>
+      <p:sp>
+        <p:nvSpPr>
+          <p:cNvPr id="4" name="TextBox 3"/>
+          <p:cNvSpPr txBox="1"/>
+          <p:nvPr/>
+        </p:nvSpPr>
+        <p:spPr>
+          <a:xfrm>
+            <a:off x="8316416" y="0"/>
+            <a:ext cx="628698" cy="461665"/>
+          </a:xfrm>
+          <a:prstGeom prst="rect">
+            <a:avLst/>
+          </a:prstGeom>
+          <a:noFill/>
+        </p:spPr>
+        <p:txBody>
+          <a:bodyPr wrap="none" rtlCol="0">
+            <a:spAutoFit/>
+          </a:bodyPr>
+          <a:lstStyle/>
+          <a:p>
+            <a:r>
+              <a:rPr lang="en-GB" sz="2400" b="1" dirty="0">
+                <a:solidFill>
+                  <a:schemeClr val="bg1"/>
+                </a:solidFill>
+              </a:rPr>
+              <a:t>1/9</a:t>
+            </a:r>
+          </a:p>
+        </p:txBody>
+      </p:sp>
+    </p:spTree>
+    <p:extLst>
+      <p:ext uri="{BB962C8B-B14F-4D97-AF65-F5344CB8AC3E}">
+        <p14:creationId xmlns:p14="http://schemas.microsoft.com/office/powerpoint/2010/main" val="3684826577"/>
+      </p:ext>
+    </p:extLst>
+  </p:cSld>
+  <p:clrMapOvr>
+    <a:masterClrMapping/>
+  </p:clrMapOvr>
+</p:sld>
+</file>
+
+<file path=ppt/slides/slide24.xml><?xml version="1.0" encoding="utf-8"?>
+<p:sld xmlns:a="http://schemas.openxmlformats.org/drawingml/2006/main" xmlns:r="http://schemas.openxmlformats.org/officeDocument/2006/relationships" xmlns:p="http://schemas.openxmlformats.org/presentationml/2006/main">
+  <p:cSld>
+    <p:spTree>
+      <p:nvGrpSpPr>
+        <p:cNvPr id="1" name=""/>
+        <p:cNvGrpSpPr/>
+        <p:nvPr/>
+      </p:nvGrpSpPr>
+      <p:grpSpPr>
+        <a:xfrm>
+          <a:off x="0" y="0"/>
+          <a:ext cx="0" cy="0"/>
+          <a:chOff x="0" y="0"/>
+          <a:chExt cx="0" cy="0"/>
+        </a:xfrm>
+      </p:grpSpPr>
+      <p:sp>
+        <p:nvSpPr>
+          <p:cNvPr id="3" name="Subtitle 2"/>
+          <p:cNvSpPr>
+            <a:spLocks noGrp="1"/>
+          </p:cNvSpPr>
+          <p:nvPr>
+            <p:ph type="subTitle" idx="1"/>
+          </p:nvPr>
+        </p:nvSpPr>
+        <p:spPr>
+          <a:xfrm>
+            <a:off x="251520" y="764704"/>
+            <a:ext cx="8640960" cy="6480720"/>
+          </a:xfrm>
+        </p:spPr>
+        <p:txBody>
+          <a:bodyPr>
+            <a:noAutofit/>
+          </a:bodyPr>
+          <a:lstStyle/>
+          <a:p>
+            <a:r>
+              <a:rPr lang="en-GB" sz="4000" dirty="0">
+                <a:solidFill>
+                  <a:schemeClr val="bg1"/>
+                </a:solidFill>
+              </a:rPr>
+              <a:t>Remember those giants we called death and grave</a:t>
+            </a:r>
+          </a:p>
+          <a:p>
+            <a:r>
+              <a:rPr lang="en-GB" sz="4000" dirty="0">
+                <a:solidFill>
+                  <a:schemeClr val="bg1"/>
+                </a:solidFill>
+              </a:rPr>
+              <a:t>They were like mountains that stood in our way</a:t>
+            </a:r>
+          </a:p>
+          <a:p>
+            <a:r>
+              <a:rPr lang="en-GB" sz="4000" dirty="0">
+                <a:solidFill>
+                  <a:schemeClr val="bg1"/>
+                </a:solidFill>
+              </a:rPr>
+              <a:t>But He came and He died and He rose</a:t>
+            </a:r>
+          </a:p>
+          <a:p>
+            <a:r>
+              <a:rPr lang="en-GB" sz="4000" dirty="0">
+                <a:solidFill>
+                  <a:schemeClr val="bg1"/>
+                </a:solidFill>
+              </a:rPr>
+              <a:t>Those giants are dead now</a:t>
+            </a:r>
+          </a:p>
+        </p:txBody>
+      </p:sp>
+      <p:sp>
+        <p:nvSpPr>
+          <p:cNvPr id="4" name="TextBox 3"/>
+          <p:cNvSpPr txBox="1"/>
+          <p:nvPr/>
+        </p:nvSpPr>
+        <p:spPr>
+          <a:xfrm>
+            <a:off x="8316416" y="0"/>
+            <a:ext cx="628698" cy="461665"/>
+          </a:xfrm>
+          <a:prstGeom prst="rect">
+            <a:avLst/>
+          </a:prstGeom>
+          <a:noFill/>
+        </p:spPr>
+        <p:txBody>
+          <a:bodyPr wrap="none" rtlCol="0">
+            <a:spAutoFit/>
+          </a:bodyPr>
+          <a:lstStyle/>
+          <a:p>
+            <a:r>
+              <a:rPr lang="en-GB" sz="2400" b="1" dirty="0">
+                <a:solidFill>
+                  <a:schemeClr val="bg1"/>
+                </a:solidFill>
+              </a:rPr>
+              <a:t>2/9</a:t>
+            </a:r>
+          </a:p>
+        </p:txBody>
+      </p:sp>
+    </p:spTree>
+    <p:extLst>
+      <p:ext uri="{BB962C8B-B14F-4D97-AF65-F5344CB8AC3E}">
+        <p14:creationId xmlns:p14="http://schemas.microsoft.com/office/powerpoint/2010/main" val="2046220512"/>
+      </p:ext>
+    </p:extLst>
+  </p:cSld>
+  <p:clrMapOvr>
+    <a:masterClrMapping/>
+  </p:clrMapOvr>
+</p:sld>
+</file>
+
+<file path=ppt/slides/slide25.xml><?xml version="1.0" encoding="utf-8"?>
+<p:sld xmlns:a="http://schemas.openxmlformats.org/drawingml/2006/main" xmlns:r="http://schemas.openxmlformats.org/officeDocument/2006/relationships" xmlns:p="http://schemas.openxmlformats.org/presentationml/2006/main">
+  <p:cSld>
+    <p:spTree>
+      <p:nvGrpSpPr>
+        <p:cNvPr id="1" name=""/>
+        <p:cNvGrpSpPr/>
+        <p:nvPr/>
+      </p:nvGrpSpPr>
+      <p:grpSpPr>
+        <a:xfrm>
+          <a:off x="0" y="0"/>
+          <a:ext cx="0" cy="0"/>
+          <a:chOff x="0" y="0"/>
+          <a:chExt cx="0" cy="0"/>
+        </a:xfrm>
+      </p:grpSpPr>
+      <p:sp>
+        <p:nvSpPr>
+          <p:cNvPr id="3" name="Subtitle 2"/>
+          <p:cNvSpPr>
+            <a:spLocks noGrp="1"/>
+          </p:cNvSpPr>
+          <p:nvPr>
+            <p:ph type="subTitle" idx="1"/>
+          </p:nvPr>
+        </p:nvSpPr>
+        <p:spPr>
+          <a:xfrm>
+            <a:off x="251520" y="764704"/>
+            <a:ext cx="8640960" cy="6480720"/>
+          </a:xfrm>
+        </p:spPr>
+        <p:txBody>
+          <a:bodyPr>
+            <a:noAutofit/>
+          </a:bodyPr>
+          <a:lstStyle/>
+          <a:p>
+            <a:r>
+              <a:rPr lang="en-GB" sz="4000" dirty="0">
+                <a:solidFill>
+                  <a:schemeClr val="bg1"/>
+                </a:solidFill>
+              </a:rPr>
+              <a:t>This is our God this is who He is</a:t>
+            </a:r>
+          </a:p>
+          <a:p>
+            <a:r>
+              <a:rPr lang="en-GB" sz="4000" dirty="0">
+                <a:solidFill>
+                  <a:schemeClr val="bg1"/>
+                </a:solidFill>
+              </a:rPr>
+              <a:t>He loves us</a:t>
+            </a:r>
+          </a:p>
+          <a:p>
+            <a:r>
+              <a:rPr lang="en-GB" sz="4000" dirty="0">
+                <a:solidFill>
+                  <a:schemeClr val="bg1"/>
+                </a:solidFill>
+              </a:rPr>
+              <a:t>This is our God this is what He does</a:t>
+            </a:r>
+          </a:p>
+          <a:p>
+            <a:r>
+              <a:rPr lang="en-GB" sz="4000" dirty="0">
+                <a:solidFill>
+                  <a:schemeClr val="bg1"/>
+                </a:solidFill>
+              </a:rPr>
+              <a:t>He saves us</a:t>
+            </a:r>
+          </a:p>
+          <a:p>
+            <a:r>
+              <a:rPr lang="en-GB" sz="4000" dirty="0">
+                <a:solidFill>
+                  <a:schemeClr val="bg1"/>
+                </a:solidFill>
+              </a:rPr>
+              <a:t>He bore the cross beat the grave</a:t>
+            </a:r>
+          </a:p>
+          <a:p>
+            <a:r>
+              <a:rPr lang="en-GB" sz="4000" dirty="0">
+                <a:solidFill>
+                  <a:schemeClr val="bg1"/>
+                </a:solidFill>
+              </a:rPr>
+              <a:t>Let heaven and earth proclaim</a:t>
+            </a:r>
+          </a:p>
+          <a:p>
+            <a:r>
+              <a:rPr lang="en-GB" sz="4000" dirty="0">
+                <a:solidFill>
+                  <a:schemeClr val="bg1"/>
+                </a:solidFill>
+              </a:rPr>
+              <a:t>This is our God King Jesus</a:t>
+            </a:r>
+          </a:p>
+        </p:txBody>
+      </p:sp>
+      <p:sp>
+        <p:nvSpPr>
+          <p:cNvPr id="4" name="TextBox 3"/>
+          <p:cNvSpPr txBox="1"/>
+          <p:nvPr/>
+        </p:nvSpPr>
+        <p:spPr>
+          <a:xfrm>
+            <a:off x="8316416" y="0"/>
+            <a:ext cx="628698" cy="461665"/>
+          </a:xfrm>
+          <a:prstGeom prst="rect">
+            <a:avLst/>
+          </a:prstGeom>
+          <a:noFill/>
+        </p:spPr>
+        <p:txBody>
+          <a:bodyPr wrap="none" rtlCol="0">
+            <a:spAutoFit/>
+          </a:bodyPr>
+          <a:lstStyle/>
+          <a:p>
+            <a:r>
+              <a:rPr lang="en-GB" sz="2400" b="1" dirty="0">
+                <a:solidFill>
+                  <a:schemeClr val="bg1"/>
+                </a:solidFill>
+              </a:rPr>
+              <a:t>3/9</a:t>
+            </a:r>
+          </a:p>
+        </p:txBody>
+      </p:sp>
+    </p:spTree>
+    <p:extLst>
+      <p:ext uri="{BB962C8B-B14F-4D97-AF65-F5344CB8AC3E}">
+        <p14:creationId xmlns:p14="http://schemas.microsoft.com/office/powerpoint/2010/main" val="2785631929"/>
+      </p:ext>
+    </p:extLst>
+  </p:cSld>
+  <p:clrMapOvr>
+    <a:masterClrMapping/>
+  </p:clrMapOvr>
+</p:sld>
+</file>
+
+<file path=ppt/slides/slide26.xml><?xml version="1.0" encoding="utf-8"?>
+<p:sld xmlns:a="http://schemas.openxmlformats.org/drawingml/2006/main" xmlns:r="http://schemas.openxmlformats.org/officeDocument/2006/relationships" xmlns:p="http://schemas.openxmlformats.org/presentationml/2006/main">
+  <p:cSld>
+    <p:spTree>
+      <p:nvGrpSpPr>
+        <p:cNvPr id="1" name=""/>
+        <p:cNvGrpSpPr/>
+        <p:nvPr/>
+      </p:nvGrpSpPr>
+      <p:grpSpPr>
+        <a:xfrm>
+          <a:off x="0" y="0"/>
+          <a:ext cx="0" cy="0"/>
+          <a:chOff x="0" y="0"/>
+          <a:chExt cx="0" cy="0"/>
+        </a:xfrm>
+      </p:grpSpPr>
+      <p:sp>
+        <p:nvSpPr>
+          <p:cNvPr id="3" name="Subtitle 2"/>
+          <p:cNvSpPr>
+            <a:spLocks noGrp="1"/>
+          </p:cNvSpPr>
+          <p:nvPr>
+            <p:ph type="subTitle" idx="1"/>
+          </p:nvPr>
+        </p:nvSpPr>
+        <p:spPr>
+          <a:xfrm>
+            <a:off x="251520" y="764704"/>
+            <a:ext cx="8640960" cy="6480720"/>
+          </a:xfrm>
+        </p:spPr>
+        <p:txBody>
+          <a:bodyPr>
+            <a:noAutofit/>
+          </a:bodyPr>
+          <a:lstStyle/>
+          <a:p>
+            <a:r>
+              <a:rPr lang="en-GB" sz="4000" dirty="0">
+                <a:solidFill>
+                  <a:schemeClr val="bg1"/>
+                </a:solidFill>
+              </a:rPr>
+              <a:t>Remember that fear that took our breath away</a:t>
+            </a:r>
+          </a:p>
+          <a:p>
+            <a:r>
+              <a:rPr lang="en-GB" sz="4000" dirty="0">
+                <a:solidFill>
+                  <a:schemeClr val="bg1"/>
+                </a:solidFill>
+              </a:rPr>
+              <a:t>Faith so weak that we could barely pray</a:t>
+            </a:r>
+          </a:p>
+          <a:p>
+            <a:r>
+              <a:rPr lang="en-GB" sz="4000" dirty="0">
+                <a:solidFill>
+                  <a:schemeClr val="bg1"/>
+                </a:solidFill>
+              </a:rPr>
+              <a:t>But He heard every word every whisper</a:t>
+            </a:r>
+          </a:p>
+          <a:p>
+            <a:r>
+              <a:rPr lang="en-GB" sz="4000" dirty="0">
+                <a:solidFill>
+                  <a:schemeClr val="bg1"/>
+                </a:solidFill>
+              </a:rPr>
+              <a:t>Now those altars in the wilderness</a:t>
+            </a:r>
+          </a:p>
+          <a:p>
+            <a:r>
+              <a:rPr lang="en-GB" sz="4000" dirty="0">
+                <a:solidFill>
+                  <a:schemeClr val="bg1"/>
+                </a:solidFill>
+              </a:rPr>
+              <a:t>Tell the story of His faithfulness</a:t>
+            </a:r>
+          </a:p>
+          <a:p>
+            <a:r>
+              <a:rPr lang="en-GB" sz="4000" dirty="0">
+                <a:solidFill>
+                  <a:schemeClr val="bg1"/>
+                </a:solidFill>
+              </a:rPr>
+              <a:t>Never once did He fail and He never will</a:t>
+            </a:r>
+          </a:p>
+        </p:txBody>
+      </p:sp>
+      <p:sp>
+        <p:nvSpPr>
+          <p:cNvPr id="4" name="TextBox 3"/>
+          <p:cNvSpPr txBox="1"/>
+          <p:nvPr/>
+        </p:nvSpPr>
+        <p:spPr>
+          <a:xfrm>
+            <a:off x="8316416" y="0"/>
+            <a:ext cx="628698" cy="461665"/>
+          </a:xfrm>
+          <a:prstGeom prst="rect">
+            <a:avLst/>
+          </a:prstGeom>
+          <a:noFill/>
+        </p:spPr>
+        <p:txBody>
+          <a:bodyPr wrap="none" rtlCol="0">
+            <a:spAutoFit/>
+          </a:bodyPr>
+          <a:lstStyle/>
+          <a:p>
+            <a:r>
+              <a:rPr lang="en-GB" sz="2400" b="1" dirty="0">
+                <a:solidFill>
+                  <a:schemeClr val="bg1"/>
+                </a:solidFill>
+              </a:rPr>
+              <a:t>4/9</a:t>
+            </a:r>
+          </a:p>
+        </p:txBody>
+      </p:sp>
+    </p:spTree>
+    <p:extLst>
+      <p:ext uri="{BB962C8B-B14F-4D97-AF65-F5344CB8AC3E}">
+        <p14:creationId xmlns:p14="http://schemas.microsoft.com/office/powerpoint/2010/main" val="3729947511"/>
+      </p:ext>
+    </p:extLst>
+  </p:cSld>
+  <p:clrMapOvr>
+    <a:masterClrMapping/>
+  </p:clrMapOvr>
+</p:sld>
+</file>
+
+<file path=ppt/slides/slide27.xml><?xml version="1.0" encoding="utf-8"?>
+<p:sld xmlns:a="http://schemas.openxmlformats.org/drawingml/2006/main" xmlns:r="http://schemas.openxmlformats.org/officeDocument/2006/relationships" xmlns:p="http://schemas.openxmlformats.org/presentationml/2006/main">
+  <p:cSld>
+    <p:spTree>
+      <p:nvGrpSpPr>
+        <p:cNvPr id="1" name=""/>
+        <p:cNvGrpSpPr/>
+        <p:nvPr/>
+      </p:nvGrpSpPr>
+      <p:grpSpPr>
+        <a:xfrm>
+          <a:off x="0" y="0"/>
+          <a:ext cx="0" cy="0"/>
+          <a:chOff x="0" y="0"/>
+          <a:chExt cx="0" cy="0"/>
+        </a:xfrm>
+      </p:grpSpPr>
+      <p:sp>
+        <p:nvSpPr>
+          <p:cNvPr id="3" name="Subtitle 2"/>
+          <p:cNvSpPr>
+            <a:spLocks noGrp="1"/>
+          </p:cNvSpPr>
+          <p:nvPr>
+            <p:ph type="subTitle" idx="1"/>
+          </p:nvPr>
+        </p:nvSpPr>
+        <p:spPr>
+          <a:xfrm>
+            <a:off x="251520" y="764704"/>
+            <a:ext cx="8640960" cy="6480720"/>
+          </a:xfrm>
+        </p:spPr>
+        <p:txBody>
+          <a:bodyPr>
+            <a:noAutofit/>
+          </a:bodyPr>
+          <a:lstStyle/>
+          <a:p>
+            <a:r>
+              <a:rPr lang="en-GB" sz="4000" dirty="0">
+                <a:solidFill>
+                  <a:schemeClr val="bg1"/>
+                </a:solidFill>
+              </a:rPr>
+              <a:t>This is our God this is who He is</a:t>
+            </a:r>
+          </a:p>
+          <a:p>
+            <a:r>
+              <a:rPr lang="en-GB" sz="4000" dirty="0">
+                <a:solidFill>
+                  <a:schemeClr val="bg1"/>
+                </a:solidFill>
+              </a:rPr>
+              <a:t>He loves us</a:t>
+            </a:r>
+          </a:p>
+          <a:p>
+            <a:r>
+              <a:rPr lang="en-GB" sz="4000" dirty="0">
+                <a:solidFill>
+                  <a:schemeClr val="bg1"/>
+                </a:solidFill>
+              </a:rPr>
+              <a:t>This is our God this is what He does</a:t>
+            </a:r>
+          </a:p>
+          <a:p>
+            <a:r>
+              <a:rPr lang="en-GB" sz="4000" dirty="0">
+                <a:solidFill>
+                  <a:schemeClr val="bg1"/>
+                </a:solidFill>
+              </a:rPr>
+              <a:t>He saves us</a:t>
+            </a:r>
+          </a:p>
+          <a:p>
+            <a:r>
+              <a:rPr lang="en-GB" sz="4000" dirty="0">
+                <a:solidFill>
+                  <a:schemeClr val="bg1"/>
+                </a:solidFill>
+              </a:rPr>
+              <a:t>He bore the cross beat the grave</a:t>
+            </a:r>
+          </a:p>
+          <a:p>
+            <a:r>
+              <a:rPr lang="en-GB" sz="4000" dirty="0">
+                <a:solidFill>
+                  <a:schemeClr val="bg1"/>
+                </a:solidFill>
+              </a:rPr>
+              <a:t>Let heaven and earth proclaim</a:t>
+            </a:r>
+          </a:p>
+          <a:p>
+            <a:r>
+              <a:rPr lang="en-GB" sz="4000" dirty="0">
+                <a:solidFill>
+                  <a:schemeClr val="bg1"/>
+                </a:solidFill>
+              </a:rPr>
+              <a:t>This is our God King Jesus</a:t>
+            </a:r>
+          </a:p>
+        </p:txBody>
+      </p:sp>
+      <p:sp>
+        <p:nvSpPr>
+          <p:cNvPr id="4" name="TextBox 3"/>
+          <p:cNvSpPr txBox="1"/>
+          <p:nvPr/>
+        </p:nvSpPr>
+        <p:spPr>
+          <a:xfrm>
+            <a:off x="8316416" y="0"/>
+            <a:ext cx="628698" cy="461665"/>
+          </a:xfrm>
+          <a:prstGeom prst="rect">
+            <a:avLst/>
+          </a:prstGeom>
+          <a:noFill/>
+        </p:spPr>
+        <p:txBody>
+          <a:bodyPr wrap="none" rtlCol="0">
+            <a:spAutoFit/>
+          </a:bodyPr>
+          <a:lstStyle/>
+          <a:p>
+            <a:r>
+              <a:rPr lang="en-GB" sz="2400" b="1" dirty="0">
+                <a:solidFill>
+                  <a:schemeClr val="bg1"/>
+                </a:solidFill>
+              </a:rPr>
+              <a:t>5/9</a:t>
+            </a:r>
+          </a:p>
+        </p:txBody>
+      </p:sp>
+    </p:spTree>
+    <p:extLst>
+      <p:ext uri="{BB962C8B-B14F-4D97-AF65-F5344CB8AC3E}">
+        <p14:creationId xmlns:p14="http://schemas.microsoft.com/office/powerpoint/2010/main" val="1807002910"/>
+      </p:ext>
+    </p:extLst>
+  </p:cSld>
+  <p:clrMapOvr>
+    <a:masterClrMapping/>
+  </p:clrMapOvr>
+</p:sld>
+</file>
+
+<file path=ppt/slides/slide28.xml><?xml version="1.0" encoding="utf-8"?>
+<p:sld xmlns:a="http://schemas.openxmlformats.org/drawingml/2006/main" xmlns:r="http://schemas.openxmlformats.org/officeDocument/2006/relationships" xmlns:p="http://schemas.openxmlformats.org/presentationml/2006/main">
+  <p:cSld>
+    <p:spTree>
+      <p:nvGrpSpPr>
+        <p:cNvPr id="1" name=""/>
+        <p:cNvGrpSpPr/>
+        <p:nvPr/>
+      </p:nvGrpSpPr>
+      <p:grpSpPr>
+        <a:xfrm>
+          <a:off x="0" y="0"/>
+          <a:ext cx="0" cy="0"/>
+          <a:chOff x="0" y="0"/>
+          <a:chExt cx="0" cy="0"/>
+        </a:xfrm>
+      </p:grpSpPr>
+      <p:sp>
+        <p:nvSpPr>
+          <p:cNvPr id="3" name="Subtitle 2"/>
+          <p:cNvSpPr>
+            <a:spLocks noGrp="1"/>
+          </p:cNvSpPr>
+          <p:nvPr>
+            <p:ph type="subTitle" idx="1"/>
+          </p:nvPr>
+        </p:nvSpPr>
+        <p:spPr>
+          <a:xfrm>
+            <a:off x="251520" y="764704"/>
+            <a:ext cx="8640960" cy="6480720"/>
+          </a:xfrm>
+        </p:spPr>
+        <p:txBody>
+          <a:bodyPr>
+            <a:noAutofit/>
+          </a:bodyPr>
+          <a:lstStyle/>
+          <a:p>
+            <a:r>
+              <a:rPr lang="en-GB" sz="4000" dirty="0">
+                <a:solidFill>
+                  <a:schemeClr val="bg1"/>
+                </a:solidFill>
+              </a:rPr>
+              <a:t>Who pulled me out of that pit</a:t>
+            </a:r>
+          </a:p>
+          <a:p>
+            <a:r>
+              <a:rPr lang="en-GB" sz="4000" dirty="0">
+                <a:solidFill>
+                  <a:schemeClr val="bg1"/>
+                </a:solidFill>
+              </a:rPr>
+              <a:t>He did He did</a:t>
+            </a:r>
+          </a:p>
+          <a:p>
+            <a:r>
+              <a:rPr lang="en-GB" sz="4000" dirty="0">
+                <a:solidFill>
+                  <a:schemeClr val="bg1"/>
+                </a:solidFill>
+              </a:rPr>
+              <a:t>Who paid for all of our sin</a:t>
+            </a:r>
+          </a:p>
+          <a:p>
+            <a:r>
+              <a:rPr lang="en-GB" sz="4000" dirty="0">
+                <a:solidFill>
+                  <a:schemeClr val="bg1"/>
+                </a:solidFill>
+              </a:rPr>
+              <a:t>Nobody but Jesus</a:t>
+            </a:r>
+          </a:p>
+        </p:txBody>
+      </p:sp>
+      <p:sp>
+        <p:nvSpPr>
+          <p:cNvPr id="4" name="TextBox 3"/>
+          <p:cNvSpPr txBox="1"/>
+          <p:nvPr/>
+        </p:nvSpPr>
+        <p:spPr>
+          <a:xfrm>
+            <a:off x="8316416" y="0"/>
+            <a:ext cx="628698" cy="461665"/>
+          </a:xfrm>
+          <a:prstGeom prst="rect">
+            <a:avLst/>
+          </a:prstGeom>
+          <a:noFill/>
+        </p:spPr>
+        <p:txBody>
+          <a:bodyPr wrap="none" rtlCol="0">
+            <a:spAutoFit/>
+          </a:bodyPr>
+          <a:lstStyle/>
+          <a:p>
+            <a:r>
+              <a:rPr lang="en-GB" sz="2400" b="1" dirty="0">
+                <a:solidFill>
+                  <a:schemeClr val="bg1"/>
+                </a:solidFill>
+              </a:rPr>
+              <a:t>6/9</a:t>
+            </a:r>
+          </a:p>
+        </p:txBody>
+      </p:sp>
+    </p:spTree>
+    <p:extLst>
+      <p:ext uri="{BB962C8B-B14F-4D97-AF65-F5344CB8AC3E}">
+        <p14:creationId xmlns:p14="http://schemas.microsoft.com/office/powerpoint/2010/main" val="3380602350"/>
+      </p:ext>
+    </p:extLst>
+  </p:cSld>
+  <p:clrMapOvr>
+    <a:masterClrMapping/>
+  </p:clrMapOvr>
+</p:sld>
+</file>
+
+<file path=ppt/slides/slide29.xml><?xml version="1.0" encoding="utf-8"?>
+<p:sld xmlns:a="http://schemas.openxmlformats.org/drawingml/2006/main" xmlns:r="http://schemas.openxmlformats.org/officeDocument/2006/relationships" xmlns:p="http://schemas.openxmlformats.org/presentationml/2006/main">
+  <p:cSld>
+    <p:spTree>
+      <p:nvGrpSpPr>
+        <p:cNvPr id="1" name=""/>
+        <p:cNvGrpSpPr/>
+        <p:nvPr/>
+      </p:nvGrpSpPr>
+      <p:grpSpPr>
+        <a:xfrm>
+          <a:off x="0" y="0"/>
+          <a:ext cx="0" cy="0"/>
+          <a:chOff x="0" y="0"/>
+          <a:chExt cx="0" cy="0"/>
+        </a:xfrm>
+      </p:grpSpPr>
+      <p:sp>
+        <p:nvSpPr>
+          <p:cNvPr id="3" name="Subtitle 2"/>
+          <p:cNvSpPr>
+            <a:spLocks noGrp="1"/>
+          </p:cNvSpPr>
+          <p:nvPr>
+            <p:ph type="subTitle" idx="1"/>
+          </p:nvPr>
+        </p:nvSpPr>
+        <p:spPr>
+          <a:xfrm>
+            <a:off x="251520" y="764704"/>
+            <a:ext cx="8640960" cy="6480720"/>
+          </a:xfrm>
+        </p:spPr>
+        <p:txBody>
+          <a:bodyPr>
+            <a:noAutofit/>
+          </a:bodyPr>
+          <a:lstStyle/>
+          <a:p>
+            <a:r>
+              <a:rPr lang="en-GB" sz="4000" dirty="0">
+                <a:solidFill>
+                  <a:schemeClr val="bg1"/>
+                </a:solidFill>
+              </a:rPr>
+              <a:t>Who rescued me from that grave</a:t>
+            </a:r>
+          </a:p>
+          <a:p>
+            <a:r>
+              <a:rPr lang="en-GB" sz="4000" dirty="0">
+                <a:solidFill>
+                  <a:schemeClr val="bg1"/>
+                </a:solidFill>
+              </a:rPr>
+              <a:t>Yahweh </a:t>
+            </a:r>
+            <a:r>
+              <a:rPr lang="en-GB" sz="4000" dirty="0" err="1">
+                <a:solidFill>
+                  <a:schemeClr val="bg1"/>
+                </a:solidFill>
+              </a:rPr>
+              <a:t>Yahweh</a:t>
+            </a:r>
+            <a:endParaRPr lang="en-GB" sz="4000" dirty="0">
+              <a:solidFill>
+                <a:schemeClr val="bg1"/>
+              </a:solidFill>
+            </a:endParaRPr>
+          </a:p>
+          <a:p>
+            <a:r>
+              <a:rPr lang="en-GB" sz="4000" dirty="0">
+                <a:solidFill>
+                  <a:schemeClr val="bg1"/>
+                </a:solidFill>
+              </a:rPr>
+              <a:t>Who gets the glory and praise</a:t>
+            </a:r>
+          </a:p>
+          <a:p>
+            <a:r>
+              <a:rPr lang="en-GB" sz="4000" dirty="0">
+                <a:solidFill>
+                  <a:schemeClr val="bg1"/>
+                </a:solidFill>
+              </a:rPr>
+              <a:t>Nobody but Jesus (Him)</a:t>
+            </a:r>
+          </a:p>
+        </p:txBody>
+      </p:sp>
+      <p:sp>
+        <p:nvSpPr>
+          <p:cNvPr id="4" name="TextBox 3"/>
+          <p:cNvSpPr txBox="1"/>
+          <p:nvPr/>
+        </p:nvSpPr>
+        <p:spPr>
+          <a:xfrm>
+            <a:off x="8316416" y="0"/>
+            <a:ext cx="628698" cy="461665"/>
+          </a:xfrm>
+          <a:prstGeom prst="rect">
+            <a:avLst/>
+          </a:prstGeom>
+          <a:noFill/>
+        </p:spPr>
+        <p:txBody>
+          <a:bodyPr wrap="none" rtlCol="0">
+            <a:spAutoFit/>
+          </a:bodyPr>
+          <a:lstStyle/>
+          <a:p>
+            <a:r>
+              <a:rPr lang="en-GB" sz="2400" b="1" dirty="0">
+                <a:solidFill>
+                  <a:schemeClr val="bg1"/>
+                </a:solidFill>
+              </a:rPr>
+              <a:t>7/9</a:t>
+            </a:r>
+          </a:p>
+        </p:txBody>
+      </p:sp>
+    </p:spTree>
+    <p:extLst>
+      <p:ext uri="{BB962C8B-B14F-4D97-AF65-F5344CB8AC3E}">
+        <p14:creationId xmlns:p14="http://schemas.microsoft.com/office/powerpoint/2010/main" val="2147548330"/>
+      </p:ext>
+    </p:extLst>
+  </p:cSld>
+  <p:clrMapOvr>
+    <a:masterClrMapping/>
+  </p:clrMapOvr>
+</p:sld>
+</file>
+
+<file path=ppt/slides/slide3.xml><?xml version="1.0" encoding="utf-8"?>
+<p:sld xmlns:a="http://schemas.openxmlformats.org/drawingml/2006/main" xmlns:r="http://schemas.openxmlformats.org/officeDocument/2006/relationships" xmlns:p="http://schemas.openxmlformats.org/presentationml/2006/main">
+  <p:cSld>
+    <p:spTree>
+      <p:nvGrpSpPr>
+        <p:cNvPr id="1" name="">
+          <a:extLst>
+            <a:ext uri="{FF2B5EF4-FFF2-40B4-BE49-F238E27FC236}">
+              <a16:creationId xmlns:a16="http://schemas.microsoft.com/office/drawing/2014/main" id="{31D9D591-AE3A-2618-1CD7-2DC6431062E2}"/>
+            </a:ext>
+          </a:extLst>
+        </p:cNvPr>
+        <p:cNvGrpSpPr/>
+        <p:nvPr/>
+      </p:nvGrpSpPr>
+      <p:grpSpPr>
+        <a:xfrm>
+          <a:off x="0" y="0"/>
+          <a:ext cx="0" cy="0"/>
+          <a:chOff x="0" y="0"/>
+          <a:chExt cx="0" cy="0"/>
+        </a:xfrm>
+      </p:grpSpPr>
+      <p:sp>
+        <p:nvSpPr>
+          <p:cNvPr id="3" name="Subtitle 2">
+            <a:extLst>
+              <a:ext uri="{FF2B5EF4-FFF2-40B4-BE49-F238E27FC236}">
+                <a16:creationId xmlns:a16="http://schemas.microsoft.com/office/drawing/2014/main" id="{68EB5AEE-0DF1-B4F6-151C-93F774862ECC}"/>
+              </a:ext>
+            </a:extLst>
+          </p:cNvPr>
+          <p:cNvSpPr>
+            <a:spLocks noGrp="1"/>
+          </p:cNvSpPr>
+          <p:nvPr>
+            <p:ph type="subTitle" idx="1"/>
+          </p:nvPr>
+        </p:nvSpPr>
+        <p:spPr>
+          <a:xfrm>
+            <a:off x="228676" y="764704"/>
+            <a:ext cx="8640960" cy="6480720"/>
+          </a:xfrm>
+        </p:spPr>
+        <p:txBody>
+          <a:bodyPr>
+            <a:noAutofit/>
+          </a:bodyPr>
+          <a:lstStyle/>
+          <a:p>
+            <a:r>
+              <a:rPr lang="en-GB" sz="3600" dirty="0">
+                <a:solidFill>
+                  <a:schemeClr val="bg1"/>
+                </a:solidFill>
+              </a:rPr>
+              <a:t>What shall we do</a:t>
+            </a:r>
+          </a:p>
+          <a:p>
+            <a:r>
+              <a:rPr lang="en-GB" sz="3600" dirty="0">
+                <a:solidFill>
+                  <a:schemeClr val="bg1"/>
+                </a:solidFill>
+              </a:rPr>
+              <a:t>We shall lift up a shout</a:t>
+            </a:r>
+          </a:p>
+          <a:p>
+            <a:r>
+              <a:rPr lang="en-GB" sz="3600" dirty="0">
+                <a:solidFill>
+                  <a:schemeClr val="bg1"/>
+                </a:solidFill>
+              </a:rPr>
+              <a:t>What shall we do</a:t>
+            </a:r>
+          </a:p>
+          <a:p>
+            <a:r>
+              <a:rPr lang="en-GB" sz="3600" dirty="0">
+                <a:solidFill>
+                  <a:schemeClr val="bg1"/>
+                </a:solidFill>
+              </a:rPr>
+              <a:t>We shall praise Him</a:t>
+            </a:r>
+          </a:p>
+          <a:p>
+            <a:r>
+              <a:rPr lang="en-GB" sz="3600" dirty="0">
+                <a:solidFill>
+                  <a:schemeClr val="bg1"/>
+                </a:solidFill>
+              </a:rPr>
+              <a:t>What shall we do</a:t>
+            </a:r>
+          </a:p>
+          <a:p>
+            <a:r>
+              <a:rPr lang="en-GB" sz="3600" dirty="0">
+                <a:solidFill>
+                  <a:schemeClr val="bg1"/>
+                </a:solidFill>
+              </a:rPr>
+              <a:t>For our God made a way</a:t>
+            </a:r>
+          </a:p>
+          <a:p>
+            <a:r>
+              <a:rPr lang="en-GB" sz="3600" dirty="0">
+                <a:solidFill>
+                  <a:schemeClr val="bg1"/>
+                </a:solidFill>
+              </a:rPr>
+              <a:t>We'll give Him our thanksgiving</a:t>
+            </a:r>
+          </a:p>
+        </p:txBody>
+      </p:sp>
+      <p:sp>
+        <p:nvSpPr>
+          <p:cNvPr id="4" name="TextBox 3">
+            <a:extLst>
+              <a:ext uri="{FF2B5EF4-FFF2-40B4-BE49-F238E27FC236}">
+                <a16:creationId xmlns:a16="http://schemas.microsoft.com/office/drawing/2014/main" id="{90ED0EAE-F0CA-2A45-29DA-0790DB8B210A}"/>
+              </a:ext>
+            </a:extLst>
+          </p:cNvPr>
+          <p:cNvSpPr txBox="1"/>
+          <p:nvPr/>
+        </p:nvSpPr>
+        <p:spPr>
+          <a:xfrm>
+            <a:off x="8529729" y="0"/>
+            <a:ext cx="628698" cy="461665"/>
+          </a:xfrm>
+          <a:prstGeom prst="rect">
+            <a:avLst/>
+          </a:prstGeom>
+          <a:noFill/>
+        </p:spPr>
+        <p:txBody>
+          <a:bodyPr wrap="none" rtlCol="0">
+            <a:spAutoFit/>
+          </a:bodyPr>
+          <a:lstStyle/>
+          <a:p>
+            <a:r>
+              <a:rPr lang="en-GB" sz="2400" b="1" dirty="0">
+                <a:solidFill>
+                  <a:schemeClr val="bg1"/>
+                </a:solidFill>
+              </a:rPr>
+              <a:t>2/8</a:t>
+            </a:r>
+          </a:p>
+        </p:txBody>
+      </p:sp>
+    </p:spTree>
+    <p:extLst>
+      <p:ext uri="{BB962C8B-B14F-4D97-AF65-F5344CB8AC3E}">
+        <p14:creationId xmlns:p14="http://schemas.microsoft.com/office/powerpoint/2010/main" val="1291426002"/>
+      </p:ext>
+    </p:extLst>
+  </p:cSld>
+  <p:clrMapOvr>
+    <a:masterClrMapping/>
+  </p:clrMapOvr>
+</p:sld>
+</file>
+
+<file path=ppt/slides/slide30.xml><?xml version="1.0" encoding="utf-8"?>
+<p:sld xmlns:a="http://schemas.openxmlformats.org/drawingml/2006/main" xmlns:r="http://schemas.openxmlformats.org/officeDocument/2006/relationships" xmlns:p="http://schemas.openxmlformats.org/presentationml/2006/main">
+  <p:cSld>
+    <p:spTree>
+      <p:nvGrpSpPr>
+        <p:cNvPr id="1" name=""/>
+        <p:cNvGrpSpPr/>
+        <p:nvPr/>
+      </p:nvGrpSpPr>
+      <p:grpSpPr>
+        <a:xfrm>
+          <a:off x="0" y="0"/>
+          <a:ext cx="0" cy="0"/>
+          <a:chOff x="0" y="0"/>
+          <a:chExt cx="0" cy="0"/>
+        </a:xfrm>
+      </p:grpSpPr>
+      <p:sp>
+        <p:nvSpPr>
+          <p:cNvPr id="3" name="Subtitle 2"/>
+          <p:cNvSpPr>
+            <a:spLocks noGrp="1"/>
+          </p:cNvSpPr>
+          <p:nvPr>
+            <p:ph type="subTitle" idx="1"/>
+          </p:nvPr>
+        </p:nvSpPr>
+        <p:spPr>
+          <a:xfrm>
+            <a:off x="251520" y="764704"/>
+            <a:ext cx="8640960" cy="6480720"/>
+          </a:xfrm>
+        </p:spPr>
+        <p:txBody>
+          <a:bodyPr>
+            <a:noAutofit/>
+          </a:bodyPr>
+          <a:lstStyle/>
+          <a:p>
+            <a:r>
+              <a:rPr lang="en-GB" sz="4000" dirty="0">
+                <a:solidFill>
+                  <a:schemeClr val="bg1"/>
+                </a:solidFill>
+              </a:rPr>
+              <a:t>This is our God this is who He is</a:t>
+            </a:r>
+          </a:p>
+          <a:p>
+            <a:r>
+              <a:rPr lang="en-GB" sz="4000" dirty="0">
+                <a:solidFill>
+                  <a:schemeClr val="bg1"/>
+                </a:solidFill>
+              </a:rPr>
+              <a:t>He loves us</a:t>
+            </a:r>
+          </a:p>
+          <a:p>
+            <a:r>
+              <a:rPr lang="en-GB" sz="4000" dirty="0">
+                <a:solidFill>
+                  <a:schemeClr val="bg1"/>
+                </a:solidFill>
+              </a:rPr>
+              <a:t>This is our God this is what He does</a:t>
+            </a:r>
+          </a:p>
+          <a:p>
+            <a:r>
+              <a:rPr lang="en-GB" sz="4000" dirty="0">
+                <a:solidFill>
+                  <a:schemeClr val="bg1"/>
+                </a:solidFill>
+              </a:rPr>
+              <a:t>He saves us</a:t>
+            </a:r>
+          </a:p>
+          <a:p>
+            <a:r>
+              <a:rPr lang="en-GB" sz="4000" dirty="0">
+                <a:solidFill>
+                  <a:schemeClr val="bg1"/>
+                </a:solidFill>
+              </a:rPr>
+              <a:t>He bore the cross beat the grave</a:t>
+            </a:r>
+          </a:p>
+          <a:p>
+            <a:r>
+              <a:rPr lang="en-GB" sz="4000" dirty="0">
+                <a:solidFill>
+                  <a:schemeClr val="bg1"/>
+                </a:solidFill>
+              </a:rPr>
+              <a:t>Let heaven and earth proclaim</a:t>
+            </a:r>
+          </a:p>
+          <a:p>
+            <a:r>
+              <a:rPr lang="en-GB" sz="4000" dirty="0">
+                <a:solidFill>
+                  <a:schemeClr val="bg1"/>
+                </a:solidFill>
+              </a:rPr>
+              <a:t>This is our God King Jesus</a:t>
+            </a:r>
+          </a:p>
+        </p:txBody>
+      </p:sp>
+      <p:sp>
+        <p:nvSpPr>
+          <p:cNvPr id="4" name="TextBox 3"/>
+          <p:cNvSpPr txBox="1"/>
+          <p:nvPr/>
+        </p:nvSpPr>
+        <p:spPr>
+          <a:xfrm>
+            <a:off x="8316416" y="0"/>
+            <a:ext cx="628698" cy="461665"/>
+          </a:xfrm>
+          <a:prstGeom prst="rect">
+            <a:avLst/>
+          </a:prstGeom>
+          <a:noFill/>
+        </p:spPr>
+        <p:txBody>
+          <a:bodyPr wrap="none" rtlCol="0">
+            <a:spAutoFit/>
+          </a:bodyPr>
+          <a:lstStyle/>
+          <a:p>
+            <a:r>
+              <a:rPr lang="en-GB" sz="2400" b="1" dirty="0">
+                <a:solidFill>
+                  <a:schemeClr val="bg1"/>
+                </a:solidFill>
+              </a:rPr>
+              <a:t>8/9</a:t>
+            </a:r>
+          </a:p>
+        </p:txBody>
+      </p:sp>
+    </p:spTree>
+    <p:extLst>
+      <p:ext uri="{BB962C8B-B14F-4D97-AF65-F5344CB8AC3E}">
+        <p14:creationId xmlns:p14="http://schemas.microsoft.com/office/powerpoint/2010/main" val="3237966961"/>
+      </p:ext>
+    </p:extLst>
+  </p:cSld>
+  <p:clrMapOvr>
+    <a:masterClrMapping/>
+  </p:clrMapOvr>
+</p:sld>
+</file>
+
+<file path=ppt/slides/slide31.xml><?xml version="1.0" encoding="utf-8"?>
+<p:sld xmlns:a="http://schemas.openxmlformats.org/drawingml/2006/main" xmlns:r="http://schemas.openxmlformats.org/officeDocument/2006/relationships" xmlns:p="http://schemas.openxmlformats.org/presentationml/2006/main">
+  <p:cSld>
+    <p:spTree>
+      <p:nvGrpSpPr>
+        <p:cNvPr id="1" name=""/>
+        <p:cNvGrpSpPr/>
+        <p:nvPr/>
+      </p:nvGrpSpPr>
+      <p:grpSpPr>
+        <a:xfrm>
+          <a:off x="0" y="0"/>
+          <a:ext cx="0" cy="0"/>
+          <a:chOff x="0" y="0"/>
+          <a:chExt cx="0" cy="0"/>
+        </a:xfrm>
+      </p:grpSpPr>
+      <p:sp>
+        <p:nvSpPr>
+          <p:cNvPr id="3" name="Subtitle 2"/>
+          <p:cNvSpPr>
+            <a:spLocks noGrp="1"/>
+          </p:cNvSpPr>
+          <p:nvPr>
+            <p:ph type="subTitle" idx="1"/>
+          </p:nvPr>
+        </p:nvSpPr>
+        <p:spPr>
+          <a:xfrm>
+            <a:off x="251520" y="764704"/>
+            <a:ext cx="8640960" cy="6480720"/>
+          </a:xfrm>
+        </p:spPr>
+        <p:txBody>
+          <a:bodyPr>
+            <a:noAutofit/>
+          </a:bodyPr>
+          <a:lstStyle/>
+          <a:p>
+            <a:r>
+              <a:rPr lang="en-GB" sz="4000" dirty="0">
+                <a:solidFill>
+                  <a:schemeClr val="bg1"/>
+                </a:solidFill>
+              </a:rPr>
+              <a:t>He bore the cross beat the grave</a:t>
+            </a:r>
+          </a:p>
+          <a:p>
+            <a:r>
+              <a:rPr lang="en-GB" sz="4000" dirty="0">
+                <a:solidFill>
+                  <a:schemeClr val="bg1"/>
+                </a:solidFill>
+              </a:rPr>
+              <a:t>Let heaven and earth proclaim</a:t>
+            </a:r>
+          </a:p>
+          <a:p>
+            <a:r>
+              <a:rPr lang="en-GB" sz="4000" dirty="0">
+                <a:solidFill>
+                  <a:schemeClr val="bg1"/>
+                </a:solidFill>
+              </a:rPr>
+              <a:t>This is our God King Jesus</a:t>
+            </a:r>
+          </a:p>
+        </p:txBody>
+      </p:sp>
+      <p:sp>
+        <p:nvSpPr>
+          <p:cNvPr id="4" name="TextBox 3"/>
+          <p:cNvSpPr txBox="1"/>
+          <p:nvPr/>
+        </p:nvSpPr>
+        <p:spPr>
+          <a:xfrm>
+            <a:off x="8316416" y="0"/>
+            <a:ext cx="628698" cy="461665"/>
+          </a:xfrm>
+          <a:prstGeom prst="rect">
+            <a:avLst/>
+          </a:prstGeom>
+          <a:noFill/>
+        </p:spPr>
+        <p:txBody>
+          <a:bodyPr wrap="none" rtlCol="0">
+            <a:spAutoFit/>
+          </a:bodyPr>
+          <a:lstStyle/>
+          <a:p>
+            <a:r>
+              <a:rPr lang="en-GB" sz="2400" b="1" dirty="0">
+                <a:solidFill>
+                  <a:schemeClr val="bg1"/>
+                </a:solidFill>
+              </a:rPr>
+              <a:t>9/9</a:t>
+            </a:r>
+          </a:p>
+        </p:txBody>
+      </p:sp>
+    </p:spTree>
+    <p:extLst>
+      <p:ext uri="{BB962C8B-B14F-4D97-AF65-F5344CB8AC3E}">
+        <p14:creationId xmlns:p14="http://schemas.microsoft.com/office/powerpoint/2010/main" val="433609200"/>
+      </p:ext>
+    </p:extLst>
+  </p:cSld>
+  <p:clrMapOvr>
+    <a:masterClrMapping/>
+  </p:clrMapOvr>
+</p:sld>
+</file>
+
+<file path=ppt/slides/slide32.xml><?xml version="1.0" encoding="utf-8"?>
+<p:sld xmlns:a="http://schemas.openxmlformats.org/drawingml/2006/main" xmlns:r="http://schemas.openxmlformats.org/officeDocument/2006/relationships" xmlns:p="http://schemas.openxmlformats.org/presentationml/2006/main">
+  <p:cSld>
+    <p:spTree>
+      <p:nvGrpSpPr>
+        <p:cNvPr id="1" name=""/>
+        <p:cNvGrpSpPr/>
+        <p:nvPr/>
+      </p:nvGrpSpPr>
+      <p:grpSpPr>
+        <a:xfrm>
+          <a:off x="0" y="0"/>
+          <a:ext cx="0" cy="0"/>
+          <a:chOff x="0" y="0"/>
+          <a:chExt cx="0" cy="0"/>
+        </a:xfrm>
+      </p:grpSpPr>
+      <p:sp>
+        <p:nvSpPr>
+          <p:cNvPr id="3" name="Subtitle 2"/>
+          <p:cNvSpPr>
+            <a:spLocks noGrp="1"/>
+          </p:cNvSpPr>
+          <p:nvPr>
+            <p:ph type="subTitle" idx="1"/>
+          </p:nvPr>
+        </p:nvSpPr>
+        <p:spPr>
+          <a:xfrm>
+            <a:off x="323528" y="188640"/>
+            <a:ext cx="8640960" cy="6480720"/>
+          </a:xfrm>
+        </p:spPr>
+        <p:txBody>
+          <a:bodyPr>
+            <a:noAutofit/>
+          </a:bodyPr>
+          <a:lstStyle/>
+          <a:p>
+            <a:endParaRPr lang="en-GB" sz="5400" dirty="0">
+              <a:solidFill>
+                <a:schemeClr val="bg1"/>
+              </a:solidFill>
+            </a:endParaRPr>
+          </a:p>
+          <a:p>
+            <a:r>
+              <a:rPr lang="en-GB" sz="4400" b="0" i="0" dirty="0">
+                <a:solidFill>
+                  <a:srgbClr val="00A3E0"/>
+                </a:solidFill>
+                <a:effectLst/>
+                <a:latin typeface="akagi_probook"/>
+              </a:rPr>
+              <a:t>All Hail King Jesus</a:t>
+            </a:r>
+            <a:br>
+              <a:rPr lang="en-GB" sz="1200" dirty="0">
+                <a:solidFill>
+                  <a:schemeClr val="bg1"/>
+                </a:solidFill>
+              </a:rPr>
+            </a:br>
+            <a:br>
+              <a:rPr lang="en-GB" sz="1200" dirty="0">
+                <a:solidFill>
+                  <a:schemeClr val="bg1"/>
+                </a:solidFill>
+              </a:rPr>
+            </a:br>
+            <a:br>
+              <a:rPr lang="en-GB" sz="1200" dirty="0">
+                <a:solidFill>
+                  <a:schemeClr val="bg1"/>
+                </a:solidFill>
+              </a:rPr>
+            </a:br>
+            <a:r>
+              <a:rPr lang="en-GB" sz="1200" dirty="0">
+                <a:solidFill>
+                  <a:schemeClr val="bg1"/>
+                </a:solidFill>
+              </a:rPr>
+              <a:t>CCLI Song # 7097216</a:t>
+            </a:r>
+          </a:p>
+          <a:p>
+            <a:r>
+              <a:rPr lang="en-GB" sz="1200" dirty="0">
+                <a:solidFill>
+                  <a:schemeClr val="bg1"/>
+                </a:solidFill>
+              </a:rPr>
+              <a:t>Jeremy Riddle | Peter Mattis | Ran Jackson | </a:t>
+            </a:r>
+            <a:r>
+              <a:rPr lang="en-GB" sz="1200" dirty="0" err="1">
+                <a:solidFill>
+                  <a:schemeClr val="bg1"/>
+                </a:solidFill>
+              </a:rPr>
+              <a:t>Steffany</a:t>
+            </a:r>
+            <a:r>
+              <a:rPr lang="en-GB" sz="1200" dirty="0">
+                <a:solidFill>
+                  <a:schemeClr val="bg1"/>
+                </a:solidFill>
+              </a:rPr>
+              <a:t> </a:t>
+            </a:r>
+            <a:r>
+              <a:rPr lang="en-GB" sz="1200" dirty="0" err="1">
+                <a:solidFill>
+                  <a:schemeClr val="bg1"/>
+                </a:solidFill>
+              </a:rPr>
+              <a:t>Gretzinger</a:t>
+            </a:r>
+            <a:endParaRPr lang="en-GB" sz="1200" dirty="0">
+              <a:solidFill>
+                <a:schemeClr val="bg1"/>
+              </a:solidFill>
+            </a:endParaRPr>
+          </a:p>
+          <a:p>
+            <a:r>
+              <a:rPr lang="en-GB" sz="1200" dirty="0">
+                <a:solidFill>
+                  <a:schemeClr val="bg1"/>
+                </a:solidFill>
+              </a:rPr>
+              <a:t>© 2017 Richmond Park Publishing; Bethel Music Publishing; Jeremy Riddle Music Designee</a:t>
+            </a:r>
+          </a:p>
+          <a:p>
+            <a:r>
+              <a:rPr lang="en-GB" sz="1200" dirty="0">
+                <a:solidFill>
+                  <a:schemeClr val="bg1"/>
+                </a:solidFill>
+              </a:rPr>
+              <a:t>For use solely with the </a:t>
+            </a:r>
+            <a:r>
+              <a:rPr lang="en-GB" sz="1200" dirty="0" err="1">
+                <a:solidFill>
+                  <a:schemeClr val="bg1"/>
+                </a:solidFill>
+              </a:rPr>
+              <a:t>SongSelect</a:t>
+            </a:r>
+            <a:r>
+              <a:rPr lang="en-GB" sz="1200" dirty="0">
+                <a:solidFill>
+                  <a:schemeClr val="bg1"/>
+                </a:solidFill>
+              </a:rPr>
+              <a:t>® Terms of Use. All rights reserved. www.ccli.com</a:t>
+            </a:r>
+          </a:p>
+          <a:p>
+            <a:r>
+              <a:rPr lang="en-GB" sz="1200" dirty="0">
+                <a:solidFill>
+                  <a:schemeClr val="bg1"/>
+                </a:solidFill>
+              </a:rPr>
+              <a:t>CCLI Licence No. 33265</a:t>
+            </a:r>
+          </a:p>
+        </p:txBody>
+      </p:sp>
+    </p:spTree>
+    <p:extLst>
+      <p:ext uri="{BB962C8B-B14F-4D97-AF65-F5344CB8AC3E}">
+        <p14:creationId xmlns:p14="http://schemas.microsoft.com/office/powerpoint/2010/main" val="1844124056"/>
+      </p:ext>
+    </p:extLst>
+  </p:cSld>
+  <p:clrMapOvr>
+    <a:masterClrMapping/>
+  </p:clrMapOvr>
+</p:sld>
+</file>
+
+<file path=ppt/slides/slide33.xml><?xml version="1.0" encoding="utf-8"?>
+<p:sld xmlns:a="http://schemas.openxmlformats.org/drawingml/2006/main" xmlns:r="http://schemas.openxmlformats.org/officeDocument/2006/relationships" xmlns:p="http://schemas.openxmlformats.org/presentationml/2006/main">
+  <p:cSld>
+    <p:spTree>
+      <p:nvGrpSpPr>
+        <p:cNvPr id="1" name=""/>
+        <p:cNvGrpSpPr/>
+        <p:nvPr/>
+      </p:nvGrpSpPr>
+      <p:grpSpPr>
+        <a:xfrm>
+          <a:off x="0" y="0"/>
+          <a:ext cx="0" cy="0"/>
+          <a:chOff x="0" y="0"/>
+          <a:chExt cx="0" cy="0"/>
+        </a:xfrm>
+      </p:grpSpPr>
+      <p:sp>
+        <p:nvSpPr>
+          <p:cNvPr id="3" name="Subtitle 2"/>
+          <p:cNvSpPr>
+            <a:spLocks noGrp="1"/>
+          </p:cNvSpPr>
+          <p:nvPr>
+            <p:ph type="subTitle" idx="1"/>
+          </p:nvPr>
+        </p:nvSpPr>
+        <p:spPr>
+          <a:xfrm>
+            <a:off x="251520" y="620688"/>
+            <a:ext cx="8640960" cy="6480720"/>
+          </a:xfrm>
+        </p:spPr>
+        <p:txBody>
+          <a:bodyPr>
+            <a:noAutofit/>
+          </a:bodyPr>
+          <a:lstStyle/>
+          <a:p>
+            <a:pPr>
+              <a:spcBef>
+                <a:spcPts val="600"/>
+              </a:spcBef>
+            </a:pPr>
+            <a:r>
+              <a:rPr lang="en-GB" sz="4000" dirty="0">
+                <a:solidFill>
+                  <a:schemeClr val="bg1"/>
+                </a:solidFill>
+              </a:rPr>
+              <a:t>There was a moment when the lights went out</a:t>
+            </a:r>
+          </a:p>
+          <a:p>
+            <a:pPr>
+              <a:spcBef>
+                <a:spcPts val="600"/>
+              </a:spcBef>
+            </a:pPr>
+            <a:r>
+              <a:rPr lang="en-GB" sz="4000" dirty="0">
+                <a:solidFill>
+                  <a:schemeClr val="bg1"/>
+                </a:solidFill>
+              </a:rPr>
+              <a:t>When death had claimed its victory</a:t>
+            </a:r>
+          </a:p>
+          <a:p>
+            <a:pPr>
+              <a:spcBef>
+                <a:spcPts val="600"/>
+              </a:spcBef>
+            </a:pPr>
+            <a:r>
+              <a:rPr lang="en-GB" sz="4000" dirty="0">
+                <a:solidFill>
+                  <a:schemeClr val="bg1"/>
+                </a:solidFill>
+              </a:rPr>
+              <a:t>The King of Love had given up His life</a:t>
+            </a:r>
+          </a:p>
+          <a:p>
+            <a:pPr>
+              <a:spcBef>
+                <a:spcPts val="600"/>
+              </a:spcBef>
+            </a:pPr>
+            <a:r>
+              <a:rPr lang="en-GB" sz="4000" dirty="0">
+                <a:solidFill>
+                  <a:schemeClr val="bg1"/>
+                </a:solidFill>
+              </a:rPr>
+              <a:t>The darkest day in history</a:t>
+            </a:r>
+          </a:p>
+        </p:txBody>
+      </p:sp>
+      <p:sp>
+        <p:nvSpPr>
+          <p:cNvPr id="4" name="TextBox 3"/>
+          <p:cNvSpPr txBox="1"/>
+          <p:nvPr/>
+        </p:nvSpPr>
+        <p:spPr>
+          <a:xfrm>
+            <a:off x="8316416" y="0"/>
+            <a:ext cx="628698" cy="461665"/>
+          </a:xfrm>
+          <a:prstGeom prst="rect">
+            <a:avLst/>
+          </a:prstGeom>
+          <a:noFill/>
+        </p:spPr>
+        <p:txBody>
+          <a:bodyPr wrap="none" rtlCol="0">
+            <a:spAutoFit/>
+          </a:bodyPr>
+          <a:lstStyle/>
+          <a:p>
+            <a:r>
+              <a:rPr lang="en-GB" sz="2400" b="1" dirty="0">
+                <a:solidFill>
+                  <a:schemeClr val="bg1"/>
+                </a:solidFill>
+              </a:rPr>
+              <a:t>1/8</a:t>
+            </a:r>
+          </a:p>
+        </p:txBody>
+      </p:sp>
+    </p:spTree>
+    <p:extLst>
+      <p:ext uri="{BB962C8B-B14F-4D97-AF65-F5344CB8AC3E}">
+        <p14:creationId xmlns:p14="http://schemas.microsoft.com/office/powerpoint/2010/main" val="764263358"/>
+      </p:ext>
+    </p:extLst>
+  </p:cSld>
+  <p:clrMapOvr>
+    <a:masterClrMapping/>
+  </p:clrMapOvr>
+</p:sld>
+</file>
+
+<file path=ppt/slides/slide34.xml><?xml version="1.0" encoding="utf-8"?>
+<p:sld xmlns:a="http://schemas.openxmlformats.org/drawingml/2006/main" xmlns:r="http://schemas.openxmlformats.org/officeDocument/2006/relationships" xmlns:p="http://schemas.openxmlformats.org/presentationml/2006/main">
+  <p:cSld>
+    <p:spTree>
+      <p:nvGrpSpPr>
+        <p:cNvPr id="1" name=""/>
+        <p:cNvGrpSpPr/>
+        <p:nvPr/>
+      </p:nvGrpSpPr>
+      <p:grpSpPr>
+        <a:xfrm>
+          <a:off x="0" y="0"/>
+          <a:ext cx="0" cy="0"/>
+          <a:chOff x="0" y="0"/>
+          <a:chExt cx="0" cy="0"/>
+        </a:xfrm>
+      </p:grpSpPr>
+      <p:sp>
+        <p:nvSpPr>
+          <p:cNvPr id="3" name="Subtitle 2"/>
+          <p:cNvSpPr>
+            <a:spLocks noGrp="1"/>
+          </p:cNvSpPr>
+          <p:nvPr>
+            <p:ph type="subTitle" idx="1"/>
+          </p:nvPr>
+        </p:nvSpPr>
+        <p:spPr>
+          <a:xfrm>
+            <a:off x="251520" y="620688"/>
+            <a:ext cx="8640960" cy="6480720"/>
+          </a:xfrm>
+        </p:spPr>
+        <p:txBody>
+          <a:bodyPr>
+            <a:noAutofit/>
+          </a:bodyPr>
+          <a:lstStyle/>
+          <a:p>
+            <a:pPr>
+              <a:spcBef>
+                <a:spcPts val="600"/>
+              </a:spcBef>
+            </a:pPr>
+            <a:r>
+              <a:rPr lang="en-GB" sz="4000" dirty="0">
+                <a:solidFill>
+                  <a:schemeClr val="bg1"/>
+                </a:solidFill>
+              </a:rPr>
+              <a:t>There on a cross they made for sinners</a:t>
+            </a:r>
+          </a:p>
+          <a:p>
+            <a:pPr>
+              <a:spcBef>
+                <a:spcPts val="600"/>
+              </a:spcBef>
+            </a:pPr>
+            <a:r>
+              <a:rPr lang="en-GB" sz="4000" dirty="0">
+                <a:solidFill>
+                  <a:schemeClr val="bg1"/>
+                </a:solidFill>
+              </a:rPr>
+              <a:t>For every curse His blood atoned</a:t>
+            </a:r>
+          </a:p>
+          <a:p>
+            <a:pPr>
+              <a:spcBef>
+                <a:spcPts val="600"/>
+              </a:spcBef>
+            </a:pPr>
+            <a:r>
+              <a:rPr lang="en-GB" sz="4000" dirty="0">
+                <a:solidFill>
+                  <a:schemeClr val="bg1"/>
+                </a:solidFill>
+              </a:rPr>
+              <a:t>One final breath and it was finished</a:t>
+            </a:r>
+          </a:p>
+          <a:p>
+            <a:pPr>
+              <a:spcBef>
+                <a:spcPts val="600"/>
+              </a:spcBef>
+            </a:pPr>
+            <a:r>
+              <a:rPr lang="en-GB" sz="4000" dirty="0">
+                <a:solidFill>
+                  <a:schemeClr val="bg1"/>
+                </a:solidFill>
+              </a:rPr>
+              <a:t>But not the end we could have known</a:t>
+            </a:r>
+          </a:p>
+        </p:txBody>
+      </p:sp>
+      <p:sp>
+        <p:nvSpPr>
+          <p:cNvPr id="4" name="TextBox 3"/>
+          <p:cNvSpPr txBox="1"/>
+          <p:nvPr/>
+        </p:nvSpPr>
+        <p:spPr>
+          <a:xfrm>
+            <a:off x="8316416" y="0"/>
+            <a:ext cx="628698" cy="461665"/>
+          </a:xfrm>
+          <a:prstGeom prst="rect">
+            <a:avLst/>
+          </a:prstGeom>
+          <a:noFill/>
+        </p:spPr>
+        <p:txBody>
+          <a:bodyPr wrap="none" rtlCol="0">
+            <a:spAutoFit/>
+          </a:bodyPr>
+          <a:lstStyle/>
+          <a:p>
+            <a:r>
+              <a:rPr lang="en-GB" sz="2400" b="1" dirty="0">
+                <a:solidFill>
+                  <a:schemeClr val="bg1"/>
+                </a:solidFill>
+              </a:rPr>
+              <a:t>2/8</a:t>
+            </a:r>
+          </a:p>
+        </p:txBody>
+      </p:sp>
+    </p:spTree>
+    <p:extLst>
+      <p:ext uri="{BB962C8B-B14F-4D97-AF65-F5344CB8AC3E}">
+        <p14:creationId xmlns:p14="http://schemas.microsoft.com/office/powerpoint/2010/main" val="3091649390"/>
+      </p:ext>
+    </p:extLst>
+  </p:cSld>
+  <p:clrMapOvr>
+    <a:masterClrMapping/>
+  </p:clrMapOvr>
+</p:sld>
+</file>
+
+<file path=ppt/slides/slide35.xml><?xml version="1.0" encoding="utf-8"?>
+<p:sld xmlns:a="http://schemas.openxmlformats.org/drawingml/2006/main" xmlns:r="http://schemas.openxmlformats.org/officeDocument/2006/relationships" xmlns:p="http://schemas.openxmlformats.org/presentationml/2006/main">
+  <p:cSld>
+    <p:spTree>
+      <p:nvGrpSpPr>
+        <p:cNvPr id="1" name=""/>
+        <p:cNvGrpSpPr/>
+        <p:nvPr/>
+      </p:nvGrpSpPr>
+      <p:grpSpPr>
+        <a:xfrm>
+          <a:off x="0" y="0"/>
+          <a:ext cx="0" cy="0"/>
+          <a:chOff x="0" y="0"/>
+          <a:chExt cx="0" cy="0"/>
+        </a:xfrm>
+      </p:grpSpPr>
+      <p:sp>
+        <p:nvSpPr>
+          <p:cNvPr id="3" name="Subtitle 2"/>
+          <p:cNvSpPr>
+            <a:spLocks noGrp="1"/>
+          </p:cNvSpPr>
+          <p:nvPr>
+            <p:ph type="subTitle" idx="1"/>
+          </p:nvPr>
+        </p:nvSpPr>
+        <p:spPr>
+          <a:xfrm>
+            <a:off x="251520" y="620688"/>
+            <a:ext cx="8640960" cy="6480720"/>
+          </a:xfrm>
+        </p:spPr>
+        <p:txBody>
+          <a:bodyPr>
+            <a:noAutofit/>
+          </a:bodyPr>
+          <a:lstStyle/>
+          <a:p>
+            <a:pPr>
+              <a:spcBef>
+                <a:spcPts val="600"/>
+              </a:spcBef>
+            </a:pPr>
+            <a:r>
+              <a:rPr lang="en-GB" sz="4000" dirty="0">
+                <a:solidFill>
+                  <a:schemeClr val="bg1"/>
+                </a:solidFill>
+              </a:rPr>
+              <a:t>For the earth began to shake</a:t>
+            </a:r>
+          </a:p>
+          <a:p>
+            <a:pPr>
+              <a:spcBef>
+                <a:spcPts val="600"/>
+              </a:spcBef>
+            </a:pPr>
+            <a:r>
+              <a:rPr lang="en-GB" sz="4000" dirty="0">
+                <a:solidFill>
+                  <a:schemeClr val="bg1"/>
+                </a:solidFill>
+              </a:rPr>
+              <a:t>And the veil was torn</a:t>
+            </a:r>
+          </a:p>
+          <a:p>
+            <a:pPr>
+              <a:spcBef>
+                <a:spcPts val="600"/>
+              </a:spcBef>
+            </a:pPr>
+            <a:r>
+              <a:rPr lang="en-GB" sz="4000" dirty="0">
+                <a:solidFill>
+                  <a:schemeClr val="bg1"/>
+                </a:solidFill>
+              </a:rPr>
+              <a:t>What sacrifice was made</a:t>
+            </a:r>
+          </a:p>
+          <a:p>
+            <a:pPr>
+              <a:spcBef>
+                <a:spcPts val="600"/>
+              </a:spcBef>
+            </a:pPr>
+            <a:r>
+              <a:rPr lang="en-GB" sz="4000" dirty="0">
+                <a:solidFill>
+                  <a:schemeClr val="bg1"/>
+                </a:solidFill>
+              </a:rPr>
+              <a:t>As the heavens roared</a:t>
+            </a:r>
+          </a:p>
+        </p:txBody>
+      </p:sp>
+      <p:sp>
+        <p:nvSpPr>
+          <p:cNvPr id="4" name="TextBox 3"/>
+          <p:cNvSpPr txBox="1"/>
+          <p:nvPr/>
+        </p:nvSpPr>
+        <p:spPr>
+          <a:xfrm>
+            <a:off x="8316416" y="0"/>
+            <a:ext cx="628698" cy="461665"/>
+          </a:xfrm>
+          <a:prstGeom prst="rect">
+            <a:avLst/>
+          </a:prstGeom>
+          <a:noFill/>
+        </p:spPr>
+        <p:txBody>
+          <a:bodyPr wrap="none" rtlCol="0">
+            <a:spAutoFit/>
+          </a:bodyPr>
+          <a:lstStyle/>
+          <a:p>
+            <a:r>
+              <a:rPr lang="en-GB" sz="2400" b="1" dirty="0">
+                <a:solidFill>
+                  <a:schemeClr val="bg1"/>
+                </a:solidFill>
+              </a:rPr>
+              <a:t>3/8</a:t>
+            </a:r>
+          </a:p>
+        </p:txBody>
+      </p:sp>
+    </p:spTree>
+    <p:extLst>
+      <p:ext uri="{BB962C8B-B14F-4D97-AF65-F5344CB8AC3E}">
+        <p14:creationId xmlns:p14="http://schemas.microsoft.com/office/powerpoint/2010/main" val="3668596005"/>
+      </p:ext>
+    </p:extLst>
+  </p:cSld>
+  <p:clrMapOvr>
+    <a:masterClrMapping/>
+  </p:clrMapOvr>
+</p:sld>
+</file>
+
+<file path=ppt/slides/slide36.xml><?xml version="1.0" encoding="utf-8"?>
+<p:sld xmlns:a="http://schemas.openxmlformats.org/drawingml/2006/main" xmlns:r="http://schemas.openxmlformats.org/officeDocument/2006/relationships" xmlns:p="http://schemas.openxmlformats.org/presentationml/2006/main">
+  <p:cSld>
+    <p:spTree>
+      <p:nvGrpSpPr>
+        <p:cNvPr id="1" name=""/>
+        <p:cNvGrpSpPr/>
+        <p:nvPr/>
+      </p:nvGrpSpPr>
+      <p:grpSpPr>
+        <a:xfrm>
+          <a:off x="0" y="0"/>
+          <a:ext cx="0" cy="0"/>
+          <a:chOff x="0" y="0"/>
+          <a:chExt cx="0" cy="0"/>
+        </a:xfrm>
+      </p:grpSpPr>
+      <p:sp>
+        <p:nvSpPr>
+          <p:cNvPr id="3" name="Subtitle 2"/>
+          <p:cNvSpPr>
+            <a:spLocks noGrp="1"/>
+          </p:cNvSpPr>
+          <p:nvPr>
+            <p:ph type="subTitle" idx="1"/>
+          </p:nvPr>
+        </p:nvSpPr>
+        <p:spPr>
+          <a:xfrm>
+            <a:off x="251520" y="620688"/>
+            <a:ext cx="8640960" cy="6480720"/>
+          </a:xfrm>
+        </p:spPr>
+        <p:txBody>
+          <a:bodyPr>
+            <a:noAutofit/>
+          </a:bodyPr>
+          <a:lstStyle/>
+          <a:p>
+            <a:pPr>
+              <a:spcBef>
+                <a:spcPts val="600"/>
+              </a:spcBef>
+            </a:pPr>
+            <a:r>
+              <a:rPr lang="en-GB" sz="4000" dirty="0">
+                <a:solidFill>
+                  <a:schemeClr val="bg1"/>
+                </a:solidFill>
+              </a:rPr>
+              <a:t>All hail King Jesus</a:t>
+            </a:r>
+          </a:p>
+          <a:p>
+            <a:pPr>
+              <a:spcBef>
+                <a:spcPts val="600"/>
+              </a:spcBef>
+            </a:pPr>
+            <a:r>
+              <a:rPr lang="en-GB" sz="4000" dirty="0">
+                <a:solidFill>
+                  <a:schemeClr val="bg1"/>
+                </a:solidFill>
+              </a:rPr>
+              <a:t>All hail the Lord of Heaven and earth</a:t>
+            </a:r>
+          </a:p>
+          <a:p>
+            <a:pPr>
+              <a:spcBef>
+                <a:spcPts val="600"/>
+              </a:spcBef>
+            </a:pPr>
+            <a:r>
+              <a:rPr lang="en-GB" sz="4000" dirty="0">
+                <a:solidFill>
+                  <a:schemeClr val="bg1"/>
+                </a:solidFill>
+              </a:rPr>
+              <a:t>All hail King Jesus</a:t>
+            </a:r>
+          </a:p>
+          <a:p>
+            <a:pPr>
+              <a:spcBef>
+                <a:spcPts val="600"/>
+              </a:spcBef>
+            </a:pPr>
+            <a:r>
+              <a:rPr lang="en-GB" sz="4000" dirty="0">
+                <a:solidFill>
+                  <a:schemeClr val="bg1"/>
+                </a:solidFill>
+              </a:rPr>
+              <a:t>All hail the Savior of the world</a:t>
+            </a:r>
+          </a:p>
+        </p:txBody>
+      </p:sp>
+      <p:sp>
+        <p:nvSpPr>
+          <p:cNvPr id="4" name="TextBox 3"/>
+          <p:cNvSpPr txBox="1"/>
+          <p:nvPr/>
+        </p:nvSpPr>
+        <p:spPr>
+          <a:xfrm>
+            <a:off x="8316416" y="0"/>
+            <a:ext cx="628698" cy="461665"/>
+          </a:xfrm>
+          <a:prstGeom prst="rect">
+            <a:avLst/>
+          </a:prstGeom>
+          <a:noFill/>
+        </p:spPr>
+        <p:txBody>
+          <a:bodyPr wrap="none" rtlCol="0">
+            <a:spAutoFit/>
+          </a:bodyPr>
+          <a:lstStyle/>
+          <a:p>
+            <a:r>
+              <a:rPr lang="en-GB" sz="2400" b="1" dirty="0">
+                <a:solidFill>
+                  <a:schemeClr val="bg1"/>
+                </a:solidFill>
+              </a:rPr>
+              <a:t>4/8</a:t>
+            </a:r>
+          </a:p>
+        </p:txBody>
+      </p:sp>
+    </p:spTree>
+    <p:extLst>
+      <p:ext uri="{BB962C8B-B14F-4D97-AF65-F5344CB8AC3E}">
+        <p14:creationId xmlns:p14="http://schemas.microsoft.com/office/powerpoint/2010/main" val="1637745373"/>
+      </p:ext>
+    </p:extLst>
+  </p:cSld>
+  <p:clrMapOvr>
+    <a:masterClrMapping/>
+  </p:clrMapOvr>
+</p:sld>
+</file>
+
+<file path=ppt/slides/slide37.xml><?xml version="1.0" encoding="utf-8"?>
+<p:sld xmlns:a="http://schemas.openxmlformats.org/drawingml/2006/main" xmlns:r="http://schemas.openxmlformats.org/officeDocument/2006/relationships" xmlns:p="http://schemas.openxmlformats.org/presentationml/2006/main">
+  <p:cSld>
+    <p:spTree>
+      <p:nvGrpSpPr>
+        <p:cNvPr id="1" name=""/>
+        <p:cNvGrpSpPr/>
+        <p:nvPr/>
+      </p:nvGrpSpPr>
+      <p:grpSpPr>
+        <a:xfrm>
+          <a:off x="0" y="0"/>
+          <a:ext cx="0" cy="0"/>
+          <a:chOff x="0" y="0"/>
+          <a:chExt cx="0" cy="0"/>
+        </a:xfrm>
+      </p:grpSpPr>
+      <p:sp>
+        <p:nvSpPr>
+          <p:cNvPr id="3" name="Subtitle 2"/>
+          <p:cNvSpPr>
+            <a:spLocks noGrp="1"/>
+          </p:cNvSpPr>
+          <p:nvPr>
+            <p:ph type="subTitle" idx="1"/>
+          </p:nvPr>
+        </p:nvSpPr>
+        <p:spPr>
+          <a:xfrm>
+            <a:off x="251520" y="620688"/>
+            <a:ext cx="8640960" cy="6480720"/>
+          </a:xfrm>
+        </p:spPr>
+        <p:txBody>
+          <a:bodyPr>
+            <a:noAutofit/>
+          </a:bodyPr>
+          <a:lstStyle/>
+          <a:p>
+            <a:pPr>
+              <a:spcBef>
+                <a:spcPts val="600"/>
+              </a:spcBef>
+            </a:pPr>
+            <a:r>
+              <a:rPr lang="en-GB" sz="4000" dirty="0">
+                <a:solidFill>
+                  <a:schemeClr val="bg1"/>
+                </a:solidFill>
+              </a:rPr>
+              <a:t>There was a moment when the sky lit up</a:t>
+            </a:r>
+          </a:p>
+          <a:p>
+            <a:pPr>
+              <a:spcBef>
+                <a:spcPts val="600"/>
+              </a:spcBef>
+            </a:pPr>
+            <a:r>
+              <a:rPr lang="en-GB" sz="4000" dirty="0">
+                <a:solidFill>
+                  <a:schemeClr val="bg1"/>
+                </a:solidFill>
+              </a:rPr>
+              <a:t>A flash of light breaking through</a:t>
+            </a:r>
+          </a:p>
+          <a:p>
+            <a:pPr>
+              <a:spcBef>
+                <a:spcPts val="600"/>
+              </a:spcBef>
+            </a:pPr>
+            <a:r>
+              <a:rPr lang="en-GB" sz="4000" dirty="0">
+                <a:solidFill>
+                  <a:schemeClr val="bg1"/>
+                </a:solidFill>
+              </a:rPr>
+              <a:t>When all was lost He crossed eternity</a:t>
+            </a:r>
+          </a:p>
+          <a:p>
+            <a:pPr>
+              <a:spcBef>
+                <a:spcPts val="600"/>
+              </a:spcBef>
+            </a:pPr>
+            <a:r>
+              <a:rPr lang="en-GB" sz="4000" dirty="0">
+                <a:solidFill>
+                  <a:schemeClr val="bg1"/>
+                </a:solidFill>
+              </a:rPr>
+              <a:t>The King of life was on the move</a:t>
+            </a:r>
+          </a:p>
+        </p:txBody>
+      </p:sp>
+      <p:sp>
+        <p:nvSpPr>
+          <p:cNvPr id="4" name="TextBox 3"/>
+          <p:cNvSpPr txBox="1"/>
+          <p:nvPr/>
+        </p:nvSpPr>
+        <p:spPr>
+          <a:xfrm>
+            <a:off x="8316416" y="0"/>
+            <a:ext cx="628698" cy="461665"/>
+          </a:xfrm>
+          <a:prstGeom prst="rect">
+            <a:avLst/>
+          </a:prstGeom>
+          <a:noFill/>
+        </p:spPr>
+        <p:txBody>
+          <a:bodyPr wrap="none" rtlCol="0">
+            <a:spAutoFit/>
+          </a:bodyPr>
+          <a:lstStyle/>
+          <a:p>
+            <a:r>
+              <a:rPr lang="en-GB" sz="2400" b="1" dirty="0">
+                <a:solidFill>
+                  <a:schemeClr val="bg1"/>
+                </a:solidFill>
+              </a:rPr>
+              <a:t>5/8</a:t>
+            </a:r>
+          </a:p>
+        </p:txBody>
+      </p:sp>
+    </p:spTree>
+    <p:extLst>
+      <p:ext uri="{BB962C8B-B14F-4D97-AF65-F5344CB8AC3E}">
+        <p14:creationId xmlns:p14="http://schemas.microsoft.com/office/powerpoint/2010/main" val="649178111"/>
+      </p:ext>
+    </p:extLst>
+  </p:cSld>
+  <p:clrMapOvr>
+    <a:masterClrMapping/>
+  </p:clrMapOvr>
+</p:sld>
+</file>
+
+<file path=ppt/slides/slide38.xml><?xml version="1.0" encoding="utf-8"?>
+<p:sld xmlns:a="http://schemas.openxmlformats.org/drawingml/2006/main" xmlns:r="http://schemas.openxmlformats.org/officeDocument/2006/relationships" xmlns:p="http://schemas.openxmlformats.org/presentationml/2006/main">
+  <p:cSld>
+    <p:spTree>
+      <p:nvGrpSpPr>
+        <p:cNvPr id="1" name=""/>
+        <p:cNvGrpSpPr/>
+        <p:nvPr/>
+      </p:nvGrpSpPr>
+      <p:grpSpPr>
+        <a:xfrm>
+          <a:off x="0" y="0"/>
+          <a:ext cx="0" cy="0"/>
+          <a:chOff x="0" y="0"/>
+          <a:chExt cx="0" cy="0"/>
+        </a:xfrm>
+      </p:grpSpPr>
+      <p:sp>
+        <p:nvSpPr>
+          <p:cNvPr id="3" name="Subtitle 2"/>
+          <p:cNvSpPr>
+            <a:spLocks noGrp="1"/>
+          </p:cNvSpPr>
+          <p:nvPr>
+            <p:ph type="subTitle" idx="1"/>
+          </p:nvPr>
+        </p:nvSpPr>
+        <p:spPr>
+          <a:xfrm>
+            <a:off x="251520" y="620688"/>
+            <a:ext cx="8640960" cy="6480720"/>
+          </a:xfrm>
+        </p:spPr>
+        <p:txBody>
+          <a:bodyPr>
+            <a:noAutofit/>
+          </a:bodyPr>
+          <a:lstStyle/>
+          <a:p>
+            <a:pPr>
+              <a:spcBef>
+                <a:spcPts val="600"/>
+              </a:spcBef>
+            </a:pPr>
+            <a:r>
+              <a:rPr lang="en-GB" sz="4000" dirty="0">
+                <a:solidFill>
+                  <a:schemeClr val="bg1"/>
+                </a:solidFill>
+              </a:rPr>
+              <a:t>For in a dark cold tomb</a:t>
+            </a:r>
+          </a:p>
+          <a:p>
+            <a:pPr>
+              <a:spcBef>
+                <a:spcPts val="600"/>
+              </a:spcBef>
+            </a:pPr>
+            <a:r>
+              <a:rPr lang="en-GB" sz="4000" dirty="0">
+                <a:solidFill>
+                  <a:schemeClr val="bg1"/>
+                </a:solidFill>
+              </a:rPr>
+              <a:t>Where our Lord was laid</a:t>
+            </a:r>
+          </a:p>
+          <a:p>
+            <a:pPr>
+              <a:spcBef>
+                <a:spcPts val="600"/>
+              </a:spcBef>
+            </a:pPr>
+            <a:r>
+              <a:rPr lang="en-GB" sz="4000" dirty="0">
+                <a:solidFill>
+                  <a:schemeClr val="bg1"/>
+                </a:solidFill>
+              </a:rPr>
+              <a:t>One miraculous breath</a:t>
+            </a:r>
+          </a:p>
+          <a:p>
+            <a:pPr>
+              <a:spcBef>
+                <a:spcPts val="600"/>
+              </a:spcBef>
+            </a:pPr>
+            <a:r>
+              <a:rPr lang="en-GB" sz="4000" dirty="0">
+                <a:solidFill>
+                  <a:schemeClr val="bg1"/>
+                </a:solidFill>
+              </a:rPr>
+              <a:t>And we're forever changed</a:t>
+            </a:r>
+          </a:p>
+        </p:txBody>
+      </p:sp>
+      <p:sp>
+        <p:nvSpPr>
+          <p:cNvPr id="4" name="TextBox 3"/>
+          <p:cNvSpPr txBox="1"/>
+          <p:nvPr/>
+        </p:nvSpPr>
+        <p:spPr>
+          <a:xfrm>
+            <a:off x="8316416" y="0"/>
+            <a:ext cx="628698" cy="461665"/>
+          </a:xfrm>
+          <a:prstGeom prst="rect">
+            <a:avLst/>
+          </a:prstGeom>
+          <a:noFill/>
+        </p:spPr>
+        <p:txBody>
+          <a:bodyPr wrap="none" rtlCol="0">
+            <a:spAutoFit/>
+          </a:bodyPr>
+          <a:lstStyle/>
+          <a:p>
+            <a:r>
+              <a:rPr lang="en-GB" sz="2400" b="1" dirty="0">
+                <a:solidFill>
+                  <a:schemeClr val="bg1"/>
+                </a:solidFill>
+              </a:rPr>
+              <a:t>6/8</a:t>
+            </a:r>
+          </a:p>
+        </p:txBody>
+      </p:sp>
+    </p:spTree>
+    <p:extLst>
+      <p:ext uri="{BB962C8B-B14F-4D97-AF65-F5344CB8AC3E}">
+        <p14:creationId xmlns:p14="http://schemas.microsoft.com/office/powerpoint/2010/main" val="3697029601"/>
+      </p:ext>
+    </p:extLst>
+  </p:cSld>
+  <p:clrMapOvr>
+    <a:masterClrMapping/>
+  </p:clrMapOvr>
+</p:sld>
+</file>
+
+<file path=ppt/slides/slide39.xml><?xml version="1.0" encoding="utf-8"?>
+<p:sld xmlns:a="http://schemas.openxmlformats.org/drawingml/2006/main" xmlns:r="http://schemas.openxmlformats.org/officeDocument/2006/relationships" xmlns:p="http://schemas.openxmlformats.org/presentationml/2006/main">
+  <p:cSld>
+    <p:spTree>
+      <p:nvGrpSpPr>
+        <p:cNvPr id="1" name=""/>
+        <p:cNvGrpSpPr/>
+        <p:nvPr/>
+      </p:nvGrpSpPr>
+      <p:grpSpPr>
+        <a:xfrm>
+          <a:off x="0" y="0"/>
+          <a:ext cx="0" cy="0"/>
+          <a:chOff x="0" y="0"/>
+          <a:chExt cx="0" cy="0"/>
+        </a:xfrm>
+      </p:grpSpPr>
+      <p:sp>
+        <p:nvSpPr>
+          <p:cNvPr id="3" name="Subtitle 2"/>
+          <p:cNvSpPr>
+            <a:spLocks noGrp="1"/>
+          </p:cNvSpPr>
+          <p:nvPr>
+            <p:ph type="subTitle" idx="1"/>
+          </p:nvPr>
+        </p:nvSpPr>
+        <p:spPr>
+          <a:xfrm>
+            <a:off x="251520" y="620688"/>
+            <a:ext cx="8640960" cy="6480720"/>
+          </a:xfrm>
+        </p:spPr>
+        <p:txBody>
+          <a:bodyPr>
+            <a:noAutofit/>
+          </a:bodyPr>
+          <a:lstStyle/>
+          <a:p>
+            <a:pPr>
+              <a:spcBef>
+                <a:spcPts val="0"/>
+              </a:spcBef>
+            </a:pPr>
+            <a:r>
+              <a:rPr lang="en-GB" sz="3600" dirty="0">
+                <a:solidFill>
+                  <a:schemeClr val="bg1"/>
+                </a:solidFill>
+              </a:rPr>
+              <a:t>Let every knee come bow before the King of Kings</a:t>
+            </a:r>
+          </a:p>
+          <a:p>
+            <a:pPr>
+              <a:spcBef>
+                <a:spcPts val="0"/>
+              </a:spcBef>
+            </a:pPr>
+            <a:r>
+              <a:rPr lang="en-GB" sz="3600" dirty="0">
+                <a:solidFill>
+                  <a:schemeClr val="bg1"/>
+                </a:solidFill>
+              </a:rPr>
+              <a:t>Let every tongue confess that He is Lord</a:t>
+            </a:r>
+          </a:p>
+          <a:p>
+            <a:pPr>
+              <a:spcBef>
+                <a:spcPts val="0"/>
+              </a:spcBef>
+            </a:pPr>
+            <a:r>
+              <a:rPr lang="en-GB" sz="3600" dirty="0">
+                <a:solidFill>
+                  <a:schemeClr val="bg1"/>
+                </a:solidFill>
+              </a:rPr>
+              <a:t>Lift up your shout let us join with all of Heaven</a:t>
+            </a:r>
+          </a:p>
+          <a:p>
+            <a:pPr>
+              <a:spcBef>
+                <a:spcPts val="0"/>
+              </a:spcBef>
+            </a:pPr>
+            <a:r>
+              <a:rPr lang="en-GB" sz="3600" dirty="0">
+                <a:solidFill>
+                  <a:schemeClr val="bg1"/>
+                </a:solidFill>
+              </a:rPr>
+              <a:t>Singing Holy</a:t>
+            </a:r>
+          </a:p>
+          <a:p>
+            <a:pPr>
+              <a:spcBef>
+                <a:spcPts val="0"/>
+              </a:spcBef>
+            </a:pPr>
+            <a:r>
+              <a:rPr lang="en-GB" sz="3600" dirty="0">
+                <a:solidFill>
+                  <a:schemeClr val="bg1"/>
+                </a:solidFill>
+              </a:rPr>
+              <a:t>Singing Holy</a:t>
+            </a:r>
+          </a:p>
+          <a:p>
+            <a:pPr>
+              <a:spcBef>
+                <a:spcPts val="0"/>
+              </a:spcBef>
+            </a:pPr>
+            <a:r>
+              <a:rPr lang="en-GB" sz="3600" dirty="0">
+                <a:solidFill>
+                  <a:schemeClr val="bg1"/>
+                </a:solidFill>
+              </a:rPr>
+              <a:t>Cry out Holy</a:t>
+            </a:r>
+          </a:p>
+          <a:p>
+            <a:pPr>
+              <a:spcBef>
+                <a:spcPts val="0"/>
+              </a:spcBef>
+            </a:pPr>
+            <a:r>
+              <a:rPr lang="en-GB" sz="3600" dirty="0">
+                <a:solidFill>
+                  <a:schemeClr val="bg1"/>
+                </a:solidFill>
+              </a:rPr>
+              <a:t>Singing Holy</a:t>
+            </a:r>
+          </a:p>
+        </p:txBody>
+      </p:sp>
+      <p:sp>
+        <p:nvSpPr>
+          <p:cNvPr id="4" name="TextBox 3"/>
+          <p:cNvSpPr txBox="1"/>
+          <p:nvPr/>
+        </p:nvSpPr>
+        <p:spPr>
+          <a:xfrm>
+            <a:off x="8316416" y="0"/>
+            <a:ext cx="628698" cy="461665"/>
+          </a:xfrm>
+          <a:prstGeom prst="rect">
+            <a:avLst/>
+          </a:prstGeom>
+          <a:noFill/>
+        </p:spPr>
+        <p:txBody>
+          <a:bodyPr wrap="none" rtlCol="0">
+            <a:spAutoFit/>
+          </a:bodyPr>
+          <a:lstStyle/>
+          <a:p>
+            <a:r>
+              <a:rPr lang="en-GB" sz="2400" b="1" dirty="0">
+                <a:solidFill>
+                  <a:schemeClr val="bg1"/>
+                </a:solidFill>
+              </a:rPr>
+              <a:t>7/8</a:t>
+            </a:r>
+          </a:p>
+        </p:txBody>
+      </p:sp>
+    </p:spTree>
+    <p:extLst>
+      <p:ext uri="{BB962C8B-B14F-4D97-AF65-F5344CB8AC3E}">
+        <p14:creationId xmlns:p14="http://schemas.microsoft.com/office/powerpoint/2010/main" val="3109910830"/>
+      </p:ext>
+    </p:extLst>
+  </p:cSld>
+  <p:clrMapOvr>
+    <a:masterClrMapping/>
+  </p:clrMapOvr>
+</p:sld>
+</file>
+
+<file path=ppt/slides/slide4.xml><?xml version="1.0" encoding="utf-8"?>
+<p:sld xmlns:a="http://schemas.openxmlformats.org/drawingml/2006/main" xmlns:r="http://schemas.openxmlformats.org/officeDocument/2006/relationships" xmlns:p="http://schemas.openxmlformats.org/presentationml/2006/main">
+  <p:cSld>
+    <p:spTree>
+      <p:nvGrpSpPr>
+        <p:cNvPr id="1" name="">
+          <a:extLst>
+            <a:ext uri="{FF2B5EF4-FFF2-40B4-BE49-F238E27FC236}">
+              <a16:creationId xmlns:a16="http://schemas.microsoft.com/office/drawing/2014/main" id="{5E7F335C-AEE2-4CC7-9C26-BD7B43C63B85}"/>
+            </a:ext>
+          </a:extLst>
+        </p:cNvPr>
+        <p:cNvGrpSpPr/>
+        <p:nvPr/>
+      </p:nvGrpSpPr>
+      <p:grpSpPr>
+        <a:xfrm>
+          <a:off x="0" y="0"/>
+          <a:ext cx="0" cy="0"/>
+          <a:chOff x="0" y="0"/>
+          <a:chExt cx="0" cy="0"/>
+        </a:xfrm>
+      </p:grpSpPr>
+      <p:sp>
+        <p:nvSpPr>
+          <p:cNvPr id="3" name="Subtitle 2">
+            <a:extLst>
+              <a:ext uri="{FF2B5EF4-FFF2-40B4-BE49-F238E27FC236}">
+                <a16:creationId xmlns:a16="http://schemas.microsoft.com/office/drawing/2014/main" id="{F28DC42F-7799-DAE4-6F0C-1323E873083C}"/>
+              </a:ext>
+            </a:extLst>
+          </p:cNvPr>
+          <p:cNvSpPr>
+            <a:spLocks noGrp="1"/>
+          </p:cNvSpPr>
+          <p:nvPr>
+            <p:ph type="subTitle" idx="1"/>
+          </p:nvPr>
+        </p:nvSpPr>
+        <p:spPr>
+          <a:xfrm>
+            <a:off x="228676" y="764704"/>
+            <a:ext cx="8640960" cy="6480720"/>
+          </a:xfrm>
+        </p:spPr>
+        <p:txBody>
+          <a:bodyPr>
+            <a:noAutofit/>
+          </a:bodyPr>
+          <a:lstStyle/>
+          <a:p>
+            <a:r>
+              <a:rPr lang="en-GB" sz="3600" dirty="0">
+                <a:solidFill>
+                  <a:schemeClr val="bg1"/>
+                </a:solidFill>
+              </a:rPr>
+              <a:t>Magnify (Magnify)</a:t>
+            </a:r>
+          </a:p>
+          <a:p>
+            <a:r>
+              <a:rPr lang="en-GB" sz="3600" dirty="0">
+                <a:solidFill>
+                  <a:schemeClr val="bg1"/>
+                </a:solidFill>
+              </a:rPr>
+              <a:t>His Holy Name (His Holy Name)</a:t>
+            </a:r>
+          </a:p>
+          <a:p>
+            <a:r>
+              <a:rPr lang="en-GB" sz="3600" dirty="0">
+                <a:solidFill>
+                  <a:schemeClr val="bg1"/>
+                </a:solidFill>
+              </a:rPr>
+              <a:t>For He is greatly (For He is greatly)</a:t>
+            </a:r>
+          </a:p>
+          <a:p>
+            <a:r>
+              <a:rPr lang="en-GB" sz="3600" dirty="0">
+                <a:solidFill>
+                  <a:schemeClr val="bg1"/>
+                </a:solidFill>
+              </a:rPr>
+              <a:t>To be praised (To be praised)</a:t>
+            </a:r>
+          </a:p>
+        </p:txBody>
+      </p:sp>
+      <p:sp>
+        <p:nvSpPr>
+          <p:cNvPr id="4" name="TextBox 3">
+            <a:extLst>
+              <a:ext uri="{FF2B5EF4-FFF2-40B4-BE49-F238E27FC236}">
+                <a16:creationId xmlns:a16="http://schemas.microsoft.com/office/drawing/2014/main" id="{FAF542DD-D8C0-735A-9FE5-0F850BBDC1EC}"/>
+              </a:ext>
+            </a:extLst>
+          </p:cNvPr>
+          <p:cNvSpPr txBox="1"/>
+          <p:nvPr/>
+        </p:nvSpPr>
+        <p:spPr>
+          <a:xfrm>
+            <a:off x="8529729" y="0"/>
+            <a:ext cx="628698" cy="461665"/>
+          </a:xfrm>
+          <a:prstGeom prst="rect">
+            <a:avLst/>
+          </a:prstGeom>
+          <a:noFill/>
+        </p:spPr>
+        <p:txBody>
+          <a:bodyPr wrap="none" rtlCol="0">
+            <a:spAutoFit/>
+          </a:bodyPr>
+          <a:lstStyle/>
+          <a:p>
+            <a:r>
+              <a:rPr lang="en-GB" sz="2400" b="1" dirty="0">
+                <a:solidFill>
+                  <a:schemeClr val="bg1"/>
+                </a:solidFill>
+              </a:rPr>
+              <a:t>3/8</a:t>
+            </a:r>
+          </a:p>
+        </p:txBody>
+      </p:sp>
+    </p:spTree>
+    <p:extLst>
+      <p:ext uri="{BB962C8B-B14F-4D97-AF65-F5344CB8AC3E}">
+        <p14:creationId xmlns:p14="http://schemas.microsoft.com/office/powerpoint/2010/main" val="1756858164"/>
+      </p:ext>
+    </p:extLst>
+  </p:cSld>
+  <p:clrMapOvr>
+    <a:masterClrMapping/>
+  </p:clrMapOvr>
+</p:sld>
+</file>
+
+<file path=ppt/slides/slide40.xml><?xml version="1.0" encoding="utf-8"?>
+<p:sld xmlns:a="http://schemas.openxmlformats.org/drawingml/2006/main" xmlns:r="http://schemas.openxmlformats.org/officeDocument/2006/relationships" xmlns:p="http://schemas.openxmlformats.org/presentationml/2006/main">
+  <p:cSld>
+    <p:spTree>
+      <p:nvGrpSpPr>
+        <p:cNvPr id="1" name=""/>
+        <p:cNvGrpSpPr/>
+        <p:nvPr/>
+      </p:nvGrpSpPr>
+      <p:grpSpPr>
+        <a:xfrm>
+          <a:off x="0" y="0"/>
+          <a:ext cx="0" cy="0"/>
+          <a:chOff x="0" y="0"/>
+          <a:chExt cx="0" cy="0"/>
+        </a:xfrm>
+      </p:grpSpPr>
+      <p:sp>
+        <p:nvSpPr>
+          <p:cNvPr id="3" name="Subtitle 2"/>
+          <p:cNvSpPr>
+            <a:spLocks noGrp="1"/>
+          </p:cNvSpPr>
+          <p:nvPr>
+            <p:ph type="subTitle" idx="1"/>
+          </p:nvPr>
+        </p:nvSpPr>
+        <p:spPr>
+          <a:xfrm>
+            <a:off x="251520" y="620688"/>
+            <a:ext cx="8640960" cy="6480720"/>
+          </a:xfrm>
+        </p:spPr>
+        <p:txBody>
+          <a:bodyPr>
+            <a:noAutofit/>
+          </a:bodyPr>
+          <a:lstStyle/>
+          <a:p>
+            <a:pPr>
+              <a:spcBef>
+                <a:spcPts val="600"/>
+              </a:spcBef>
+            </a:pPr>
+            <a:r>
+              <a:rPr lang="en-GB" sz="4000" dirty="0">
+                <a:solidFill>
+                  <a:schemeClr val="bg1"/>
+                </a:solidFill>
+              </a:rPr>
+              <a:t>All hail King Jesus</a:t>
+            </a:r>
+          </a:p>
+          <a:p>
+            <a:pPr>
+              <a:spcBef>
+                <a:spcPts val="600"/>
+              </a:spcBef>
+            </a:pPr>
+            <a:r>
+              <a:rPr lang="en-GB" sz="4000" dirty="0">
+                <a:solidFill>
+                  <a:schemeClr val="bg1"/>
+                </a:solidFill>
+              </a:rPr>
+              <a:t>All hail King Jesus</a:t>
+            </a:r>
+          </a:p>
+          <a:p>
+            <a:pPr>
+              <a:spcBef>
+                <a:spcPts val="600"/>
+              </a:spcBef>
+            </a:pPr>
+            <a:r>
+              <a:rPr lang="en-GB" sz="4000" dirty="0">
+                <a:solidFill>
+                  <a:schemeClr val="bg1"/>
+                </a:solidFill>
+              </a:rPr>
+              <a:t>All hail King Jesus</a:t>
+            </a:r>
+          </a:p>
+          <a:p>
+            <a:pPr>
+              <a:spcBef>
+                <a:spcPts val="600"/>
+              </a:spcBef>
+            </a:pPr>
+            <a:r>
+              <a:rPr lang="en-GB" sz="4000" dirty="0">
+                <a:solidFill>
+                  <a:schemeClr val="bg1"/>
+                </a:solidFill>
+              </a:rPr>
+              <a:t>All hail King Jesus</a:t>
+            </a:r>
+          </a:p>
+        </p:txBody>
+      </p:sp>
+      <p:sp>
+        <p:nvSpPr>
+          <p:cNvPr id="4" name="TextBox 3"/>
+          <p:cNvSpPr txBox="1"/>
+          <p:nvPr/>
+        </p:nvSpPr>
+        <p:spPr>
+          <a:xfrm>
+            <a:off x="8316416" y="0"/>
+            <a:ext cx="628698" cy="461665"/>
+          </a:xfrm>
+          <a:prstGeom prst="rect">
+            <a:avLst/>
+          </a:prstGeom>
+          <a:noFill/>
+        </p:spPr>
+        <p:txBody>
+          <a:bodyPr wrap="none" rtlCol="0">
+            <a:spAutoFit/>
+          </a:bodyPr>
+          <a:lstStyle/>
+          <a:p>
+            <a:r>
+              <a:rPr lang="en-GB" sz="2400" b="1" dirty="0">
+                <a:solidFill>
+                  <a:schemeClr val="bg1"/>
+                </a:solidFill>
+              </a:rPr>
+              <a:t>8/8</a:t>
+            </a:r>
+          </a:p>
+        </p:txBody>
+      </p:sp>
+    </p:spTree>
+    <p:extLst>
+      <p:ext uri="{BB962C8B-B14F-4D97-AF65-F5344CB8AC3E}">
+        <p14:creationId xmlns:p14="http://schemas.microsoft.com/office/powerpoint/2010/main" val="3585616562"/>
+      </p:ext>
+    </p:extLst>
+  </p:cSld>
+  <p:clrMapOvr>
+    <a:masterClrMapping/>
+  </p:clrMapOvr>
+</p:sld>
+</file>
+
+<file path=ppt/slides/slide41.xml><?xml version="1.0" encoding="utf-8"?>
+<p:sld xmlns:a="http://schemas.openxmlformats.org/drawingml/2006/main" xmlns:r="http://schemas.openxmlformats.org/officeDocument/2006/relationships" xmlns:p="http://schemas.openxmlformats.org/presentationml/2006/main">
+  <p:cSld>
+    <p:spTree>
+      <p:nvGrpSpPr>
+        <p:cNvPr id="1" name=""/>
+        <p:cNvGrpSpPr/>
+        <p:nvPr/>
+      </p:nvGrpSpPr>
+      <p:grpSpPr>
+        <a:xfrm>
+          <a:off x="0" y="0"/>
+          <a:ext cx="0" cy="0"/>
+          <a:chOff x="0" y="0"/>
+          <a:chExt cx="0" cy="0"/>
+        </a:xfrm>
+      </p:grpSpPr>
+      <p:sp>
+        <p:nvSpPr>
+          <p:cNvPr id="3" name="Subtitle 2"/>
+          <p:cNvSpPr>
+            <a:spLocks noGrp="1"/>
+          </p:cNvSpPr>
+          <p:nvPr>
+            <p:ph type="subTitle" idx="1"/>
+          </p:nvPr>
+        </p:nvSpPr>
+        <p:spPr>
+          <a:xfrm>
+            <a:off x="323528" y="188640"/>
+            <a:ext cx="8640960" cy="6480720"/>
+          </a:xfrm>
+        </p:spPr>
+        <p:txBody>
+          <a:bodyPr>
+            <a:noAutofit/>
+          </a:bodyPr>
+          <a:lstStyle/>
+          <a:p>
+            <a:endParaRPr lang="en-GB" sz="5400" dirty="0">
+              <a:solidFill>
+                <a:schemeClr val="bg1"/>
+              </a:solidFill>
+            </a:endParaRPr>
+          </a:p>
+          <a:p>
+            <a:r>
+              <a:rPr lang="en-GB" sz="6600" b="0" i="0" dirty="0">
+                <a:solidFill>
+                  <a:srgbClr val="00A3E0"/>
+                </a:solidFill>
+                <a:effectLst/>
+                <a:latin typeface="akagi_probook"/>
+              </a:rPr>
+              <a:t>O Praise The Name (</a:t>
+            </a:r>
+            <a:r>
+              <a:rPr lang="en-GB" sz="6600" b="0" i="0" dirty="0" err="1">
+                <a:solidFill>
+                  <a:srgbClr val="00A3E0"/>
+                </a:solidFill>
+                <a:effectLst/>
+                <a:latin typeface="akagi_probook"/>
+              </a:rPr>
+              <a:t>Anástasis</a:t>
+            </a:r>
+            <a:r>
+              <a:rPr lang="en-GB" sz="6600" b="0" i="0" dirty="0">
+                <a:solidFill>
+                  <a:srgbClr val="00A3E0"/>
+                </a:solidFill>
+                <a:effectLst/>
+                <a:latin typeface="akagi_probook"/>
+              </a:rPr>
+              <a:t>)</a:t>
+            </a:r>
+          </a:p>
+          <a:p>
+            <a:br>
+              <a:rPr lang="en-GB" sz="1200" dirty="0">
+                <a:solidFill>
+                  <a:schemeClr val="bg1"/>
+                </a:solidFill>
+              </a:rPr>
+            </a:br>
+            <a:br>
+              <a:rPr lang="en-GB" sz="1200" dirty="0">
+                <a:solidFill>
+                  <a:schemeClr val="bg1"/>
+                </a:solidFill>
+              </a:rPr>
+            </a:br>
+            <a:r>
+              <a:rPr lang="en-GB" sz="1200" dirty="0">
+                <a:solidFill>
+                  <a:schemeClr val="bg1"/>
+                </a:solidFill>
+              </a:rPr>
+              <a:t>CCLI Song # 7037787</a:t>
+            </a:r>
+          </a:p>
+          <a:p>
+            <a:endParaRPr lang="en-GB" sz="1200" dirty="0">
+              <a:solidFill>
+                <a:schemeClr val="bg1"/>
+              </a:solidFill>
+            </a:endParaRPr>
+          </a:p>
+          <a:p>
+            <a:r>
+              <a:rPr lang="en-GB" sz="1200" dirty="0">
+                <a:solidFill>
+                  <a:schemeClr val="bg1"/>
+                </a:solidFill>
+              </a:rPr>
+              <a:t>Benjamin Hastings | Dean Ussher | Marty Sampson</a:t>
+            </a:r>
+          </a:p>
+          <a:p>
+            <a:endParaRPr lang="en-GB" sz="1200" dirty="0">
+              <a:solidFill>
+                <a:schemeClr val="bg1"/>
+              </a:solidFill>
+            </a:endParaRPr>
+          </a:p>
+          <a:p>
+            <a:r>
+              <a:rPr lang="en-GB" sz="1200" dirty="0">
+                <a:solidFill>
+                  <a:schemeClr val="bg1"/>
+                </a:solidFill>
+              </a:rPr>
+              <a:t>© 2015 Hillsong Music Publishing Australia (Admin. by Hillsong Music Publishing UK)</a:t>
+            </a:r>
+          </a:p>
+          <a:p>
+            <a:r>
+              <a:rPr lang="en-GB" sz="1200" dirty="0">
+                <a:solidFill>
+                  <a:schemeClr val="bg1"/>
+                </a:solidFill>
+              </a:rPr>
+              <a:t>For use solely with the </a:t>
+            </a:r>
+            <a:r>
+              <a:rPr lang="en-GB" sz="1200" dirty="0" err="1">
+                <a:solidFill>
+                  <a:schemeClr val="bg1"/>
+                </a:solidFill>
+              </a:rPr>
+              <a:t>SongSelect</a:t>
+            </a:r>
+            <a:r>
+              <a:rPr lang="en-GB" sz="1200" dirty="0">
+                <a:solidFill>
+                  <a:schemeClr val="bg1"/>
+                </a:solidFill>
+              </a:rPr>
+              <a:t>® Terms of Use. All rights reserved. www.ccli.com</a:t>
+            </a:r>
+          </a:p>
+          <a:p>
+            <a:endParaRPr lang="en-GB" sz="1200" dirty="0">
+              <a:solidFill>
+                <a:schemeClr val="bg1"/>
+              </a:solidFill>
+            </a:endParaRPr>
+          </a:p>
+          <a:p>
+            <a:r>
+              <a:rPr lang="en-GB" sz="1200" dirty="0">
+                <a:solidFill>
+                  <a:schemeClr val="bg1"/>
+                </a:solidFill>
+              </a:rPr>
+              <a:t>CCLI Licence No. 33265</a:t>
+            </a:r>
+          </a:p>
+        </p:txBody>
+      </p:sp>
+    </p:spTree>
+    <p:extLst>
+      <p:ext uri="{BB962C8B-B14F-4D97-AF65-F5344CB8AC3E}">
+        <p14:creationId xmlns:p14="http://schemas.microsoft.com/office/powerpoint/2010/main" val="2633692750"/>
+      </p:ext>
+    </p:extLst>
+  </p:cSld>
+  <p:clrMapOvr>
+    <a:masterClrMapping/>
+  </p:clrMapOvr>
+</p:sld>
+</file>
+
+<file path=ppt/slides/slide42.xml><?xml version="1.0" encoding="utf-8"?>
+<p:sld xmlns:a="http://schemas.openxmlformats.org/drawingml/2006/main" xmlns:r="http://schemas.openxmlformats.org/officeDocument/2006/relationships" xmlns:p="http://schemas.openxmlformats.org/presentationml/2006/main">
+  <p:cSld>
+    <p:spTree>
+      <p:nvGrpSpPr>
+        <p:cNvPr id="1" name=""/>
+        <p:cNvGrpSpPr/>
+        <p:nvPr/>
+      </p:nvGrpSpPr>
+      <p:grpSpPr>
+        <a:xfrm>
+          <a:off x="0" y="0"/>
+          <a:ext cx="0" cy="0"/>
+          <a:chOff x="0" y="0"/>
+          <a:chExt cx="0" cy="0"/>
+        </a:xfrm>
+      </p:grpSpPr>
+      <p:sp>
+        <p:nvSpPr>
+          <p:cNvPr id="3" name="Subtitle 2"/>
+          <p:cNvSpPr>
+            <a:spLocks noGrp="1"/>
+          </p:cNvSpPr>
+          <p:nvPr>
+            <p:ph type="subTitle" idx="1"/>
+          </p:nvPr>
+        </p:nvSpPr>
+        <p:spPr>
+          <a:xfrm>
+            <a:off x="179512" y="764704"/>
+            <a:ext cx="8784976" cy="6552728"/>
+          </a:xfrm>
+        </p:spPr>
+        <p:txBody>
+          <a:bodyPr>
+            <a:noAutofit/>
+          </a:bodyPr>
+          <a:lstStyle/>
+          <a:p>
+            <a:r>
+              <a:rPr lang="en-GB" sz="4400" dirty="0">
+                <a:solidFill>
+                  <a:schemeClr val="bg1"/>
+                </a:solidFill>
+              </a:rPr>
+              <a:t>I cast my mind to Calvary</a:t>
+            </a:r>
+          </a:p>
+          <a:p>
+            <a:r>
+              <a:rPr lang="en-GB" sz="4400" dirty="0">
+                <a:solidFill>
+                  <a:schemeClr val="bg1"/>
+                </a:solidFill>
+              </a:rPr>
+              <a:t>Where Jesus bled and died for me</a:t>
+            </a:r>
+          </a:p>
+          <a:p>
+            <a:r>
+              <a:rPr lang="en-GB" sz="4400" dirty="0">
+                <a:solidFill>
+                  <a:schemeClr val="bg1"/>
+                </a:solidFill>
+              </a:rPr>
+              <a:t>I see His wounds His hands His feet</a:t>
+            </a:r>
+          </a:p>
+          <a:p>
+            <a:r>
+              <a:rPr lang="en-GB" sz="4400" dirty="0">
+                <a:solidFill>
+                  <a:schemeClr val="bg1"/>
+                </a:solidFill>
+              </a:rPr>
+              <a:t>My Saviour on that cursed tree</a:t>
+            </a:r>
+          </a:p>
+        </p:txBody>
+      </p:sp>
+      <p:sp>
+        <p:nvSpPr>
+          <p:cNvPr id="4" name="TextBox 3"/>
+          <p:cNvSpPr txBox="1"/>
+          <p:nvPr/>
+        </p:nvSpPr>
+        <p:spPr>
+          <a:xfrm>
+            <a:off x="8529729" y="0"/>
+            <a:ext cx="628698" cy="461665"/>
+          </a:xfrm>
+          <a:prstGeom prst="rect">
+            <a:avLst/>
+          </a:prstGeom>
+          <a:noFill/>
+        </p:spPr>
+        <p:txBody>
+          <a:bodyPr wrap="none" rtlCol="0">
+            <a:spAutoFit/>
+          </a:bodyPr>
+          <a:lstStyle/>
+          <a:p>
+            <a:r>
+              <a:rPr lang="en-GB" sz="2400" b="1" dirty="0">
+                <a:solidFill>
+                  <a:schemeClr val="bg1"/>
+                </a:solidFill>
+              </a:rPr>
+              <a:t>1/7</a:t>
+            </a:r>
+          </a:p>
+        </p:txBody>
+      </p:sp>
+    </p:spTree>
+    <p:extLst>
+      <p:ext uri="{BB962C8B-B14F-4D97-AF65-F5344CB8AC3E}">
+        <p14:creationId xmlns:p14="http://schemas.microsoft.com/office/powerpoint/2010/main" val="1920454028"/>
+      </p:ext>
+    </p:extLst>
+  </p:cSld>
+  <p:clrMapOvr>
+    <a:masterClrMapping/>
+  </p:clrMapOvr>
+</p:sld>
+</file>
+
+<file path=ppt/slides/slide43.xml><?xml version="1.0" encoding="utf-8"?>
+<p:sld xmlns:a="http://schemas.openxmlformats.org/drawingml/2006/main" xmlns:r="http://schemas.openxmlformats.org/officeDocument/2006/relationships" xmlns:p="http://schemas.openxmlformats.org/presentationml/2006/main">
+  <p:cSld>
+    <p:spTree>
+      <p:nvGrpSpPr>
+        <p:cNvPr id="1" name=""/>
+        <p:cNvGrpSpPr/>
+        <p:nvPr/>
+      </p:nvGrpSpPr>
+      <p:grpSpPr>
+        <a:xfrm>
+          <a:off x="0" y="0"/>
+          <a:ext cx="0" cy="0"/>
+          <a:chOff x="0" y="0"/>
+          <a:chExt cx="0" cy="0"/>
+        </a:xfrm>
+      </p:grpSpPr>
+      <p:sp>
+        <p:nvSpPr>
+          <p:cNvPr id="3" name="Subtitle 2"/>
+          <p:cNvSpPr>
+            <a:spLocks noGrp="1"/>
+          </p:cNvSpPr>
+          <p:nvPr>
+            <p:ph type="subTitle" idx="1"/>
+          </p:nvPr>
+        </p:nvSpPr>
+        <p:spPr>
+          <a:xfrm>
+            <a:off x="359024" y="764704"/>
+            <a:ext cx="8784976" cy="6552728"/>
+          </a:xfrm>
+        </p:spPr>
+        <p:txBody>
+          <a:bodyPr>
+            <a:noAutofit/>
+          </a:bodyPr>
+          <a:lstStyle/>
+          <a:p>
+            <a:r>
+              <a:rPr lang="en-GB" sz="4400" dirty="0">
+                <a:solidFill>
+                  <a:schemeClr val="bg1"/>
+                </a:solidFill>
+              </a:rPr>
+              <a:t>His body bound and drenched in tears</a:t>
+            </a:r>
+          </a:p>
+          <a:p>
+            <a:r>
+              <a:rPr lang="en-GB" sz="4400" dirty="0">
+                <a:solidFill>
+                  <a:schemeClr val="bg1"/>
+                </a:solidFill>
+              </a:rPr>
+              <a:t>They laid Him down in Joseph's tomb</a:t>
+            </a:r>
+          </a:p>
+          <a:p>
+            <a:r>
+              <a:rPr lang="en-GB" sz="4400" dirty="0">
+                <a:solidFill>
+                  <a:schemeClr val="bg1"/>
+                </a:solidFill>
+              </a:rPr>
+              <a:t>The entrance sealed by heavy stone</a:t>
+            </a:r>
+          </a:p>
+          <a:p>
+            <a:r>
+              <a:rPr lang="en-GB" sz="4400" dirty="0">
+                <a:solidFill>
+                  <a:schemeClr val="bg1"/>
+                </a:solidFill>
+              </a:rPr>
+              <a:t>Messiah still and all alone</a:t>
+            </a:r>
+          </a:p>
+        </p:txBody>
+      </p:sp>
+      <p:sp>
+        <p:nvSpPr>
+          <p:cNvPr id="4" name="TextBox 3"/>
+          <p:cNvSpPr txBox="1"/>
+          <p:nvPr/>
+        </p:nvSpPr>
+        <p:spPr>
+          <a:xfrm>
+            <a:off x="8529729" y="0"/>
+            <a:ext cx="628698" cy="461665"/>
+          </a:xfrm>
+          <a:prstGeom prst="rect">
+            <a:avLst/>
+          </a:prstGeom>
+          <a:noFill/>
+        </p:spPr>
+        <p:txBody>
+          <a:bodyPr wrap="none" rtlCol="0">
+            <a:spAutoFit/>
+          </a:bodyPr>
+          <a:lstStyle/>
+          <a:p>
+            <a:r>
+              <a:rPr lang="en-GB" sz="2400" b="1" dirty="0">
+                <a:solidFill>
+                  <a:schemeClr val="bg1"/>
+                </a:solidFill>
+              </a:rPr>
+              <a:t>2/7</a:t>
+            </a:r>
+          </a:p>
+        </p:txBody>
+      </p:sp>
+    </p:spTree>
+    <p:extLst>
+      <p:ext uri="{BB962C8B-B14F-4D97-AF65-F5344CB8AC3E}">
+        <p14:creationId xmlns:p14="http://schemas.microsoft.com/office/powerpoint/2010/main" val="2945985813"/>
+      </p:ext>
+    </p:extLst>
+  </p:cSld>
+  <p:clrMapOvr>
+    <a:masterClrMapping/>
+  </p:clrMapOvr>
+</p:sld>
+</file>
+
+<file path=ppt/slides/slide44.xml><?xml version="1.0" encoding="utf-8"?>
+<p:sld xmlns:a="http://schemas.openxmlformats.org/drawingml/2006/main" xmlns:r="http://schemas.openxmlformats.org/officeDocument/2006/relationships" xmlns:p="http://schemas.openxmlformats.org/presentationml/2006/main">
+  <p:cSld>
+    <p:spTree>
+      <p:nvGrpSpPr>
+        <p:cNvPr id="1" name=""/>
+        <p:cNvGrpSpPr/>
+        <p:nvPr/>
+      </p:nvGrpSpPr>
+      <p:grpSpPr>
+        <a:xfrm>
+          <a:off x="0" y="0"/>
+          <a:ext cx="0" cy="0"/>
+          <a:chOff x="0" y="0"/>
+          <a:chExt cx="0" cy="0"/>
+        </a:xfrm>
+      </p:grpSpPr>
+      <p:sp>
+        <p:nvSpPr>
+          <p:cNvPr id="3" name="Subtitle 2"/>
+          <p:cNvSpPr>
+            <a:spLocks noGrp="1"/>
+          </p:cNvSpPr>
+          <p:nvPr>
+            <p:ph type="subTitle" idx="1"/>
+          </p:nvPr>
+        </p:nvSpPr>
+        <p:spPr>
+          <a:xfrm>
+            <a:off x="179512" y="692696"/>
+            <a:ext cx="8784976" cy="6552728"/>
+          </a:xfrm>
+        </p:spPr>
+        <p:txBody>
+          <a:bodyPr>
+            <a:noAutofit/>
+          </a:bodyPr>
+          <a:lstStyle/>
+          <a:p>
+            <a:r>
+              <a:rPr lang="en-GB" sz="4400" dirty="0">
+                <a:solidFill>
+                  <a:schemeClr val="bg1"/>
+                </a:solidFill>
+              </a:rPr>
+              <a:t>O praise the Name of the Lord our God</a:t>
+            </a:r>
+          </a:p>
+          <a:p>
+            <a:r>
+              <a:rPr lang="en-GB" sz="4400" dirty="0">
+                <a:solidFill>
+                  <a:schemeClr val="bg1"/>
+                </a:solidFill>
+              </a:rPr>
+              <a:t>O praise His Name forevermore</a:t>
+            </a:r>
+          </a:p>
+          <a:p>
+            <a:r>
+              <a:rPr lang="en-GB" sz="4400" dirty="0">
+                <a:solidFill>
+                  <a:schemeClr val="bg1"/>
+                </a:solidFill>
+              </a:rPr>
+              <a:t>For endless days we will sing Your praise</a:t>
+            </a:r>
+          </a:p>
+          <a:p>
+            <a:r>
+              <a:rPr lang="en-GB" sz="4400" dirty="0">
+                <a:solidFill>
+                  <a:schemeClr val="bg1"/>
+                </a:solidFill>
+              </a:rPr>
+              <a:t>Oh Lord oh Lord our God</a:t>
+            </a:r>
+          </a:p>
+        </p:txBody>
+      </p:sp>
+      <p:sp>
+        <p:nvSpPr>
+          <p:cNvPr id="4" name="TextBox 3"/>
+          <p:cNvSpPr txBox="1"/>
+          <p:nvPr/>
+        </p:nvSpPr>
+        <p:spPr>
+          <a:xfrm>
+            <a:off x="8529729" y="0"/>
+            <a:ext cx="628698" cy="461665"/>
+          </a:xfrm>
+          <a:prstGeom prst="rect">
+            <a:avLst/>
+          </a:prstGeom>
+          <a:noFill/>
+        </p:spPr>
+        <p:txBody>
+          <a:bodyPr wrap="none" rtlCol="0">
+            <a:spAutoFit/>
+          </a:bodyPr>
+          <a:lstStyle/>
+          <a:p>
+            <a:r>
+              <a:rPr lang="en-GB" sz="2400" b="1" dirty="0">
+                <a:solidFill>
+                  <a:schemeClr val="bg1"/>
+                </a:solidFill>
+              </a:rPr>
+              <a:t>3/7</a:t>
+            </a:r>
+          </a:p>
+        </p:txBody>
+      </p:sp>
+    </p:spTree>
+    <p:extLst>
+      <p:ext uri="{BB962C8B-B14F-4D97-AF65-F5344CB8AC3E}">
+        <p14:creationId xmlns:p14="http://schemas.microsoft.com/office/powerpoint/2010/main" val="596342171"/>
+      </p:ext>
+    </p:extLst>
+  </p:cSld>
+  <p:clrMapOvr>
+    <a:masterClrMapping/>
+  </p:clrMapOvr>
+</p:sld>
+</file>
+
+<file path=ppt/slides/slide45.xml><?xml version="1.0" encoding="utf-8"?>
+<p:sld xmlns:a="http://schemas.openxmlformats.org/drawingml/2006/main" xmlns:r="http://schemas.openxmlformats.org/officeDocument/2006/relationships" xmlns:p="http://schemas.openxmlformats.org/presentationml/2006/main">
+  <p:cSld>
+    <p:spTree>
+      <p:nvGrpSpPr>
+        <p:cNvPr id="1" name=""/>
+        <p:cNvGrpSpPr/>
+        <p:nvPr/>
+      </p:nvGrpSpPr>
+      <p:grpSpPr>
+        <a:xfrm>
+          <a:off x="0" y="0"/>
+          <a:ext cx="0" cy="0"/>
+          <a:chOff x="0" y="0"/>
+          <a:chExt cx="0" cy="0"/>
+        </a:xfrm>
+      </p:grpSpPr>
+      <p:sp>
+        <p:nvSpPr>
+          <p:cNvPr id="3" name="Subtitle 2"/>
+          <p:cNvSpPr>
+            <a:spLocks noGrp="1"/>
+          </p:cNvSpPr>
+          <p:nvPr>
+            <p:ph type="subTitle" idx="1"/>
+          </p:nvPr>
+        </p:nvSpPr>
+        <p:spPr>
+          <a:xfrm>
+            <a:off x="179512" y="836712"/>
+            <a:ext cx="8784976" cy="6552728"/>
+          </a:xfrm>
+        </p:spPr>
+        <p:txBody>
+          <a:bodyPr>
+            <a:noAutofit/>
+          </a:bodyPr>
+          <a:lstStyle/>
+          <a:p>
+            <a:r>
+              <a:rPr lang="en-GB" sz="4400" dirty="0">
+                <a:solidFill>
+                  <a:schemeClr val="bg1"/>
+                </a:solidFill>
+              </a:rPr>
+              <a:t>Then on the third at break of dawn</a:t>
+            </a:r>
+          </a:p>
+          <a:p>
+            <a:r>
+              <a:rPr lang="en-GB" sz="4400" dirty="0">
+                <a:solidFill>
+                  <a:schemeClr val="bg1"/>
+                </a:solidFill>
+              </a:rPr>
+              <a:t>The Son of heaven rose again</a:t>
+            </a:r>
+          </a:p>
+          <a:p>
+            <a:r>
+              <a:rPr lang="en-GB" sz="4400" dirty="0">
+                <a:solidFill>
+                  <a:schemeClr val="bg1"/>
+                </a:solidFill>
+              </a:rPr>
+              <a:t>O trampled death where is your sting</a:t>
+            </a:r>
+          </a:p>
+          <a:p>
+            <a:r>
+              <a:rPr lang="en-GB" sz="4400" dirty="0">
+                <a:solidFill>
+                  <a:schemeClr val="bg1"/>
+                </a:solidFill>
+              </a:rPr>
+              <a:t>The angels roar for Christ the King</a:t>
+            </a:r>
+          </a:p>
+        </p:txBody>
+      </p:sp>
+      <p:sp>
+        <p:nvSpPr>
+          <p:cNvPr id="4" name="TextBox 3"/>
+          <p:cNvSpPr txBox="1"/>
+          <p:nvPr/>
+        </p:nvSpPr>
+        <p:spPr>
+          <a:xfrm>
+            <a:off x="8529729" y="0"/>
+            <a:ext cx="628698" cy="461665"/>
+          </a:xfrm>
+          <a:prstGeom prst="rect">
+            <a:avLst/>
+          </a:prstGeom>
+          <a:noFill/>
+        </p:spPr>
+        <p:txBody>
+          <a:bodyPr wrap="none" rtlCol="0">
+            <a:spAutoFit/>
+          </a:bodyPr>
+          <a:lstStyle/>
+          <a:p>
+            <a:r>
+              <a:rPr lang="en-GB" sz="2400" b="1" dirty="0">
+                <a:solidFill>
+                  <a:schemeClr val="bg1"/>
+                </a:solidFill>
+              </a:rPr>
+              <a:t>4/7</a:t>
+            </a:r>
+          </a:p>
+        </p:txBody>
+      </p:sp>
+    </p:spTree>
+    <p:extLst>
+      <p:ext uri="{BB962C8B-B14F-4D97-AF65-F5344CB8AC3E}">
+        <p14:creationId xmlns:p14="http://schemas.microsoft.com/office/powerpoint/2010/main" val="4051476099"/>
+      </p:ext>
+    </p:extLst>
+  </p:cSld>
+  <p:clrMapOvr>
+    <a:masterClrMapping/>
+  </p:clrMapOvr>
+</p:sld>
+</file>
+
+<file path=ppt/slides/slide46.xml><?xml version="1.0" encoding="utf-8"?>
+<p:sld xmlns:a="http://schemas.openxmlformats.org/drawingml/2006/main" xmlns:r="http://schemas.openxmlformats.org/officeDocument/2006/relationships" xmlns:p="http://schemas.openxmlformats.org/presentationml/2006/main">
+  <p:cSld>
+    <p:spTree>
+      <p:nvGrpSpPr>
+        <p:cNvPr id="1" name="">
+          <a:extLst>
+            <a:ext uri="{FF2B5EF4-FFF2-40B4-BE49-F238E27FC236}">
+              <a16:creationId xmlns:a16="http://schemas.microsoft.com/office/drawing/2014/main" id="{12272CE0-15F7-C258-B71C-10F5D003E4FA}"/>
+            </a:ext>
+          </a:extLst>
+        </p:cNvPr>
+        <p:cNvGrpSpPr/>
+        <p:nvPr/>
+      </p:nvGrpSpPr>
+      <p:grpSpPr>
+        <a:xfrm>
+          <a:off x="0" y="0"/>
+          <a:ext cx="0" cy="0"/>
+          <a:chOff x="0" y="0"/>
+          <a:chExt cx="0" cy="0"/>
+        </a:xfrm>
+      </p:grpSpPr>
+      <p:sp>
+        <p:nvSpPr>
+          <p:cNvPr id="3" name="Subtitle 2">
+            <a:extLst>
+              <a:ext uri="{FF2B5EF4-FFF2-40B4-BE49-F238E27FC236}">
+                <a16:creationId xmlns:a16="http://schemas.microsoft.com/office/drawing/2014/main" id="{B0866333-1B0F-4891-11B4-87DF8C7A489F}"/>
+              </a:ext>
+            </a:extLst>
+          </p:cNvPr>
+          <p:cNvSpPr>
+            <a:spLocks noGrp="1"/>
+          </p:cNvSpPr>
+          <p:nvPr>
+            <p:ph type="subTitle" idx="1"/>
+          </p:nvPr>
+        </p:nvSpPr>
+        <p:spPr>
+          <a:xfrm>
+            <a:off x="179512" y="692696"/>
+            <a:ext cx="8784976" cy="6552728"/>
+          </a:xfrm>
+        </p:spPr>
+        <p:txBody>
+          <a:bodyPr>
+            <a:noAutofit/>
+          </a:bodyPr>
+          <a:lstStyle/>
+          <a:p>
+            <a:r>
+              <a:rPr lang="en-GB" sz="4400" dirty="0">
+                <a:solidFill>
+                  <a:schemeClr val="bg1"/>
+                </a:solidFill>
+              </a:rPr>
+              <a:t>O praise the Name of the Lord our God</a:t>
+            </a:r>
+          </a:p>
+          <a:p>
+            <a:r>
+              <a:rPr lang="en-GB" sz="4400" dirty="0">
+                <a:solidFill>
+                  <a:schemeClr val="bg1"/>
+                </a:solidFill>
+              </a:rPr>
+              <a:t>O praise His Name forevermore</a:t>
+            </a:r>
+          </a:p>
+          <a:p>
+            <a:r>
+              <a:rPr lang="en-GB" sz="4400" dirty="0">
+                <a:solidFill>
+                  <a:schemeClr val="bg1"/>
+                </a:solidFill>
+              </a:rPr>
+              <a:t>For endless days we will sing Your praise</a:t>
+            </a:r>
+          </a:p>
+          <a:p>
+            <a:r>
+              <a:rPr lang="en-GB" sz="4400" dirty="0">
+                <a:solidFill>
+                  <a:schemeClr val="bg1"/>
+                </a:solidFill>
+              </a:rPr>
+              <a:t>Oh Lord oh Lord our God</a:t>
+            </a:r>
+          </a:p>
+        </p:txBody>
+      </p:sp>
+      <p:sp>
+        <p:nvSpPr>
+          <p:cNvPr id="4" name="TextBox 3">
+            <a:extLst>
+              <a:ext uri="{FF2B5EF4-FFF2-40B4-BE49-F238E27FC236}">
+                <a16:creationId xmlns:a16="http://schemas.microsoft.com/office/drawing/2014/main" id="{6AAB2DEF-7081-CDEA-801D-743AA0BA9353}"/>
+              </a:ext>
+            </a:extLst>
+          </p:cNvPr>
+          <p:cNvSpPr txBox="1"/>
+          <p:nvPr/>
+        </p:nvSpPr>
+        <p:spPr>
+          <a:xfrm>
+            <a:off x="8529729" y="0"/>
+            <a:ext cx="628698" cy="461665"/>
+          </a:xfrm>
+          <a:prstGeom prst="rect">
+            <a:avLst/>
+          </a:prstGeom>
+          <a:noFill/>
+        </p:spPr>
+        <p:txBody>
+          <a:bodyPr wrap="none" rtlCol="0">
+            <a:spAutoFit/>
+          </a:bodyPr>
+          <a:lstStyle/>
+          <a:p>
+            <a:r>
+              <a:rPr lang="en-GB" sz="2400" b="1" dirty="0">
+                <a:solidFill>
+                  <a:schemeClr val="bg1"/>
+                </a:solidFill>
+              </a:rPr>
+              <a:t>5/7</a:t>
+            </a:r>
+          </a:p>
+        </p:txBody>
+      </p:sp>
+    </p:spTree>
+    <p:extLst>
+      <p:ext uri="{BB962C8B-B14F-4D97-AF65-F5344CB8AC3E}">
+        <p14:creationId xmlns:p14="http://schemas.microsoft.com/office/powerpoint/2010/main" val="352287780"/>
+      </p:ext>
+    </p:extLst>
+  </p:cSld>
+  <p:clrMapOvr>
+    <a:masterClrMapping/>
+  </p:clrMapOvr>
+</p:sld>
+</file>
+
+<file path=ppt/slides/slide47.xml><?xml version="1.0" encoding="utf-8"?>
+<p:sld xmlns:a="http://schemas.openxmlformats.org/drawingml/2006/main" xmlns:r="http://schemas.openxmlformats.org/officeDocument/2006/relationships" xmlns:p="http://schemas.openxmlformats.org/presentationml/2006/main">
+  <p:cSld>
+    <p:spTree>
+      <p:nvGrpSpPr>
+        <p:cNvPr id="1" name=""/>
+        <p:cNvGrpSpPr/>
+        <p:nvPr/>
+      </p:nvGrpSpPr>
+      <p:grpSpPr>
+        <a:xfrm>
+          <a:off x="0" y="0"/>
+          <a:ext cx="0" cy="0"/>
+          <a:chOff x="0" y="0"/>
+          <a:chExt cx="0" cy="0"/>
+        </a:xfrm>
+      </p:grpSpPr>
+      <p:sp>
+        <p:nvSpPr>
+          <p:cNvPr id="3" name="Subtitle 2"/>
+          <p:cNvSpPr>
+            <a:spLocks noGrp="1"/>
+          </p:cNvSpPr>
+          <p:nvPr>
+            <p:ph type="subTitle" idx="1"/>
+          </p:nvPr>
+        </p:nvSpPr>
+        <p:spPr>
+          <a:xfrm>
+            <a:off x="59102" y="764704"/>
+            <a:ext cx="8784976" cy="6552728"/>
+          </a:xfrm>
+        </p:spPr>
+        <p:txBody>
+          <a:bodyPr>
+            <a:noAutofit/>
+          </a:bodyPr>
+          <a:lstStyle/>
+          <a:p>
+            <a:r>
+              <a:rPr lang="en-GB" sz="4400" dirty="0">
+                <a:solidFill>
+                  <a:schemeClr val="bg1"/>
+                </a:solidFill>
+              </a:rPr>
+              <a:t>He shall return in robes of white</a:t>
+            </a:r>
+          </a:p>
+          <a:p>
+            <a:r>
+              <a:rPr lang="en-GB" sz="4400" dirty="0">
+                <a:solidFill>
+                  <a:schemeClr val="bg1"/>
+                </a:solidFill>
+              </a:rPr>
+              <a:t>The blazing sun shall pierce the night</a:t>
+            </a:r>
+          </a:p>
+          <a:p>
+            <a:r>
+              <a:rPr lang="en-GB" sz="4400" dirty="0">
+                <a:solidFill>
+                  <a:schemeClr val="bg1"/>
+                </a:solidFill>
+              </a:rPr>
+              <a:t>And I will rise among the saints</a:t>
+            </a:r>
+          </a:p>
+          <a:p>
+            <a:r>
+              <a:rPr lang="en-GB" sz="4400" dirty="0">
+                <a:solidFill>
+                  <a:schemeClr val="bg1"/>
+                </a:solidFill>
+              </a:rPr>
+              <a:t>My gaze transfixed on Jesus' face</a:t>
+            </a:r>
+          </a:p>
+        </p:txBody>
+      </p:sp>
+      <p:sp>
+        <p:nvSpPr>
+          <p:cNvPr id="4" name="TextBox 3"/>
+          <p:cNvSpPr txBox="1"/>
+          <p:nvPr/>
+        </p:nvSpPr>
+        <p:spPr>
+          <a:xfrm>
+            <a:off x="8529729" y="0"/>
+            <a:ext cx="628698" cy="461665"/>
+          </a:xfrm>
+          <a:prstGeom prst="rect">
+            <a:avLst/>
+          </a:prstGeom>
+          <a:noFill/>
+        </p:spPr>
+        <p:txBody>
+          <a:bodyPr wrap="none" rtlCol="0">
+            <a:spAutoFit/>
+          </a:bodyPr>
+          <a:lstStyle/>
+          <a:p>
+            <a:r>
+              <a:rPr lang="en-GB" sz="2400" b="1" dirty="0">
+                <a:solidFill>
+                  <a:schemeClr val="bg1"/>
+                </a:solidFill>
+              </a:rPr>
+              <a:t>6/7</a:t>
+            </a:r>
+          </a:p>
+        </p:txBody>
+      </p:sp>
+    </p:spTree>
+    <p:extLst>
+      <p:ext uri="{BB962C8B-B14F-4D97-AF65-F5344CB8AC3E}">
+        <p14:creationId xmlns:p14="http://schemas.microsoft.com/office/powerpoint/2010/main" val="4127685676"/>
+      </p:ext>
+    </p:extLst>
+  </p:cSld>
+  <p:clrMapOvr>
+    <a:masterClrMapping/>
+  </p:clrMapOvr>
+</p:sld>
+</file>
+
+<file path=ppt/slides/slide48.xml><?xml version="1.0" encoding="utf-8"?>
+<p:sld xmlns:a="http://schemas.openxmlformats.org/drawingml/2006/main" xmlns:r="http://schemas.openxmlformats.org/officeDocument/2006/relationships" xmlns:p="http://schemas.openxmlformats.org/presentationml/2006/main">
+  <p:cSld>
+    <p:spTree>
+      <p:nvGrpSpPr>
+        <p:cNvPr id="1" name="">
+          <a:extLst>
+            <a:ext uri="{FF2B5EF4-FFF2-40B4-BE49-F238E27FC236}">
+              <a16:creationId xmlns:a16="http://schemas.microsoft.com/office/drawing/2014/main" id="{A4D7DA22-A1D2-6B75-3AB5-54E04C740303}"/>
+            </a:ext>
+          </a:extLst>
+        </p:cNvPr>
+        <p:cNvGrpSpPr/>
+        <p:nvPr/>
+      </p:nvGrpSpPr>
+      <p:grpSpPr>
+        <a:xfrm>
+          <a:off x="0" y="0"/>
+          <a:ext cx="0" cy="0"/>
+          <a:chOff x="0" y="0"/>
+          <a:chExt cx="0" cy="0"/>
+        </a:xfrm>
+      </p:grpSpPr>
+      <p:sp>
+        <p:nvSpPr>
+          <p:cNvPr id="3" name="Subtitle 2">
+            <a:extLst>
+              <a:ext uri="{FF2B5EF4-FFF2-40B4-BE49-F238E27FC236}">
+                <a16:creationId xmlns:a16="http://schemas.microsoft.com/office/drawing/2014/main" id="{180B0835-2764-8EAA-1566-997F610E8202}"/>
+              </a:ext>
+            </a:extLst>
+          </p:cNvPr>
+          <p:cNvSpPr>
+            <a:spLocks noGrp="1"/>
+          </p:cNvSpPr>
+          <p:nvPr>
+            <p:ph type="subTitle" idx="1"/>
+          </p:nvPr>
+        </p:nvSpPr>
+        <p:spPr>
+          <a:xfrm>
+            <a:off x="59102" y="764704"/>
+            <a:ext cx="8784976" cy="6552728"/>
+          </a:xfrm>
+        </p:spPr>
+        <p:txBody>
+          <a:bodyPr>
+            <a:noAutofit/>
+          </a:bodyPr>
+          <a:lstStyle/>
+          <a:p>
+            <a:r>
+              <a:rPr lang="en-GB" sz="4400" dirty="0">
+                <a:solidFill>
+                  <a:schemeClr val="bg1"/>
+                </a:solidFill>
+              </a:rPr>
+              <a:t>O praise the Name of the Lord our God</a:t>
+            </a:r>
+          </a:p>
+          <a:p>
+            <a:r>
+              <a:rPr lang="en-GB" sz="4400" dirty="0">
+                <a:solidFill>
+                  <a:schemeClr val="bg1"/>
+                </a:solidFill>
+              </a:rPr>
+              <a:t>O praise His Name forevermore</a:t>
+            </a:r>
+          </a:p>
+          <a:p>
+            <a:r>
+              <a:rPr lang="en-GB" sz="4400" dirty="0">
+                <a:solidFill>
+                  <a:schemeClr val="bg1"/>
+                </a:solidFill>
+              </a:rPr>
+              <a:t>For endless days we will sing Your praise</a:t>
+            </a:r>
+          </a:p>
+          <a:p>
+            <a:r>
+              <a:rPr lang="en-GB" sz="4400" dirty="0">
+                <a:solidFill>
+                  <a:schemeClr val="bg1"/>
+                </a:solidFill>
+              </a:rPr>
+              <a:t>Oh Lord oh Lord our God</a:t>
+            </a:r>
+          </a:p>
+        </p:txBody>
+      </p:sp>
+      <p:sp>
+        <p:nvSpPr>
+          <p:cNvPr id="4" name="TextBox 3">
+            <a:extLst>
+              <a:ext uri="{FF2B5EF4-FFF2-40B4-BE49-F238E27FC236}">
+                <a16:creationId xmlns:a16="http://schemas.microsoft.com/office/drawing/2014/main" id="{00FE015F-D3F1-1B1F-1CDA-DC6357C65EC4}"/>
+              </a:ext>
+            </a:extLst>
+          </p:cNvPr>
+          <p:cNvSpPr txBox="1"/>
+          <p:nvPr/>
+        </p:nvSpPr>
+        <p:spPr>
+          <a:xfrm>
+            <a:off x="8529729" y="0"/>
+            <a:ext cx="628698" cy="461665"/>
+          </a:xfrm>
+          <a:prstGeom prst="rect">
+            <a:avLst/>
+          </a:prstGeom>
+          <a:noFill/>
+        </p:spPr>
+        <p:txBody>
+          <a:bodyPr wrap="none" rtlCol="0">
+            <a:spAutoFit/>
+          </a:bodyPr>
+          <a:lstStyle/>
+          <a:p>
+            <a:r>
+              <a:rPr lang="en-GB" sz="2400" b="1" dirty="0">
+                <a:solidFill>
+                  <a:schemeClr val="bg1"/>
+                </a:solidFill>
+              </a:rPr>
+              <a:t>7/7</a:t>
+            </a:r>
+          </a:p>
+        </p:txBody>
+      </p:sp>
+    </p:spTree>
+    <p:extLst>
+      <p:ext uri="{BB962C8B-B14F-4D97-AF65-F5344CB8AC3E}">
+        <p14:creationId xmlns:p14="http://schemas.microsoft.com/office/powerpoint/2010/main" val="2980858850"/>
+      </p:ext>
+    </p:extLst>
+  </p:cSld>
+  <p:clrMapOvr>
+    <a:masterClrMapping/>
+  </p:clrMapOvr>
+</p:sld>
+</file>
+
+<file path=ppt/slides/slide5.xml><?xml version="1.0" encoding="utf-8"?>
+<p:sld xmlns:a="http://schemas.openxmlformats.org/drawingml/2006/main" xmlns:r="http://schemas.openxmlformats.org/officeDocument/2006/relationships" xmlns:p="http://schemas.openxmlformats.org/presentationml/2006/main">
+  <p:cSld>
+    <p:spTree>
+      <p:nvGrpSpPr>
+        <p:cNvPr id="1" name="">
+          <a:extLst>
+            <a:ext uri="{FF2B5EF4-FFF2-40B4-BE49-F238E27FC236}">
+              <a16:creationId xmlns:a16="http://schemas.microsoft.com/office/drawing/2014/main" id="{C233BF4A-7A19-DF6B-3E5B-EDB06679F0EE}"/>
+            </a:ext>
+          </a:extLst>
+        </p:cNvPr>
+        <p:cNvGrpSpPr/>
+        <p:nvPr/>
+      </p:nvGrpSpPr>
+      <p:grpSpPr>
+        <a:xfrm>
+          <a:off x="0" y="0"/>
+          <a:ext cx="0" cy="0"/>
+          <a:chOff x="0" y="0"/>
+          <a:chExt cx="0" cy="0"/>
+        </a:xfrm>
+      </p:grpSpPr>
+      <p:sp>
+        <p:nvSpPr>
+          <p:cNvPr id="3" name="Subtitle 2">
+            <a:extLst>
+              <a:ext uri="{FF2B5EF4-FFF2-40B4-BE49-F238E27FC236}">
+                <a16:creationId xmlns:a16="http://schemas.microsoft.com/office/drawing/2014/main" id="{74EBF80F-BD2D-4504-FDA6-86A0FFB9D31E}"/>
+              </a:ext>
+            </a:extLst>
+          </p:cNvPr>
+          <p:cNvSpPr>
+            <a:spLocks noGrp="1"/>
+          </p:cNvSpPr>
+          <p:nvPr>
+            <p:ph type="subTitle" idx="1"/>
+          </p:nvPr>
+        </p:nvSpPr>
+        <p:spPr>
+          <a:xfrm>
+            <a:off x="228676" y="764704"/>
+            <a:ext cx="8640960" cy="6480720"/>
+          </a:xfrm>
+        </p:spPr>
+        <p:txBody>
+          <a:bodyPr>
+            <a:noAutofit/>
+          </a:bodyPr>
+          <a:lstStyle/>
+          <a:p>
+            <a:r>
+              <a:rPr lang="en-GB" sz="3600" dirty="0">
+                <a:solidFill>
+                  <a:schemeClr val="bg1"/>
+                </a:solidFill>
+              </a:rPr>
+              <a:t>What shall we do</a:t>
+            </a:r>
+          </a:p>
+          <a:p>
+            <a:r>
+              <a:rPr lang="en-GB" sz="3600" dirty="0">
+                <a:solidFill>
+                  <a:schemeClr val="bg1"/>
+                </a:solidFill>
+              </a:rPr>
+              <a:t>We shall lift up a shout</a:t>
+            </a:r>
+          </a:p>
+          <a:p>
+            <a:r>
+              <a:rPr lang="en-GB" sz="3600" dirty="0">
+                <a:solidFill>
+                  <a:schemeClr val="bg1"/>
+                </a:solidFill>
+              </a:rPr>
+              <a:t>What shall we do</a:t>
+            </a:r>
+          </a:p>
+          <a:p>
+            <a:r>
+              <a:rPr lang="en-GB" sz="3600" dirty="0">
+                <a:solidFill>
+                  <a:schemeClr val="bg1"/>
+                </a:solidFill>
+              </a:rPr>
+              <a:t>We shall praise Him</a:t>
+            </a:r>
+          </a:p>
+          <a:p>
+            <a:r>
+              <a:rPr lang="en-GB" sz="3600" dirty="0">
+                <a:solidFill>
+                  <a:schemeClr val="bg1"/>
+                </a:solidFill>
+              </a:rPr>
+              <a:t>What shall we do</a:t>
+            </a:r>
+          </a:p>
+          <a:p>
+            <a:r>
+              <a:rPr lang="en-GB" sz="3600" dirty="0">
+                <a:solidFill>
+                  <a:schemeClr val="bg1"/>
+                </a:solidFill>
+              </a:rPr>
+              <a:t>For our God made a way</a:t>
+            </a:r>
+          </a:p>
+          <a:p>
+            <a:r>
+              <a:rPr lang="en-GB" sz="3600" dirty="0">
+                <a:solidFill>
+                  <a:schemeClr val="bg1"/>
+                </a:solidFill>
+              </a:rPr>
+              <a:t>We'll give Him our thanksgiving</a:t>
+            </a:r>
+          </a:p>
+        </p:txBody>
+      </p:sp>
+      <p:sp>
+        <p:nvSpPr>
+          <p:cNvPr id="4" name="TextBox 3">
+            <a:extLst>
+              <a:ext uri="{FF2B5EF4-FFF2-40B4-BE49-F238E27FC236}">
+                <a16:creationId xmlns:a16="http://schemas.microsoft.com/office/drawing/2014/main" id="{1A3B8D22-9B6A-3AB7-A6E5-2A2B516F6DDE}"/>
+              </a:ext>
+            </a:extLst>
+          </p:cNvPr>
+          <p:cNvSpPr txBox="1"/>
+          <p:nvPr/>
+        </p:nvSpPr>
+        <p:spPr>
+          <a:xfrm>
+            <a:off x="8529729" y="0"/>
+            <a:ext cx="628698" cy="461665"/>
+          </a:xfrm>
+          <a:prstGeom prst="rect">
+            <a:avLst/>
+          </a:prstGeom>
+          <a:noFill/>
+        </p:spPr>
+        <p:txBody>
+          <a:bodyPr wrap="none" rtlCol="0">
+            <a:spAutoFit/>
+          </a:bodyPr>
+          <a:lstStyle/>
+          <a:p>
+            <a:r>
+              <a:rPr lang="en-GB" sz="2400" b="1" dirty="0">
+                <a:solidFill>
+                  <a:schemeClr val="bg1"/>
+                </a:solidFill>
+              </a:rPr>
+              <a:t>4/8</a:t>
+            </a:r>
+          </a:p>
+        </p:txBody>
+      </p:sp>
+    </p:spTree>
+    <p:extLst>
+      <p:ext uri="{BB962C8B-B14F-4D97-AF65-F5344CB8AC3E}">
+        <p14:creationId xmlns:p14="http://schemas.microsoft.com/office/powerpoint/2010/main" val="1129505077"/>
+      </p:ext>
+    </p:extLst>
+  </p:cSld>
+  <p:clrMapOvr>
+    <a:masterClrMapping/>
+  </p:clrMapOvr>
+</p:sld>
+</file>
+
+<file path=ppt/slides/slide6.xml><?xml version="1.0" encoding="utf-8"?>
+<p:sld xmlns:a="http://schemas.openxmlformats.org/drawingml/2006/main" xmlns:r="http://schemas.openxmlformats.org/officeDocument/2006/relationships" xmlns:p="http://schemas.openxmlformats.org/presentationml/2006/main">
+  <p:cSld>
+    <p:spTree>
+      <p:nvGrpSpPr>
+        <p:cNvPr id="1" name="">
+          <a:extLst>
+            <a:ext uri="{FF2B5EF4-FFF2-40B4-BE49-F238E27FC236}">
+              <a16:creationId xmlns:a16="http://schemas.microsoft.com/office/drawing/2014/main" id="{F998001D-BEFE-BD02-199A-A335574E2862}"/>
+            </a:ext>
+          </a:extLst>
+        </p:cNvPr>
+        <p:cNvGrpSpPr/>
+        <p:nvPr/>
+      </p:nvGrpSpPr>
+      <p:grpSpPr>
+        <a:xfrm>
+          <a:off x="0" y="0"/>
+          <a:ext cx="0" cy="0"/>
+          <a:chOff x="0" y="0"/>
+          <a:chExt cx="0" cy="0"/>
+        </a:xfrm>
+      </p:grpSpPr>
+      <p:sp>
+        <p:nvSpPr>
+          <p:cNvPr id="3" name="Subtitle 2">
+            <a:extLst>
+              <a:ext uri="{FF2B5EF4-FFF2-40B4-BE49-F238E27FC236}">
+                <a16:creationId xmlns:a16="http://schemas.microsoft.com/office/drawing/2014/main" id="{077B5509-E76C-AC17-1523-0E59B07336CF}"/>
+              </a:ext>
+            </a:extLst>
+          </p:cNvPr>
+          <p:cNvSpPr>
+            <a:spLocks noGrp="1"/>
+          </p:cNvSpPr>
+          <p:nvPr>
+            <p:ph type="subTitle" idx="1"/>
+          </p:nvPr>
+        </p:nvSpPr>
+        <p:spPr>
+          <a:xfrm>
+            <a:off x="228676" y="764704"/>
+            <a:ext cx="8640960" cy="6480720"/>
+          </a:xfrm>
+        </p:spPr>
+        <p:txBody>
+          <a:bodyPr>
+            <a:noAutofit/>
+          </a:bodyPr>
+          <a:lstStyle/>
+          <a:p>
+            <a:r>
+              <a:rPr lang="en-GB" sz="3600" dirty="0">
+                <a:solidFill>
+                  <a:schemeClr val="bg1"/>
+                </a:solidFill>
+              </a:rPr>
+              <a:t>Even if the rocks cry out</a:t>
+            </a:r>
+          </a:p>
+          <a:p>
+            <a:r>
+              <a:rPr lang="en-GB" sz="3600" dirty="0">
+                <a:solidFill>
+                  <a:schemeClr val="bg1"/>
+                </a:solidFill>
+              </a:rPr>
+              <a:t>We're </a:t>
+            </a:r>
+            <a:r>
+              <a:rPr lang="en-GB" sz="3600" dirty="0" err="1">
+                <a:solidFill>
+                  <a:schemeClr val="bg1"/>
+                </a:solidFill>
+              </a:rPr>
+              <a:t>gonna</a:t>
+            </a:r>
+            <a:r>
+              <a:rPr lang="en-GB" sz="3600" dirty="0">
+                <a:solidFill>
+                  <a:schemeClr val="bg1"/>
+                </a:solidFill>
+              </a:rPr>
+              <a:t> drown them out</a:t>
+            </a:r>
+          </a:p>
+          <a:p>
+            <a:r>
+              <a:rPr lang="en-GB" sz="3600" dirty="0">
+                <a:solidFill>
+                  <a:schemeClr val="bg1"/>
+                </a:solidFill>
+              </a:rPr>
+              <a:t>With a louder shout of praise</a:t>
+            </a:r>
+          </a:p>
+          <a:p>
+            <a:r>
+              <a:rPr lang="en-GB" sz="3600" dirty="0">
+                <a:solidFill>
+                  <a:schemeClr val="bg1"/>
+                </a:solidFill>
+              </a:rPr>
+              <a:t>Even when the battles roar</a:t>
+            </a:r>
+          </a:p>
+          <a:p>
+            <a:r>
+              <a:rPr lang="en-GB" sz="3600" dirty="0">
+                <a:solidFill>
+                  <a:schemeClr val="bg1"/>
+                </a:solidFill>
+              </a:rPr>
+              <a:t>We're </a:t>
+            </a:r>
+            <a:r>
+              <a:rPr lang="en-GB" sz="3600" dirty="0" err="1">
+                <a:solidFill>
+                  <a:schemeClr val="bg1"/>
+                </a:solidFill>
+              </a:rPr>
+              <a:t>gonna</a:t>
+            </a:r>
+            <a:r>
+              <a:rPr lang="en-GB" sz="3600" dirty="0">
+                <a:solidFill>
+                  <a:schemeClr val="bg1"/>
+                </a:solidFill>
+              </a:rPr>
+              <a:t> praise You Lord</a:t>
+            </a:r>
+          </a:p>
+          <a:p>
+            <a:r>
+              <a:rPr lang="en-GB" sz="3600" dirty="0" err="1">
+                <a:solidFill>
+                  <a:schemeClr val="bg1"/>
+                </a:solidFill>
+              </a:rPr>
+              <a:t>'Cause</a:t>
+            </a:r>
+            <a:r>
+              <a:rPr lang="en-GB" sz="3600" dirty="0">
+                <a:solidFill>
+                  <a:schemeClr val="bg1"/>
+                </a:solidFill>
+              </a:rPr>
+              <a:t> You are always worthy</a:t>
+            </a:r>
+          </a:p>
+        </p:txBody>
+      </p:sp>
+      <p:sp>
+        <p:nvSpPr>
+          <p:cNvPr id="4" name="TextBox 3">
+            <a:extLst>
+              <a:ext uri="{FF2B5EF4-FFF2-40B4-BE49-F238E27FC236}">
+                <a16:creationId xmlns:a16="http://schemas.microsoft.com/office/drawing/2014/main" id="{98A1AA6E-5855-5DDA-44D4-8AC95B35777E}"/>
+              </a:ext>
+            </a:extLst>
+          </p:cNvPr>
+          <p:cNvSpPr txBox="1"/>
+          <p:nvPr/>
+        </p:nvSpPr>
+        <p:spPr>
+          <a:xfrm>
+            <a:off x="8529729" y="0"/>
+            <a:ext cx="628698" cy="461665"/>
+          </a:xfrm>
+          <a:prstGeom prst="rect">
+            <a:avLst/>
+          </a:prstGeom>
+          <a:noFill/>
+        </p:spPr>
+        <p:txBody>
+          <a:bodyPr wrap="none" rtlCol="0">
+            <a:spAutoFit/>
+          </a:bodyPr>
+          <a:lstStyle/>
+          <a:p>
+            <a:r>
+              <a:rPr lang="en-GB" sz="2400" b="1" dirty="0">
+                <a:solidFill>
+                  <a:schemeClr val="bg1"/>
+                </a:solidFill>
+              </a:rPr>
+              <a:t>5/8</a:t>
+            </a:r>
+          </a:p>
+        </p:txBody>
+      </p:sp>
+    </p:spTree>
+    <p:extLst>
+      <p:ext uri="{BB962C8B-B14F-4D97-AF65-F5344CB8AC3E}">
+        <p14:creationId xmlns:p14="http://schemas.microsoft.com/office/powerpoint/2010/main" val="4289020222"/>
+      </p:ext>
+    </p:extLst>
+  </p:cSld>
+  <p:clrMapOvr>
+    <a:masterClrMapping/>
+  </p:clrMapOvr>
+</p:sld>
+</file>
+
+<file path=ppt/slides/slide7.xml><?xml version="1.0" encoding="utf-8"?>
+<p:sld xmlns:a="http://schemas.openxmlformats.org/drawingml/2006/main" xmlns:r="http://schemas.openxmlformats.org/officeDocument/2006/relationships" xmlns:p="http://schemas.openxmlformats.org/presentationml/2006/main">
+  <p:cSld>
+    <p:spTree>
+      <p:nvGrpSpPr>
+        <p:cNvPr id="1" name="">
+          <a:extLst>
+            <a:ext uri="{FF2B5EF4-FFF2-40B4-BE49-F238E27FC236}">
+              <a16:creationId xmlns:a16="http://schemas.microsoft.com/office/drawing/2014/main" id="{61BF56F3-19A2-F7FA-AEDD-C14F1944B3E7}"/>
+            </a:ext>
+          </a:extLst>
+        </p:cNvPr>
+        <p:cNvGrpSpPr/>
+        <p:nvPr/>
+      </p:nvGrpSpPr>
+      <p:grpSpPr>
+        <a:xfrm>
+          <a:off x="0" y="0"/>
+          <a:ext cx="0" cy="0"/>
+          <a:chOff x="0" y="0"/>
+          <a:chExt cx="0" cy="0"/>
+        </a:xfrm>
+      </p:grpSpPr>
+      <p:sp>
+        <p:nvSpPr>
+          <p:cNvPr id="3" name="Subtitle 2">
+            <a:extLst>
+              <a:ext uri="{FF2B5EF4-FFF2-40B4-BE49-F238E27FC236}">
+                <a16:creationId xmlns:a16="http://schemas.microsoft.com/office/drawing/2014/main" id="{931A404C-0957-C0C6-585D-5F251D803B11}"/>
+              </a:ext>
+            </a:extLst>
+          </p:cNvPr>
+          <p:cNvSpPr>
+            <a:spLocks noGrp="1"/>
+          </p:cNvSpPr>
+          <p:nvPr>
+            <p:ph type="subTitle" idx="1"/>
+          </p:nvPr>
+        </p:nvSpPr>
+        <p:spPr>
+          <a:xfrm>
+            <a:off x="228676" y="764704"/>
+            <a:ext cx="8640960" cy="6480720"/>
+          </a:xfrm>
+        </p:spPr>
+        <p:txBody>
+          <a:bodyPr>
+            <a:noAutofit/>
+          </a:bodyPr>
+          <a:lstStyle/>
+          <a:p>
+            <a:r>
+              <a:rPr lang="en-GB" sz="3600" dirty="0">
+                <a:solidFill>
+                  <a:schemeClr val="bg1"/>
+                </a:solidFill>
+              </a:rPr>
+              <a:t>You are worthy</a:t>
+            </a:r>
+          </a:p>
+          <a:p>
+            <a:r>
+              <a:rPr lang="en-GB" sz="3600" dirty="0">
+                <a:solidFill>
+                  <a:schemeClr val="bg1"/>
+                </a:solidFill>
+              </a:rPr>
+              <a:t>Worthy of honour and praise</a:t>
+            </a:r>
+          </a:p>
+          <a:p>
+            <a:r>
+              <a:rPr lang="en-GB" sz="3600" dirty="0">
+                <a:solidFill>
+                  <a:schemeClr val="bg1"/>
+                </a:solidFill>
+              </a:rPr>
+              <a:t>You are worthy</a:t>
+            </a:r>
+          </a:p>
+          <a:p>
+            <a:r>
+              <a:rPr lang="en-GB" sz="3600" dirty="0">
+                <a:solidFill>
+                  <a:schemeClr val="bg1"/>
+                </a:solidFill>
+              </a:rPr>
+              <a:t>We'll sing it again and again</a:t>
+            </a:r>
+          </a:p>
+        </p:txBody>
+      </p:sp>
+      <p:sp>
+        <p:nvSpPr>
+          <p:cNvPr id="4" name="TextBox 3">
+            <a:extLst>
+              <a:ext uri="{FF2B5EF4-FFF2-40B4-BE49-F238E27FC236}">
+                <a16:creationId xmlns:a16="http://schemas.microsoft.com/office/drawing/2014/main" id="{C3397D06-1EC4-A4ED-DB40-F764385EF716}"/>
+              </a:ext>
+            </a:extLst>
+          </p:cNvPr>
+          <p:cNvSpPr txBox="1"/>
+          <p:nvPr/>
+        </p:nvSpPr>
+        <p:spPr>
+          <a:xfrm>
+            <a:off x="8529729" y="0"/>
+            <a:ext cx="628698" cy="461665"/>
+          </a:xfrm>
+          <a:prstGeom prst="rect">
+            <a:avLst/>
+          </a:prstGeom>
+          <a:noFill/>
+        </p:spPr>
+        <p:txBody>
+          <a:bodyPr wrap="none" rtlCol="0">
+            <a:spAutoFit/>
+          </a:bodyPr>
+          <a:lstStyle/>
+          <a:p>
+            <a:r>
+              <a:rPr lang="en-GB" sz="2400" b="1" dirty="0">
+                <a:solidFill>
+                  <a:schemeClr val="bg1"/>
+                </a:solidFill>
+              </a:rPr>
+              <a:t>6/8</a:t>
+            </a:r>
+          </a:p>
+        </p:txBody>
+      </p:sp>
+    </p:spTree>
+    <p:extLst>
+      <p:ext uri="{BB962C8B-B14F-4D97-AF65-F5344CB8AC3E}">
+        <p14:creationId xmlns:p14="http://schemas.microsoft.com/office/powerpoint/2010/main" val="2057781540"/>
+      </p:ext>
+    </p:extLst>
+  </p:cSld>
+  <p:clrMapOvr>
+    <a:masterClrMapping/>
+  </p:clrMapOvr>
+</p:sld>
+</file>
+
+<file path=ppt/slides/slide8.xml><?xml version="1.0" encoding="utf-8"?>
+<p:sld xmlns:a="http://schemas.openxmlformats.org/drawingml/2006/main" xmlns:r="http://schemas.openxmlformats.org/officeDocument/2006/relationships" xmlns:p="http://schemas.openxmlformats.org/presentationml/2006/main">
+  <p:cSld>
+    <p:spTree>
+      <p:nvGrpSpPr>
+        <p:cNvPr id="1" name="">
+          <a:extLst>
+            <a:ext uri="{FF2B5EF4-FFF2-40B4-BE49-F238E27FC236}">
+              <a16:creationId xmlns:a16="http://schemas.microsoft.com/office/drawing/2014/main" id="{3087FA56-D776-348E-C764-4CAC2F978E67}"/>
+            </a:ext>
+          </a:extLst>
+        </p:cNvPr>
+        <p:cNvGrpSpPr/>
+        <p:nvPr/>
+      </p:nvGrpSpPr>
+      <p:grpSpPr>
+        <a:xfrm>
+          <a:off x="0" y="0"/>
+          <a:ext cx="0" cy="0"/>
+          <a:chOff x="0" y="0"/>
+          <a:chExt cx="0" cy="0"/>
+        </a:xfrm>
+      </p:grpSpPr>
+      <p:sp>
+        <p:nvSpPr>
+          <p:cNvPr id="3" name="Subtitle 2">
+            <a:extLst>
+              <a:ext uri="{FF2B5EF4-FFF2-40B4-BE49-F238E27FC236}">
+                <a16:creationId xmlns:a16="http://schemas.microsoft.com/office/drawing/2014/main" id="{839EF33B-0154-B876-9B16-4EAF4DAF28E8}"/>
+              </a:ext>
+            </a:extLst>
+          </p:cNvPr>
+          <p:cNvSpPr>
+            <a:spLocks noGrp="1"/>
+          </p:cNvSpPr>
+          <p:nvPr>
+            <p:ph type="subTitle" idx="1"/>
+          </p:nvPr>
+        </p:nvSpPr>
+        <p:spPr>
+          <a:xfrm>
+            <a:off x="228676" y="764704"/>
+            <a:ext cx="8640960" cy="6480720"/>
+          </a:xfrm>
+        </p:spPr>
+        <p:txBody>
+          <a:bodyPr>
+            <a:noAutofit/>
+          </a:bodyPr>
+          <a:lstStyle/>
+          <a:p>
+            <a:r>
+              <a:rPr lang="en-GB" sz="3600" dirty="0">
+                <a:solidFill>
+                  <a:schemeClr val="bg1"/>
+                </a:solidFill>
+              </a:rPr>
+              <a:t>What shall we do</a:t>
+            </a:r>
+          </a:p>
+          <a:p>
+            <a:r>
+              <a:rPr lang="en-GB" sz="3600" dirty="0">
+                <a:solidFill>
+                  <a:schemeClr val="bg1"/>
+                </a:solidFill>
+              </a:rPr>
+              <a:t>We shall lift up a shout</a:t>
+            </a:r>
+          </a:p>
+          <a:p>
+            <a:r>
+              <a:rPr lang="en-GB" sz="3600" dirty="0">
+                <a:solidFill>
+                  <a:schemeClr val="bg1"/>
+                </a:solidFill>
+              </a:rPr>
+              <a:t>What shall we do</a:t>
+            </a:r>
+          </a:p>
+          <a:p>
+            <a:r>
+              <a:rPr lang="en-GB" sz="3600" dirty="0">
+                <a:solidFill>
+                  <a:schemeClr val="bg1"/>
+                </a:solidFill>
+              </a:rPr>
+              <a:t>We shall praise Him</a:t>
+            </a:r>
+          </a:p>
+          <a:p>
+            <a:r>
+              <a:rPr lang="en-GB" sz="3600" dirty="0">
+                <a:solidFill>
+                  <a:schemeClr val="bg1"/>
+                </a:solidFill>
+              </a:rPr>
+              <a:t>What shall we do</a:t>
+            </a:r>
+          </a:p>
+          <a:p>
+            <a:r>
+              <a:rPr lang="en-GB" sz="3600" dirty="0">
+                <a:solidFill>
+                  <a:schemeClr val="bg1"/>
+                </a:solidFill>
+              </a:rPr>
+              <a:t>For our God made a way</a:t>
+            </a:r>
+          </a:p>
+          <a:p>
+            <a:r>
+              <a:rPr lang="en-GB" sz="3600" dirty="0">
+                <a:solidFill>
+                  <a:schemeClr val="bg1"/>
+                </a:solidFill>
+              </a:rPr>
+              <a:t>We'll give Him our thanksgiving</a:t>
+            </a:r>
+          </a:p>
+        </p:txBody>
+      </p:sp>
+      <p:sp>
+        <p:nvSpPr>
+          <p:cNvPr id="4" name="TextBox 3">
+            <a:extLst>
+              <a:ext uri="{FF2B5EF4-FFF2-40B4-BE49-F238E27FC236}">
+                <a16:creationId xmlns:a16="http://schemas.microsoft.com/office/drawing/2014/main" id="{79E7DE05-4DE3-0C2F-7587-2B9FFC6018D6}"/>
+              </a:ext>
+            </a:extLst>
+          </p:cNvPr>
+          <p:cNvSpPr txBox="1"/>
+          <p:nvPr/>
+        </p:nvSpPr>
+        <p:spPr>
+          <a:xfrm>
+            <a:off x="8529729" y="0"/>
+            <a:ext cx="628698" cy="461665"/>
+          </a:xfrm>
+          <a:prstGeom prst="rect">
+            <a:avLst/>
+          </a:prstGeom>
+          <a:noFill/>
+        </p:spPr>
+        <p:txBody>
+          <a:bodyPr wrap="none" rtlCol="0">
+            <a:spAutoFit/>
+          </a:bodyPr>
+          <a:lstStyle/>
+          <a:p>
+            <a:r>
+              <a:rPr lang="en-GB" sz="2400" b="1" dirty="0">
+                <a:solidFill>
+                  <a:schemeClr val="bg1"/>
+                </a:solidFill>
+              </a:rPr>
+              <a:t>7/8</a:t>
+            </a:r>
+          </a:p>
+        </p:txBody>
+      </p:sp>
+    </p:spTree>
+    <p:extLst>
+      <p:ext uri="{BB962C8B-B14F-4D97-AF65-F5344CB8AC3E}">
+        <p14:creationId xmlns:p14="http://schemas.microsoft.com/office/powerpoint/2010/main" val="1834232735"/>
+      </p:ext>
+    </p:extLst>
+  </p:cSld>
+  <p:clrMapOvr>
+    <a:masterClrMapping/>
+  </p:clrMapOvr>
+</p:sld>
+</file>
+
+<file path=ppt/slides/slide9.xml><?xml version="1.0" encoding="utf-8"?>
+<p:sld xmlns:a="http://schemas.openxmlformats.org/drawingml/2006/main" xmlns:r="http://schemas.openxmlformats.org/officeDocument/2006/relationships" xmlns:p="http://schemas.openxmlformats.org/presentationml/2006/main">
+  <p:cSld>
+    <p:spTree>
+      <p:nvGrpSpPr>
+        <p:cNvPr id="1" name="">
+          <a:extLst>
+            <a:ext uri="{FF2B5EF4-FFF2-40B4-BE49-F238E27FC236}">
+              <a16:creationId xmlns:a16="http://schemas.microsoft.com/office/drawing/2014/main" id="{44C212D6-DA77-3F5E-9230-3425426BDD1C}"/>
+            </a:ext>
+          </a:extLst>
+        </p:cNvPr>
+        <p:cNvGrpSpPr/>
+        <p:nvPr/>
+      </p:nvGrpSpPr>
+      <p:grpSpPr>
+        <a:xfrm>
+          <a:off x="0" y="0"/>
+          <a:ext cx="0" cy="0"/>
+          <a:chOff x="0" y="0"/>
+          <a:chExt cx="0" cy="0"/>
+        </a:xfrm>
+      </p:grpSpPr>
+      <p:sp>
+        <p:nvSpPr>
+          <p:cNvPr id="3" name="Subtitle 2">
+            <a:extLst>
+              <a:ext uri="{FF2B5EF4-FFF2-40B4-BE49-F238E27FC236}">
+                <a16:creationId xmlns:a16="http://schemas.microsoft.com/office/drawing/2014/main" id="{5C8B8B34-392C-7381-6603-E09FF492CB90}"/>
+              </a:ext>
+            </a:extLst>
+          </p:cNvPr>
+          <p:cNvSpPr>
+            <a:spLocks noGrp="1"/>
+          </p:cNvSpPr>
+          <p:nvPr>
+            <p:ph type="subTitle" idx="1"/>
+          </p:nvPr>
+        </p:nvSpPr>
+        <p:spPr>
+          <a:xfrm>
+            <a:off x="228676" y="764704"/>
+            <a:ext cx="8640960" cy="6480720"/>
+          </a:xfrm>
+        </p:spPr>
+        <p:txBody>
+          <a:bodyPr>
+            <a:noAutofit/>
+          </a:bodyPr>
+          <a:lstStyle/>
+          <a:p>
+            <a:r>
+              <a:rPr lang="en-GB" sz="3600" dirty="0">
+                <a:solidFill>
+                  <a:schemeClr val="bg1"/>
+                </a:solidFill>
+              </a:rPr>
+              <a:t>We'll give Him our thanksgiving</a:t>
+            </a:r>
+          </a:p>
+          <a:p>
+            <a:r>
+              <a:rPr lang="en-GB" sz="3600" dirty="0">
+                <a:solidFill>
+                  <a:schemeClr val="bg1"/>
+                </a:solidFill>
+              </a:rPr>
+              <a:t>We'll give Him our thanksgiving</a:t>
+            </a:r>
+          </a:p>
+        </p:txBody>
+      </p:sp>
+      <p:sp>
+        <p:nvSpPr>
+          <p:cNvPr id="4" name="TextBox 3">
+            <a:extLst>
+              <a:ext uri="{FF2B5EF4-FFF2-40B4-BE49-F238E27FC236}">
+                <a16:creationId xmlns:a16="http://schemas.microsoft.com/office/drawing/2014/main" id="{BBC158C1-5657-BE41-3CAD-B65F60D108E4}"/>
+              </a:ext>
+            </a:extLst>
+          </p:cNvPr>
+          <p:cNvSpPr txBox="1"/>
+          <p:nvPr/>
+        </p:nvSpPr>
+        <p:spPr>
+          <a:xfrm>
+            <a:off x="8529729" y="0"/>
+            <a:ext cx="628698" cy="461665"/>
+          </a:xfrm>
+          <a:prstGeom prst="rect">
+            <a:avLst/>
+          </a:prstGeom>
+          <a:noFill/>
+        </p:spPr>
+        <p:txBody>
+          <a:bodyPr wrap="none" rtlCol="0">
+            <a:spAutoFit/>
+          </a:bodyPr>
+          <a:lstStyle/>
+          <a:p>
+            <a:r>
+              <a:rPr lang="en-GB" sz="2400" b="1" dirty="0">
+                <a:solidFill>
+                  <a:schemeClr val="bg1"/>
+                </a:solidFill>
+              </a:rPr>
+              <a:t>8/8</a:t>
+            </a:r>
+          </a:p>
+        </p:txBody>
+      </p:sp>
+    </p:spTree>
+    <p:extLst>
+      <p:ext uri="{BB962C8B-B14F-4D97-AF65-F5344CB8AC3E}">
+        <p14:creationId xmlns:p14="http://schemas.microsoft.com/office/powerpoint/2010/main" val="4107917809"/>
+      </p:ext>
+    </p:extLst>
+  </p:cSld>
+  <p:clrMapOvr>
+    <a:masterClrMapping/>
+  </p:clrMapOvr>
+</p:sld>
 </file>
 
 <file path=ppt/theme/theme1.xml><?xml version="1.0" encoding="utf-8"?>
